--- a/presentation/Lutes_Capstone_Presentation.pptx
+++ b/presentation/Lutes_Capstone_Presentation.pptx
@@ -1039,6 +1039,67 @@
 </file>
 
 <file path=ppt/notesSlides/notesSlide5.xml><?xml version="1.0" encoding="utf-8"?>
+<p:notes xmlns:a="http://schemas.openxmlformats.org/drawingml/2006/main" xmlns:r="http://schemas.openxmlformats.org/officeDocument/2006/relationships" xmlns:p="http://schemas.openxmlformats.org/presentationml/2006/main">
+  <p:cSld>
+    <p:spTree>
+      <p:nvGrpSpPr>
+        <p:cNvPr id="1" name=""/>
+        <p:cNvGrpSpPr/>
+        <p:nvPr/>
+      </p:nvGrpSpPr>
+      <p:grpSpPr>
+        <a:xfrm>
+          <a:off x="0" y="0"/>
+          <a:ext cx="0" cy="0"/>
+          <a:chOff x="0" y="0"/>
+          <a:chExt cx="0" cy="0"/>
+        </a:xfrm>
+      </p:grpSpPr>
+      <p:sp>
+        <p:nvSpPr>
+          <p:cNvPr id="2" name="Slide Image Placeholder 1"/>
+          <p:cNvSpPr>
+            <a:spLocks noGrp="1" noRot="1" noChangeAspect="1"/>
+          </p:cNvSpPr>
+          <p:nvPr>
+            <p:ph type="sldImg"/>
+          </p:nvPr>
+        </p:nvSpPr>
+        <p:spPr/>
+      </p:sp>
+      <p:sp>
+        <p:nvSpPr>
+          <p:cNvPr id="3" name="Notes Placeholder 2"/>
+          <p:cNvSpPr>
+            <a:spLocks noGrp="1"/>
+          </p:cNvSpPr>
+          <p:nvPr>
+            <p:ph type="body" idx="1"/>
+          </p:nvPr>
+        </p:nvSpPr>
+        <p:spPr/>
+        <p:txBody>
+          <a:bodyPr/>
+          <a:lstStyle/>
+          <a:p>
+            <a:endParaRPr lang="en-US"/>
+          </a:p>
+        </p:txBody>
+      </p:sp>
+    </p:spTree>
+    <p:extLst>
+      <p:ext uri="{BB962C8B-B14F-4D97-AF65-F5344CB8AC3E}">
+        <p14:creationId xmlns:p14="http://schemas.microsoft.com/office/powerpoint/2010/main" val="1027596883"/>
+      </p:ext>
+    </p:extLst>
+  </p:cSld>
+  <p:clrMapOvr>
+    <a:masterClrMapping/>
+  </p:clrMapOvr>
+</p:notes>
+</file>
+
+<file path=ppt/notesSlides/notesSlide6.xml><?xml version="1.0" encoding="utf-8"?>
 <p:notes xmlns:a="http://schemas.openxmlformats.org/drawingml/2006/main" xmlns:r="http://schemas.openxmlformats.org/officeDocument/2006/relationships" xmlns:p="http://schemas.openxmlformats.org/presentationml/2006/main" showMasterSp="0" showMasterPhAnim="0">
   <p:cSld>
     <p:spTree>

--- a/presentation/Lutes_Capstone_Presentation.pptx
+++ b/presentation/Lutes_Capstone_Presentation.pptx
@@ -1065,7 +1065,12 @@
             <p:ph type="sldImg"/>
           </p:nvPr>
         </p:nvSpPr>
-        <p:spPr/>
+        <p:spPr>
+          <a:xfrm>
+            <a:off x="381000" y="685800"/>
+            <a:ext cx="6096000" cy="3429000"/>
+          </a:xfrm>
+        </p:spPr>
       </p:sp>
       <p:sp>
         <p:nvSpPr>
@@ -8885,8 +8890,8 @@
         </p:nvSpPr>
         <p:spPr>
           <a:xfrm>
-            <a:off x="445537" y="4710111"/>
-            <a:ext cx="2080493" cy="528600"/>
+            <a:off x="1074360" y="4340769"/>
+            <a:ext cx="7858246" cy="528600"/>
           </a:xfrm>
           <a:prstGeom prst="rect">
             <a:avLst/>
@@ -9152,21 +9157,8 @@
               <a:buSzPct val="100000"/>
             </a:pPr>
             <a:r>
-              <a:rPr lang="en-US" sz="1200" dirty="0"/>
-              <a:t>Model: LDA (12 topics, 50 iterations)</a:t>
-            </a:r>
-          </a:p>
-          <a:p>
-            <a:pPr algn="l">
-              <a:buSzPct val="100000"/>
-            </a:pPr>
-            <a:r>
-              <a:rPr lang="en-US" sz="1200" dirty="0" err="1"/>
-              <a:t>Umass</a:t>
-            </a:r>
-            <a:r>
-              <a:rPr lang="en-US" sz="1200" dirty="0"/>
-              <a:t> Coherence: -2.3</a:t>
+              <a:rPr lang="en-US" sz="1000" dirty="0"/>
+              <a:t>Model: LDA (12 topics, 50 iterations); UMass Coherence: -2.3</a:t>
             </a:r>
           </a:p>
         </p:txBody>
@@ -10715,6 +10707,1188 @@
           </a:p>
         </p:txBody>
       </p:sp>
+      <p:sp>
+        <p:nvSpPr>
+          <p:cNvPr id="3" name="Title 1">
+            <a:extLst>
+              <a:ext uri="{FF2B5EF4-FFF2-40B4-BE49-F238E27FC236}">
+                <a16:creationId xmlns:a16="http://schemas.microsoft.com/office/drawing/2014/main" id="{FB569963-C0D0-0943-B028-190FFF9372A6}"/>
+              </a:ext>
+            </a:extLst>
+          </p:cNvPr>
+          <p:cNvSpPr txBox="1">
+            <a:spLocks/>
+          </p:cNvSpPr>
+          <p:nvPr/>
+        </p:nvSpPr>
+        <p:spPr>
+          <a:xfrm>
+            <a:off x="848317" y="1348740"/>
+            <a:ext cx="7461294" cy="2758154"/>
+          </a:xfrm>
+          <a:prstGeom prst="rect">
+            <a:avLst/>
+          </a:prstGeom>
+          <a:noFill/>
+          <a:ln>
+            <a:noFill/>
+          </a:ln>
+        </p:spPr>
+        <p:txBody>
+          <a:bodyPr spcFirstLastPara="1" wrap="square" lIns="91425" tIns="91425" rIns="91425" bIns="91425" anchor="t" anchorCtr="0">
+            <a:noAutofit/>
+          </a:bodyPr>
+          <a:lstStyle>
+            <a:defPPr marR="0" lvl="0" algn="l" rtl="0">
+              <a:lnSpc>
+                <a:spcPct val="100000"/>
+              </a:lnSpc>
+              <a:spcBef>
+                <a:spcPts val="0"/>
+              </a:spcBef>
+              <a:spcAft>
+                <a:spcPts val="0"/>
+              </a:spcAft>
+            </a:defPPr>
+            <a:lvl1pPr marR="0" lvl="0" algn="ctr" rtl="0">
+              <a:lnSpc>
+                <a:spcPct val="100000"/>
+              </a:lnSpc>
+              <a:spcBef>
+                <a:spcPts val="0"/>
+              </a:spcBef>
+              <a:spcAft>
+                <a:spcPts val="0"/>
+              </a:spcAft>
+              <a:buClr>
+                <a:srgbClr val="1D262D"/>
+              </a:buClr>
+              <a:buSzPts val="3000"/>
+              <a:buFont typeface="Barlow Condensed"/>
+              <a:buNone/>
+              <a:defRPr sz="3000" b="0" i="0" u="none" strike="noStrike" cap="none">
+                <a:solidFill>
+                  <a:srgbClr val="1D262D"/>
+                </a:solidFill>
+                <a:latin typeface="Barlow Condensed"/>
+                <a:ea typeface="Barlow Condensed"/>
+                <a:cs typeface="Barlow Condensed"/>
+                <a:sym typeface="Barlow Condensed"/>
+              </a:defRPr>
+            </a:lvl1pPr>
+            <a:lvl2pPr marR="0" lvl="1" algn="l" rtl="0">
+              <a:lnSpc>
+                <a:spcPct val="100000"/>
+              </a:lnSpc>
+              <a:spcBef>
+                <a:spcPts val="0"/>
+              </a:spcBef>
+              <a:spcAft>
+                <a:spcPts val="0"/>
+              </a:spcAft>
+              <a:buClr>
+                <a:srgbClr val="1D262D"/>
+              </a:buClr>
+              <a:buSzPts val="3000"/>
+              <a:buFont typeface="Barlow Condensed"/>
+              <a:buNone/>
+              <a:defRPr sz="3000" b="0" i="0" u="none" strike="noStrike" cap="none">
+                <a:solidFill>
+                  <a:srgbClr val="1D262D"/>
+                </a:solidFill>
+                <a:latin typeface="Barlow Condensed"/>
+                <a:ea typeface="Barlow Condensed"/>
+                <a:cs typeface="Barlow Condensed"/>
+                <a:sym typeface="Barlow Condensed"/>
+              </a:defRPr>
+            </a:lvl2pPr>
+            <a:lvl3pPr marR="0" lvl="2" algn="l" rtl="0">
+              <a:lnSpc>
+                <a:spcPct val="100000"/>
+              </a:lnSpc>
+              <a:spcBef>
+                <a:spcPts val="0"/>
+              </a:spcBef>
+              <a:spcAft>
+                <a:spcPts val="0"/>
+              </a:spcAft>
+              <a:buClr>
+                <a:srgbClr val="1D262D"/>
+              </a:buClr>
+              <a:buSzPts val="3000"/>
+              <a:buFont typeface="Barlow Condensed"/>
+              <a:buNone/>
+              <a:defRPr sz="3000" b="0" i="0" u="none" strike="noStrike" cap="none">
+                <a:solidFill>
+                  <a:srgbClr val="1D262D"/>
+                </a:solidFill>
+                <a:latin typeface="Barlow Condensed"/>
+                <a:ea typeface="Barlow Condensed"/>
+                <a:cs typeface="Barlow Condensed"/>
+                <a:sym typeface="Barlow Condensed"/>
+              </a:defRPr>
+            </a:lvl3pPr>
+            <a:lvl4pPr marR="0" lvl="3" algn="l" rtl="0">
+              <a:lnSpc>
+                <a:spcPct val="100000"/>
+              </a:lnSpc>
+              <a:spcBef>
+                <a:spcPts val="0"/>
+              </a:spcBef>
+              <a:spcAft>
+                <a:spcPts val="0"/>
+              </a:spcAft>
+              <a:buClr>
+                <a:srgbClr val="1D262D"/>
+              </a:buClr>
+              <a:buSzPts val="3000"/>
+              <a:buFont typeface="Barlow Condensed"/>
+              <a:buNone/>
+              <a:defRPr sz="3000" b="0" i="0" u="none" strike="noStrike" cap="none">
+                <a:solidFill>
+                  <a:srgbClr val="1D262D"/>
+                </a:solidFill>
+                <a:latin typeface="Barlow Condensed"/>
+                <a:ea typeface="Barlow Condensed"/>
+                <a:cs typeface="Barlow Condensed"/>
+                <a:sym typeface="Barlow Condensed"/>
+              </a:defRPr>
+            </a:lvl4pPr>
+            <a:lvl5pPr marR="0" lvl="4" algn="l" rtl="0">
+              <a:lnSpc>
+                <a:spcPct val="100000"/>
+              </a:lnSpc>
+              <a:spcBef>
+                <a:spcPts val="0"/>
+              </a:spcBef>
+              <a:spcAft>
+                <a:spcPts val="0"/>
+              </a:spcAft>
+              <a:buClr>
+                <a:srgbClr val="1D262D"/>
+              </a:buClr>
+              <a:buSzPts val="3000"/>
+              <a:buFont typeface="Barlow Condensed"/>
+              <a:buNone/>
+              <a:defRPr sz="3000" b="0" i="0" u="none" strike="noStrike" cap="none">
+                <a:solidFill>
+                  <a:srgbClr val="1D262D"/>
+                </a:solidFill>
+                <a:latin typeface="Barlow Condensed"/>
+                <a:ea typeface="Barlow Condensed"/>
+                <a:cs typeface="Barlow Condensed"/>
+                <a:sym typeface="Barlow Condensed"/>
+              </a:defRPr>
+            </a:lvl5pPr>
+            <a:lvl6pPr marR="0" lvl="5" algn="l" rtl="0">
+              <a:lnSpc>
+                <a:spcPct val="100000"/>
+              </a:lnSpc>
+              <a:spcBef>
+                <a:spcPts val="0"/>
+              </a:spcBef>
+              <a:spcAft>
+                <a:spcPts val="0"/>
+              </a:spcAft>
+              <a:buClr>
+                <a:srgbClr val="1D262D"/>
+              </a:buClr>
+              <a:buSzPts val="3000"/>
+              <a:buFont typeface="Barlow Condensed"/>
+              <a:buNone/>
+              <a:defRPr sz="3000" b="0" i="0" u="none" strike="noStrike" cap="none">
+                <a:solidFill>
+                  <a:srgbClr val="1D262D"/>
+                </a:solidFill>
+                <a:latin typeface="Barlow Condensed"/>
+                <a:ea typeface="Barlow Condensed"/>
+                <a:cs typeface="Barlow Condensed"/>
+                <a:sym typeface="Barlow Condensed"/>
+              </a:defRPr>
+            </a:lvl6pPr>
+            <a:lvl7pPr marR="0" lvl="6" algn="l" rtl="0">
+              <a:lnSpc>
+                <a:spcPct val="100000"/>
+              </a:lnSpc>
+              <a:spcBef>
+                <a:spcPts val="0"/>
+              </a:spcBef>
+              <a:spcAft>
+                <a:spcPts val="0"/>
+              </a:spcAft>
+              <a:buClr>
+                <a:srgbClr val="1D262D"/>
+              </a:buClr>
+              <a:buSzPts val="3000"/>
+              <a:buFont typeface="Barlow Condensed"/>
+              <a:buNone/>
+              <a:defRPr sz="3000" b="0" i="0" u="none" strike="noStrike" cap="none">
+                <a:solidFill>
+                  <a:srgbClr val="1D262D"/>
+                </a:solidFill>
+                <a:latin typeface="Barlow Condensed"/>
+                <a:ea typeface="Barlow Condensed"/>
+                <a:cs typeface="Barlow Condensed"/>
+                <a:sym typeface="Barlow Condensed"/>
+              </a:defRPr>
+            </a:lvl7pPr>
+            <a:lvl8pPr marR="0" lvl="7" algn="l" rtl="0">
+              <a:lnSpc>
+                <a:spcPct val="100000"/>
+              </a:lnSpc>
+              <a:spcBef>
+                <a:spcPts val="0"/>
+              </a:spcBef>
+              <a:spcAft>
+                <a:spcPts val="0"/>
+              </a:spcAft>
+              <a:buClr>
+                <a:srgbClr val="1D262D"/>
+              </a:buClr>
+              <a:buSzPts val="3000"/>
+              <a:buFont typeface="Barlow Condensed"/>
+              <a:buNone/>
+              <a:defRPr sz="3000" b="0" i="0" u="none" strike="noStrike" cap="none">
+                <a:solidFill>
+                  <a:srgbClr val="1D262D"/>
+                </a:solidFill>
+                <a:latin typeface="Barlow Condensed"/>
+                <a:ea typeface="Barlow Condensed"/>
+                <a:cs typeface="Barlow Condensed"/>
+                <a:sym typeface="Barlow Condensed"/>
+              </a:defRPr>
+            </a:lvl8pPr>
+            <a:lvl9pPr marR="0" lvl="8" algn="l" rtl="0">
+              <a:lnSpc>
+                <a:spcPct val="100000"/>
+              </a:lnSpc>
+              <a:spcBef>
+                <a:spcPts val="0"/>
+              </a:spcBef>
+              <a:spcAft>
+                <a:spcPts val="0"/>
+              </a:spcAft>
+              <a:buClr>
+                <a:srgbClr val="1D262D"/>
+              </a:buClr>
+              <a:buSzPts val="3000"/>
+              <a:buFont typeface="Barlow Condensed"/>
+              <a:buNone/>
+              <a:defRPr sz="3000" b="0" i="0" u="none" strike="noStrike" cap="none">
+                <a:solidFill>
+                  <a:srgbClr val="1D262D"/>
+                </a:solidFill>
+                <a:latin typeface="Barlow Condensed"/>
+                <a:ea typeface="Barlow Condensed"/>
+                <a:cs typeface="Barlow Condensed"/>
+                <a:sym typeface="Barlow Condensed"/>
+              </a:defRPr>
+            </a:lvl9pPr>
+          </a:lstStyle>
+          <a:p>
+            <a:pPr marL="342900" indent="-342900" algn="l">
+              <a:buSzPct val="100000"/>
+              <a:buFont typeface="+mj-lt"/>
+              <a:buAutoNum type="arabicPeriod"/>
+            </a:pPr>
+            <a:endParaRPr lang="en-US" sz="1600" dirty="0"/>
+          </a:p>
+          <a:p>
+            <a:pPr marL="342900" indent="-342900" algn="l">
+              <a:buSzPct val="100000"/>
+              <a:buFont typeface="+mj-lt"/>
+              <a:buAutoNum type="arabicPeriod"/>
+            </a:pPr>
+            <a:endParaRPr lang="en-US" sz="1600" dirty="0"/>
+          </a:p>
+          <a:p>
+            <a:pPr marL="342900" indent="-342900" algn="l">
+              <a:buSzPct val="100000"/>
+              <a:buFont typeface="+mj-lt"/>
+              <a:buAutoNum type="arabicPeriod"/>
+            </a:pPr>
+            <a:endParaRPr lang="en-US" sz="1600" dirty="0"/>
+          </a:p>
+          <a:p>
+            <a:pPr marL="342900" indent="-342900" algn="l">
+              <a:buFont typeface="Arial" panose="020B0604020202020204" pitchFamily="34" charset="0"/>
+              <a:buChar char="•"/>
+            </a:pPr>
+            <a:endParaRPr lang="en-US" sz="1600" dirty="0"/>
+          </a:p>
+        </p:txBody>
+      </p:sp>
+      <p:graphicFrame>
+        <p:nvGraphicFramePr>
+          <p:cNvPr id="7" name="Table 6">
+            <a:extLst>
+              <a:ext uri="{FF2B5EF4-FFF2-40B4-BE49-F238E27FC236}">
+                <a16:creationId xmlns:a16="http://schemas.microsoft.com/office/drawing/2014/main" id="{1CFEED2F-03A7-BF45-B4A1-B175F12EABD5}"/>
+              </a:ext>
+            </a:extLst>
+          </p:cNvPr>
+          <p:cNvGraphicFramePr>
+            <a:graphicFrameLocks noGrp="1"/>
+          </p:cNvGraphicFramePr>
+          <p:nvPr>
+            <p:extLst>
+              <p:ext uri="{D42A27DB-BD31-4B8C-83A1-F6EECF244321}">
+                <p14:modId xmlns:p14="http://schemas.microsoft.com/office/powerpoint/2010/main" val="3971579389"/>
+              </p:ext>
+            </p:extLst>
+          </p:nvPr>
+        </p:nvGraphicFramePr>
+        <p:xfrm>
+          <a:off x="4759707" y="1520107"/>
+          <a:ext cx="2510419" cy="2415418"/>
+        </p:xfrm>
+        <a:graphic>
+          <a:graphicData uri="http://schemas.openxmlformats.org/drawingml/2006/table">
+            <a:tbl>
+              <a:tblPr firstRow="1" bandRow="1">
+                <a:tableStyleId>{C5614C5D-A64A-4157-8007-D5A13249B699}</a:tableStyleId>
+              </a:tblPr>
+              <a:tblGrid>
+                <a:gridCol w="2510419">
+                  <a:extLst>
+                    <a:ext uri="{9D8B030D-6E8A-4147-A177-3AD203B41FA5}">
+                      <a16:colId xmlns:a16="http://schemas.microsoft.com/office/drawing/2014/main" val="2811167043"/>
+                    </a:ext>
+                  </a:extLst>
+                </a:gridCol>
+              </a:tblGrid>
+              <a:tr h="298314">
+                <a:tc>
+                  <a:txBody>
+                    <a:bodyPr/>
+                    <a:lstStyle/>
+                    <a:p>
+                      <a:pPr marL="0" marR="0" lvl="0" indent="0" algn="ctr" defTabSz="914400" rtl="0" eaLnBrk="1" fontAlgn="auto" latinLnBrk="0" hangingPunct="1">
+                        <a:lnSpc>
+                          <a:spcPct val="100000"/>
+                        </a:lnSpc>
+                        <a:spcBef>
+                          <a:spcPts val="0"/>
+                        </a:spcBef>
+                        <a:spcAft>
+                          <a:spcPts val="0"/>
+                        </a:spcAft>
+                        <a:buClr>
+                          <a:srgbClr val="000000"/>
+                        </a:buClr>
+                        <a:buSzTx/>
+                        <a:buFont typeface="Arial"/>
+                        <a:buNone/>
+                        <a:tabLst/>
+                        <a:defRPr/>
+                      </a:pPr>
+                      <a:r>
+                        <a:rPr lang="en-US" dirty="0">
+                          <a:solidFill>
+                            <a:srgbClr val="1D262D"/>
+                          </a:solidFill>
+                          <a:latin typeface="Barlow"/>
+                          <a:ea typeface="Barlow"/>
+                          <a:cs typeface="Barlow"/>
+                          <a:sym typeface="Barlow"/>
+                        </a:rPr>
+                        <a:t>For Pregnant Users</a:t>
+                      </a:r>
+                    </a:p>
+                  </a:txBody>
+                  <a:tcPr>
+                    <a:solidFill>
+                      <a:schemeClr val="accent5"/>
+                    </a:solidFill>
+                  </a:tcPr>
+                </a:tc>
+                <a:extLst>
+                  <a:ext uri="{0D108BD9-81ED-4DB2-BD59-A6C34878D82A}">
+                    <a16:rowId xmlns:a16="http://schemas.microsoft.com/office/drawing/2014/main" val="1771189973"/>
+                  </a:ext>
+                </a:extLst>
+              </a:tr>
+              <a:tr h="299712">
+                <a:tc>
+                  <a:txBody>
+                    <a:bodyPr/>
+                    <a:lstStyle/>
+                    <a:p>
+                      <a:pPr marL="0" marR="0" lvl="0" indent="0" algn="l" defTabSz="914400" rtl="0" eaLnBrk="1" fontAlgn="auto" latinLnBrk="0" hangingPunct="1">
+                        <a:lnSpc>
+                          <a:spcPct val="100000"/>
+                        </a:lnSpc>
+                        <a:spcBef>
+                          <a:spcPts val="0"/>
+                        </a:spcBef>
+                        <a:spcAft>
+                          <a:spcPts val="0"/>
+                        </a:spcAft>
+                        <a:buClr>
+                          <a:srgbClr val="000000"/>
+                        </a:buClr>
+                        <a:buSzTx/>
+                        <a:buFont typeface="Arial"/>
+                        <a:buNone/>
+                        <a:tabLst/>
+                        <a:defRPr/>
+                      </a:pPr>
+                      <a:r>
+                        <a:rPr kumimoji="0" lang="en-US" sz="1200" b="0" i="0" u="none" strike="noStrike" kern="0" cap="none" spc="0" normalizeH="0" baseline="0" noProof="0" dirty="0">
+                          <a:ln>
+                            <a:noFill/>
+                          </a:ln>
+                          <a:solidFill>
+                            <a:srgbClr val="1D262D"/>
+                          </a:solidFill>
+                          <a:effectLst/>
+                          <a:uLnTx/>
+                          <a:uFillTx/>
+                          <a:latin typeface="Barlow"/>
+                          <a:ea typeface="Barlow"/>
+                          <a:cs typeface="Barlow"/>
+                          <a:sym typeface="Barlow"/>
+                        </a:rPr>
+                        <a:t>Coping with pregnancy life changes</a:t>
+                      </a:r>
+                    </a:p>
+                  </a:txBody>
+                  <a:tcPr/>
+                </a:tc>
+                <a:extLst>
+                  <a:ext uri="{0D108BD9-81ED-4DB2-BD59-A6C34878D82A}">
+                    <a16:rowId xmlns:a16="http://schemas.microsoft.com/office/drawing/2014/main" val="4147535913"/>
+                  </a:ext>
+                </a:extLst>
+              </a:tr>
+              <a:tr h="298314">
+                <a:tc>
+                  <a:txBody>
+                    <a:bodyPr/>
+                    <a:lstStyle/>
+                    <a:p>
+                      <a:pPr marL="0" marR="0" lvl="0" indent="0" algn="l" defTabSz="914400" rtl="0" eaLnBrk="1" fontAlgn="auto" latinLnBrk="0" hangingPunct="1">
+                        <a:lnSpc>
+                          <a:spcPct val="100000"/>
+                        </a:lnSpc>
+                        <a:spcBef>
+                          <a:spcPts val="0"/>
+                        </a:spcBef>
+                        <a:spcAft>
+                          <a:spcPts val="0"/>
+                        </a:spcAft>
+                        <a:buClr>
+                          <a:srgbClr val="000000"/>
+                        </a:buClr>
+                        <a:buSzTx/>
+                        <a:buFont typeface="Arial"/>
+                        <a:buNone/>
+                        <a:tabLst/>
+                        <a:defRPr/>
+                      </a:pPr>
+                      <a:r>
+                        <a:rPr kumimoji="0" lang="en-US" sz="1200" b="0" i="0" u="none" strike="noStrike" kern="0" cap="none" spc="0" normalizeH="0" baseline="0" noProof="0" dirty="0">
+                          <a:ln>
+                            <a:noFill/>
+                          </a:ln>
+                          <a:solidFill>
+                            <a:srgbClr val="1D262D"/>
+                          </a:solidFill>
+                          <a:effectLst/>
+                          <a:uLnTx/>
+                          <a:uFillTx/>
+                          <a:latin typeface="Barlow"/>
+                          <a:ea typeface="Barlow"/>
+                          <a:cs typeface="Barlow"/>
+                          <a:sym typeface="Barlow"/>
+                        </a:rPr>
+                        <a:t>Dealing with nausea and sleep disruptions</a:t>
+                      </a:r>
+                    </a:p>
+                  </a:txBody>
+                  <a:tcPr/>
+                </a:tc>
+                <a:extLst>
+                  <a:ext uri="{0D108BD9-81ED-4DB2-BD59-A6C34878D82A}">
+                    <a16:rowId xmlns:a16="http://schemas.microsoft.com/office/drawing/2014/main" val="2803972582"/>
+                  </a:ext>
+                </a:extLst>
+              </a:tr>
+              <a:tr h="298314">
+                <a:tc>
+                  <a:txBody>
+                    <a:bodyPr/>
+                    <a:lstStyle/>
+                    <a:p>
+                      <a:pPr marL="0" marR="0" lvl="0" indent="0" algn="l" defTabSz="914400" rtl="0" eaLnBrk="1" fontAlgn="auto" latinLnBrk="0" hangingPunct="1">
+                        <a:lnSpc>
+                          <a:spcPct val="100000"/>
+                        </a:lnSpc>
+                        <a:spcBef>
+                          <a:spcPts val="0"/>
+                        </a:spcBef>
+                        <a:spcAft>
+                          <a:spcPts val="0"/>
+                        </a:spcAft>
+                        <a:buClr>
+                          <a:srgbClr val="000000"/>
+                        </a:buClr>
+                        <a:buSzTx/>
+                        <a:buFont typeface="Arial"/>
+                        <a:buNone/>
+                        <a:tabLst/>
+                        <a:defRPr/>
+                      </a:pPr>
+                      <a:r>
+                        <a:rPr kumimoji="0" lang="en-US" sz="1200" b="0" i="0" u="none" strike="noStrike" kern="0" cap="none" spc="0" normalizeH="0" baseline="0" noProof="0" dirty="0">
+                          <a:ln>
+                            <a:noFill/>
+                          </a:ln>
+                          <a:solidFill>
+                            <a:srgbClr val="1D262D"/>
+                          </a:solidFill>
+                          <a:effectLst/>
+                          <a:uLnTx/>
+                          <a:uFillTx/>
+                          <a:latin typeface="Barlow"/>
+                          <a:ea typeface="Barlow"/>
+                          <a:cs typeface="Barlow"/>
+                          <a:sym typeface="Barlow"/>
+                        </a:rPr>
+                        <a:t>Obstetrics Appointments</a:t>
+                      </a:r>
+                    </a:p>
+                  </a:txBody>
+                  <a:tcPr/>
+                </a:tc>
+                <a:extLst>
+                  <a:ext uri="{0D108BD9-81ED-4DB2-BD59-A6C34878D82A}">
+                    <a16:rowId xmlns:a16="http://schemas.microsoft.com/office/drawing/2014/main" val="1933705234"/>
+                  </a:ext>
+                </a:extLst>
+              </a:tr>
+              <a:tr h="306197">
+                <a:tc>
+                  <a:txBody>
+                    <a:bodyPr/>
+                    <a:lstStyle/>
+                    <a:p>
+                      <a:pPr marL="0" marR="0" lvl="0" indent="0" algn="l" defTabSz="914400" rtl="0" eaLnBrk="1" fontAlgn="auto" latinLnBrk="0" hangingPunct="1">
+                        <a:lnSpc>
+                          <a:spcPct val="100000"/>
+                        </a:lnSpc>
+                        <a:spcBef>
+                          <a:spcPts val="0"/>
+                        </a:spcBef>
+                        <a:spcAft>
+                          <a:spcPts val="0"/>
+                        </a:spcAft>
+                        <a:buClr>
+                          <a:srgbClr val="000000"/>
+                        </a:buClr>
+                        <a:buSzTx/>
+                        <a:buFont typeface="Arial"/>
+                        <a:buNone/>
+                        <a:tabLst/>
+                        <a:defRPr/>
+                      </a:pPr>
+                      <a:r>
+                        <a:rPr kumimoji="0" lang="en-US" sz="1200" b="0" i="0" u="none" strike="noStrike" kern="0" cap="none" spc="0" normalizeH="0" baseline="0" noProof="0" dirty="0">
+                          <a:ln>
+                            <a:noFill/>
+                          </a:ln>
+                          <a:solidFill>
+                            <a:srgbClr val="1D262D"/>
+                          </a:solidFill>
+                          <a:effectLst/>
+                          <a:uLnTx/>
+                          <a:uFillTx/>
+                          <a:latin typeface="Barlow"/>
+                          <a:ea typeface="Barlow"/>
+                          <a:cs typeface="Barlow"/>
+                          <a:sym typeface="Barlow"/>
+                        </a:rPr>
+                        <a:t>What to expect during labor and delivery</a:t>
+                      </a:r>
+                    </a:p>
+                  </a:txBody>
+                  <a:tcPr/>
+                </a:tc>
+                <a:extLst>
+                  <a:ext uri="{0D108BD9-81ED-4DB2-BD59-A6C34878D82A}">
+                    <a16:rowId xmlns:a16="http://schemas.microsoft.com/office/drawing/2014/main" val="2883839591"/>
+                  </a:ext>
+                </a:extLst>
+              </a:tr>
+              <a:tr h="306197">
+                <a:tc>
+                  <a:txBody>
+                    <a:bodyPr/>
+                    <a:lstStyle/>
+                    <a:p>
+                      <a:pPr marL="0" marR="0" lvl="0" indent="0" algn="l" defTabSz="914400" rtl="0" eaLnBrk="1" fontAlgn="auto" latinLnBrk="0" hangingPunct="1">
+                        <a:lnSpc>
+                          <a:spcPct val="100000"/>
+                        </a:lnSpc>
+                        <a:spcBef>
+                          <a:spcPts val="0"/>
+                        </a:spcBef>
+                        <a:spcAft>
+                          <a:spcPts val="0"/>
+                        </a:spcAft>
+                        <a:buClr>
+                          <a:srgbClr val="000000"/>
+                        </a:buClr>
+                        <a:buSzTx/>
+                        <a:buFont typeface="Arial"/>
+                        <a:buNone/>
+                        <a:tabLst/>
+                        <a:defRPr/>
+                      </a:pPr>
+                      <a:endParaRPr kumimoji="0" lang="en-US" sz="1200" b="0" i="0" u="none" strike="noStrike" kern="0" cap="none" spc="0" normalizeH="0" baseline="0" noProof="0" dirty="0">
+                        <a:ln>
+                          <a:noFill/>
+                        </a:ln>
+                        <a:solidFill>
+                          <a:srgbClr val="1D262D"/>
+                        </a:solidFill>
+                        <a:effectLst/>
+                        <a:uLnTx/>
+                        <a:uFillTx/>
+                        <a:latin typeface="Barlow"/>
+                        <a:ea typeface="Barlow"/>
+                        <a:cs typeface="Barlow"/>
+                        <a:sym typeface="Barlow"/>
+                      </a:endParaRPr>
+                    </a:p>
+                  </a:txBody>
+                  <a:tcPr/>
+                </a:tc>
+                <a:extLst>
+                  <a:ext uri="{0D108BD9-81ED-4DB2-BD59-A6C34878D82A}">
+                    <a16:rowId xmlns:a16="http://schemas.microsoft.com/office/drawing/2014/main" val="2941564366"/>
+                  </a:ext>
+                </a:extLst>
+              </a:tr>
+              <a:tr h="291995">
+                <a:tc>
+                  <a:txBody>
+                    <a:bodyPr/>
+                    <a:lstStyle/>
+                    <a:p>
+                      <a:pPr marL="0" marR="0" lvl="0" indent="0" algn="l" defTabSz="914400" rtl="0" eaLnBrk="1" fontAlgn="auto" latinLnBrk="0" hangingPunct="1">
+                        <a:lnSpc>
+                          <a:spcPct val="100000"/>
+                        </a:lnSpc>
+                        <a:spcBef>
+                          <a:spcPts val="0"/>
+                        </a:spcBef>
+                        <a:spcAft>
+                          <a:spcPts val="0"/>
+                        </a:spcAft>
+                        <a:buClr>
+                          <a:srgbClr val="000000"/>
+                        </a:buClr>
+                        <a:buSzTx/>
+                        <a:buFont typeface="Arial"/>
+                        <a:buNone/>
+                        <a:tabLst/>
+                        <a:defRPr/>
+                      </a:pPr>
+                      <a:endParaRPr kumimoji="0" lang="en-US" sz="1200" b="0" i="0" u="none" strike="noStrike" kern="0" cap="none" spc="0" normalizeH="0" baseline="0" noProof="0" dirty="0">
+                        <a:ln>
+                          <a:noFill/>
+                        </a:ln>
+                        <a:solidFill>
+                          <a:srgbClr val="1D262D"/>
+                        </a:solidFill>
+                        <a:effectLst/>
+                        <a:uLnTx/>
+                        <a:uFillTx/>
+                        <a:latin typeface="Barlow"/>
+                        <a:ea typeface="Barlow"/>
+                        <a:cs typeface="Barlow"/>
+                        <a:sym typeface="Barlow"/>
+                      </a:endParaRPr>
+                    </a:p>
+                  </a:txBody>
+                  <a:tcPr/>
+                </a:tc>
+                <a:extLst>
+                  <a:ext uri="{0D108BD9-81ED-4DB2-BD59-A6C34878D82A}">
+                    <a16:rowId xmlns:a16="http://schemas.microsoft.com/office/drawing/2014/main" val="1490935901"/>
+                  </a:ext>
+                </a:extLst>
+              </a:tr>
+            </a:tbl>
+          </a:graphicData>
+        </a:graphic>
+      </p:graphicFrame>
+      <p:graphicFrame>
+        <p:nvGraphicFramePr>
+          <p:cNvPr id="8" name="Table 7">
+            <a:extLst>
+              <a:ext uri="{FF2B5EF4-FFF2-40B4-BE49-F238E27FC236}">
+                <a16:creationId xmlns:a16="http://schemas.microsoft.com/office/drawing/2014/main" id="{F6028636-A96B-B047-82E6-4BBAF407D44E}"/>
+              </a:ext>
+            </a:extLst>
+          </p:cNvPr>
+          <p:cNvGraphicFramePr>
+            <a:graphicFrameLocks noGrp="1"/>
+          </p:cNvGraphicFramePr>
+          <p:nvPr>
+            <p:extLst>
+              <p:ext uri="{D42A27DB-BD31-4B8C-83A1-F6EECF244321}">
+                <p14:modId xmlns:p14="http://schemas.microsoft.com/office/powerpoint/2010/main" val="4172863605"/>
+              </p:ext>
+            </p:extLst>
+          </p:nvPr>
+        </p:nvGraphicFramePr>
+        <p:xfrm>
+          <a:off x="1548802" y="1520108"/>
+          <a:ext cx="2510420" cy="2415419"/>
+        </p:xfrm>
+        <a:graphic>
+          <a:graphicData uri="http://schemas.openxmlformats.org/drawingml/2006/table">
+            <a:tbl>
+              <a:tblPr firstRow="1" bandRow="1">
+                <a:tableStyleId>{C5614C5D-A64A-4157-8007-D5A13249B699}</a:tableStyleId>
+              </a:tblPr>
+              <a:tblGrid>
+                <a:gridCol w="2510420">
+                  <a:extLst>
+                    <a:ext uri="{9D8B030D-6E8A-4147-A177-3AD203B41FA5}">
+                      <a16:colId xmlns:a16="http://schemas.microsoft.com/office/drawing/2014/main" val="2811167043"/>
+                    </a:ext>
+                  </a:extLst>
+                </a:gridCol>
+              </a:tblGrid>
+              <a:tr h="308088">
+                <a:tc>
+                  <a:txBody>
+                    <a:bodyPr/>
+                    <a:lstStyle/>
+                    <a:p>
+                      <a:pPr marL="0" marR="0" lvl="0" indent="0" algn="ctr" defTabSz="914400" rtl="0" eaLnBrk="1" fontAlgn="auto" latinLnBrk="0" hangingPunct="1">
+                        <a:lnSpc>
+                          <a:spcPct val="100000"/>
+                        </a:lnSpc>
+                        <a:spcBef>
+                          <a:spcPts val="0"/>
+                        </a:spcBef>
+                        <a:spcAft>
+                          <a:spcPts val="0"/>
+                        </a:spcAft>
+                        <a:buClr>
+                          <a:srgbClr val="000000"/>
+                        </a:buClr>
+                        <a:buSzTx/>
+                        <a:buFont typeface="Arial"/>
+                        <a:buNone/>
+                        <a:tabLst/>
+                        <a:defRPr/>
+                      </a:pPr>
+                      <a:r>
+                        <a:rPr lang="en-US" dirty="0">
+                          <a:solidFill>
+                            <a:srgbClr val="1D262D"/>
+                          </a:solidFill>
+                          <a:latin typeface="Barlow"/>
+                          <a:ea typeface="Barlow"/>
+                          <a:cs typeface="Barlow"/>
+                          <a:sym typeface="Barlow"/>
+                        </a:rPr>
+                        <a:t>For Non-Pregnant Users</a:t>
+                      </a:r>
+                    </a:p>
+                  </a:txBody>
+                  <a:tcPr>
+                    <a:solidFill>
+                      <a:schemeClr val="accent5"/>
+                    </a:solidFill>
+                  </a:tcPr>
+                </a:tc>
+                <a:extLst>
+                  <a:ext uri="{0D108BD9-81ED-4DB2-BD59-A6C34878D82A}">
+                    <a16:rowId xmlns:a16="http://schemas.microsoft.com/office/drawing/2014/main" val="1771189973"/>
+                  </a:ext>
+                </a:extLst>
+              </a:tr>
+              <a:tr h="301532">
+                <a:tc>
+                  <a:txBody>
+                    <a:bodyPr/>
+                    <a:lstStyle/>
+                    <a:p>
+                      <a:pPr marL="0" marR="0" lvl="0" indent="0" algn="l" defTabSz="914400" rtl="0" eaLnBrk="1" fontAlgn="auto" latinLnBrk="0" hangingPunct="1">
+                        <a:lnSpc>
+                          <a:spcPct val="100000"/>
+                        </a:lnSpc>
+                        <a:spcBef>
+                          <a:spcPts val="0"/>
+                        </a:spcBef>
+                        <a:spcAft>
+                          <a:spcPts val="0"/>
+                        </a:spcAft>
+                        <a:buClr>
+                          <a:srgbClr val="000000"/>
+                        </a:buClr>
+                        <a:buSzTx/>
+                        <a:buFont typeface="Arial"/>
+                        <a:buNone/>
+                        <a:tabLst/>
+                        <a:defRPr/>
+                      </a:pPr>
+                      <a:r>
+                        <a:rPr kumimoji="0" lang="en-US" sz="1200" b="0" i="0" u="none" strike="noStrike" kern="0" cap="none" spc="0" normalizeH="0" baseline="0" noProof="0" dirty="0">
+                          <a:ln>
+                            <a:noFill/>
+                          </a:ln>
+                          <a:solidFill>
+                            <a:srgbClr val="1D262D"/>
+                          </a:solidFill>
+                          <a:effectLst/>
+                          <a:uLnTx/>
+                          <a:uFillTx/>
+                          <a:latin typeface="Barlow"/>
+                          <a:ea typeface="Barlow"/>
+                          <a:cs typeface="Barlow"/>
+                          <a:sym typeface="Barlow"/>
+                        </a:rPr>
+                        <a:t>Menstrual Cycle Abnormalities</a:t>
+                      </a:r>
+                    </a:p>
+                  </a:txBody>
+                  <a:tcPr/>
+                </a:tc>
+                <a:extLst>
+                  <a:ext uri="{0D108BD9-81ED-4DB2-BD59-A6C34878D82A}">
+                    <a16:rowId xmlns:a16="http://schemas.microsoft.com/office/drawing/2014/main" val="3262966668"/>
+                  </a:ext>
+                </a:extLst>
+              </a:tr>
+              <a:tr h="302945">
+                <a:tc>
+                  <a:txBody>
+                    <a:bodyPr/>
+                    <a:lstStyle/>
+                    <a:p>
+                      <a:pPr marL="0" marR="0" lvl="0" indent="0" algn="l" defTabSz="914400" rtl="0" eaLnBrk="1" fontAlgn="auto" latinLnBrk="0" hangingPunct="1">
+                        <a:lnSpc>
+                          <a:spcPct val="100000"/>
+                        </a:lnSpc>
+                        <a:spcBef>
+                          <a:spcPts val="0"/>
+                        </a:spcBef>
+                        <a:spcAft>
+                          <a:spcPts val="0"/>
+                        </a:spcAft>
+                        <a:buClr>
+                          <a:srgbClr val="000000"/>
+                        </a:buClr>
+                        <a:buSzTx/>
+                        <a:buFont typeface="Arial"/>
+                        <a:buNone/>
+                        <a:tabLst/>
+                        <a:defRPr/>
+                      </a:pPr>
+                      <a:r>
+                        <a:rPr kumimoji="0" lang="en-US" sz="1200" b="0" i="0" u="none" strike="noStrike" kern="0" cap="none" spc="0" normalizeH="0" baseline="0" noProof="0" dirty="0">
+                          <a:ln>
+                            <a:noFill/>
+                          </a:ln>
+                          <a:solidFill>
+                            <a:srgbClr val="1D262D"/>
+                          </a:solidFill>
+                          <a:effectLst/>
+                          <a:uLnTx/>
+                          <a:uFillTx/>
+                          <a:latin typeface="Barlow"/>
+                          <a:ea typeface="Barlow"/>
+                          <a:cs typeface="Barlow"/>
+                          <a:sym typeface="Barlow"/>
+                        </a:rPr>
+                        <a:t>Feminine Hygiene Products</a:t>
+                      </a:r>
+                    </a:p>
+                  </a:txBody>
+                  <a:tcPr/>
+                </a:tc>
+                <a:extLst>
+                  <a:ext uri="{0D108BD9-81ED-4DB2-BD59-A6C34878D82A}">
+                    <a16:rowId xmlns:a16="http://schemas.microsoft.com/office/drawing/2014/main" val="4147535913"/>
+                  </a:ext>
+                </a:extLst>
+              </a:tr>
+              <a:tr h="301532">
+                <a:tc>
+                  <a:txBody>
+                    <a:bodyPr/>
+                    <a:lstStyle/>
+                    <a:p>
+                      <a:pPr marL="0" marR="0" lvl="0" indent="0" algn="l" defTabSz="914400" rtl="0" eaLnBrk="1" fontAlgn="auto" latinLnBrk="0" hangingPunct="1">
+                        <a:lnSpc>
+                          <a:spcPct val="100000"/>
+                        </a:lnSpc>
+                        <a:spcBef>
+                          <a:spcPts val="0"/>
+                        </a:spcBef>
+                        <a:spcAft>
+                          <a:spcPts val="0"/>
+                        </a:spcAft>
+                        <a:buClr>
+                          <a:srgbClr val="000000"/>
+                        </a:buClr>
+                        <a:buSzTx/>
+                        <a:buFont typeface="Arial"/>
+                        <a:buNone/>
+                        <a:tabLst/>
+                        <a:defRPr/>
+                      </a:pPr>
+                      <a:r>
+                        <a:rPr kumimoji="0" lang="en-US" sz="1200" b="0" i="0" u="none" strike="noStrike" kern="0" cap="none" spc="0" normalizeH="0" baseline="0" noProof="0" dirty="0">
+                          <a:ln>
+                            <a:noFill/>
+                          </a:ln>
+                          <a:solidFill>
+                            <a:srgbClr val="1D262D"/>
+                          </a:solidFill>
+                          <a:effectLst/>
+                          <a:uLnTx/>
+                          <a:uFillTx/>
+                          <a:latin typeface="Barlow"/>
+                          <a:ea typeface="Barlow"/>
+                          <a:cs typeface="Barlow"/>
+                          <a:sym typeface="Barlow"/>
+                        </a:rPr>
+                        <a:t>Birth Control Options</a:t>
+                      </a:r>
+                    </a:p>
+                  </a:txBody>
+                  <a:tcPr/>
+                </a:tc>
+                <a:extLst>
+                  <a:ext uri="{0D108BD9-81ED-4DB2-BD59-A6C34878D82A}">
+                    <a16:rowId xmlns:a16="http://schemas.microsoft.com/office/drawing/2014/main" val="2803972582"/>
+                  </a:ext>
+                </a:extLst>
+              </a:tr>
+              <a:tr h="301532">
+                <a:tc>
+                  <a:txBody>
+                    <a:bodyPr/>
+                    <a:lstStyle/>
+                    <a:p>
+                      <a:pPr marL="0" marR="0" lvl="0" indent="0" algn="l" defTabSz="914400" rtl="0" eaLnBrk="1" fontAlgn="auto" latinLnBrk="0" hangingPunct="1">
+                        <a:lnSpc>
+                          <a:spcPct val="100000"/>
+                        </a:lnSpc>
+                        <a:spcBef>
+                          <a:spcPts val="0"/>
+                        </a:spcBef>
+                        <a:spcAft>
+                          <a:spcPts val="0"/>
+                        </a:spcAft>
+                        <a:buClr>
+                          <a:srgbClr val="000000"/>
+                        </a:buClr>
+                        <a:buSzTx/>
+                        <a:buFont typeface="Arial"/>
+                        <a:buNone/>
+                        <a:tabLst/>
+                        <a:defRPr/>
+                      </a:pPr>
+                      <a:r>
+                        <a:rPr kumimoji="0" lang="en-US" sz="1200" b="0" i="0" u="none" strike="noStrike" kern="0" cap="none" spc="0" normalizeH="0" baseline="0" noProof="0" dirty="0">
+                          <a:ln>
+                            <a:noFill/>
+                          </a:ln>
+                          <a:solidFill>
+                            <a:srgbClr val="1D262D"/>
+                          </a:solidFill>
+                          <a:effectLst/>
+                          <a:uLnTx/>
+                          <a:uFillTx/>
+                          <a:latin typeface="Barlow"/>
+                          <a:ea typeface="Barlow"/>
+                          <a:cs typeface="Barlow"/>
+                          <a:sym typeface="Barlow"/>
+                        </a:rPr>
+                        <a:t>Symptoms of Infections</a:t>
+                      </a:r>
+                    </a:p>
+                  </a:txBody>
+                  <a:tcPr/>
+                </a:tc>
+                <a:extLst>
+                  <a:ext uri="{0D108BD9-81ED-4DB2-BD59-A6C34878D82A}">
+                    <a16:rowId xmlns:a16="http://schemas.microsoft.com/office/drawing/2014/main" val="1933705234"/>
+                  </a:ext>
+                </a:extLst>
+              </a:tr>
+              <a:tr h="309500">
+                <a:tc>
+                  <a:txBody>
+                    <a:bodyPr/>
+                    <a:lstStyle/>
+                    <a:p>
+                      <a:pPr marL="0" marR="0" lvl="0" indent="0" algn="l" defTabSz="914400" rtl="0" eaLnBrk="1" fontAlgn="auto" latinLnBrk="0" hangingPunct="1">
+                        <a:lnSpc>
+                          <a:spcPct val="100000"/>
+                        </a:lnSpc>
+                        <a:spcBef>
+                          <a:spcPts val="0"/>
+                        </a:spcBef>
+                        <a:spcAft>
+                          <a:spcPts val="0"/>
+                        </a:spcAft>
+                        <a:buClr>
+                          <a:srgbClr val="000000"/>
+                        </a:buClr>
+                        <a:buSzTx/>
+                        <a:buFont typeface="Arial"/>
+                        <a:buNone/>
+                        <a:tabLst/>
+                        <a:defRPr/>
+                      </a:pPr>
+                      <a:r>
+                        <a:rPr kumimoji="0" lang="en-US" sz="1200" b="0" i="0" u="none" strike="noStrike" kern="0" cap="none" spc="0" normalizeH="0" baseline="0" noProof="0" dirty="0">
+                          <a:ln>
+                            <a:noFill/>
+                          </a:ln>
+                          <a:solidFill>
+                            <a:srgbClr val="1D262D"/>
+                          </a:solidFill>
+                          <a:effectLst/>
+                          <a:uLnTx/>
+                          <a:uFillTx/>
+                          <a:latin typeface="Barlow"/>
+                          <a:ea typeface="Barlow"/>
+                          <a:cs typeface="Barlow"/>
+                          <a:sym typeface="Barlow"/>
+                        </a:rPr>
+                        <a:t>Common Gynecological Issues</a:t>
+                      </a:r>
+                    </a:p>
+                  </a:txBody>
+                  <a:tcPr/>
+                </a:tc>
+                <a:extLst>
+                  <a:ext uri="{0D108BD9-81ED-4DB2-BD59-A6C34878D82A}">
+                    <a16:rowId xmlns:a16="http://schemas.microsoft.com/office/drawing/2014/main" val="2883839591"/>
+                  </a:ext>
+                </a:extLst>
+              </a:tr>
+              <a:tr h="295145">
+                <a:tc>
+                  <a:txBody>
+                    <a:bodyPr/>
+                    <a:lstStyle/>
+                    <a:p>
+                      <a:pPr marL="0" marR="0" lvl="0" indent="0" algn="l" defTabSz="914400" rtl="0" eaLnBrk="1" fontAlgn="auto" latinLnBrk="0" hangingPunct="1">
+                        <a:lnSpc>
+                          <a:spcPct val="100000"/>
+                        </a:lnSpc>
+                        <a:spcBef>
+                          <a:spcPts val="0"/>
+                        </a:spcBef>
+                        <a:spcAft>
+                          <a:spcPts val="0"/>
+                        </a:spcAft>
+                        <a:buClr>
+                          <a:srgbClr val="000000"/>
+                        </a:buClr>
+                        <a:buSzTx/>
+                        <a:buFont typeface="Arial"/>
+                        <a:buNone/>
+                        <a:tabLst/>
+                        <a:defRPr/>
+                      </a:pPr>
+                      <a:r>
+                        <a:rPr kumimoji="0" lang="en-US" sz="1200" b="0" i="0" u="none" strike="noStrike" kern="0" cap="none" spc="0" normalizeH="0" baseline="0" noProof="0" dirty="0">
+                          <a:ln>
+                            <a:noFill/>
+                          </a:ln>
+                          <a:solidFill>
+                            <a:srgbClr val="1D262D"/>
+                          </a:solidFill>
+                          <a:effectLst/>
+                          <a:uLnTx/>
+                          <a:uFillTx/>
+                          <a:latin typeface="Barlow"/>
+                          <a:ea typeface="Barlow"/>
+                          <a:cs typeface="Barlow"/>
+                          <a:sym typeface="Barlow"/>
+                        </a:rPr>
+                        <a:t>Fertility Options</a:t>
+                      </a:r>
+                    </a:p>
+                  </a:txBody>
+                  <a:tcPr/>
+                </a:tc>
+                <a:extLst>
+                  <a:ext uri="{0D108BD9-81ED-4DB2-BD59-A6C34878D82A}">
+                    <a16:rowId xmlns:a16="http://schemas.microsoft.com/office/drawing/2014/main" val="1490935901"/>
+                  </a:ext>
+                </a:extLst>
+              </a:tr>
+              <a:tr h="295145">
+                <a:tc>
+                  <a:txBody>
+                    <a:bodyPr/>
+                    <a:lstStyle/>
+                    <a:p>
+                      <a:pPr marL="0" marR="0" lvl="0" indent="0" algn="l" defTabSz="914400" rtl="0" eaLnBrk="1" fontAlgn="auto" latinLnBrk="0" hangingPunct="1">
+                        <a:lnSpc>
+                          <a:spcPct val="100000"/>
+                        </a:lnSpc>
+                        <a:spcBef>
+                          <a:spcPts val="0"/>
+                        </a:spcBef>
+                        <a:spcAft>
+                          <a:spcPts val="0"/>
+                        </a:spcAft>
+                        <a:buClr>
+                          <a:srgbClr val="000000"/>
+                        </a:buClr>
+                        <a:buSzTx/>
+                        <a:buFont typeface="Arial"/>
+                        <a:buNone/>
+                        <a:tabLst/>
+                        <a:defRPr/>
+                      </a:pPr>
+                      <a:r>
+                        <a:rPr kumimoji="0" lang="en-US" sz="1200" b="0" i="0" u="none" strike="noStrike" kern="0" cap="none" spc="0" normalizeH="0" baseline="0" noProof="0" dirty="0">
+                          <a:ln>
+                            <a:noFill/>
+                          </a:ln>
+                          <a:solidFill>
+                            <a:srgbClr val="1D262D"/>
+                          </a:solidFill>
+                          <a:effectLst/>
+                          <a:uLnTx/>
+                          <a:uFillTx/>
+                          <a:latin typeface="Barlow"/>
+                          <a:ea typeface="Barlow"/>
+                          <a:cs typeface="Barlow"/>
+                          <a:sym typeface="Barlow"/>
+                        </a:rPr>
+                        <a:t>Determination of pregnancy</a:t>
+                      </a:r>
+                    </a:p>
+                  </a:txBody>
+                  <a:tcPr/>
+                </a:tc>
+                <a:extLst>
+                  <a:ext uri="{0D108BD9-81ED-4DB2-BD59-A6C34878D82A}">
+                    <a16:rowId xmlns:a16="http://schemas.microsoft.com/office/drawing/2014/main" val="3930213665"/>
+                  </a:ext>
+                </a:extLst>
+              </a:tr>
+            </a:tbl>
+          </a:graphicData>
+        </a:graphic>
+      </p:graphicFrame>
     </p:spTree>
     <p:extLst>
       <p:ext uri="{BB962C8B-B14F-4D97-AF65-F5344CB8AC3E}">
@@ -11078,7 +12252,7 @@
             </a:pPr>
             <a:r>
               <a:rPr lang="en-US" sz="1600" dirty="0"/>
-              <a:t>There were some clusters that were identified that were not related to health concerns.</a:t>
+              <a:t>In comparison to focus groups or surveys, use of data from online forums likely allowed us to analyze data from more unique users.</a:t>
             </a:r>
           </a:p>
           <a:p>
@@ -11217,10 +12391,10 @@
               <a:buNone/>
             </a:pPr>
             <a:r>
-              <a:rPr lang="en" dirty="0"/>
-              <a:t>THANKS!</a:t>
+              <a:rPr lang="en" sz="6600" dirty="0"/>
+              <a:t>Thank You!</a:t>
             </a:r>
-            <a:endParaRPr dirty="0"/>
+            <a:endParaRPr sz="6600" dirty="0"/>
           </a:p>
         </p:txBody>
       </p:sp>
@@ -11290,7 +12464,7 @@
         </p:nvSpPr>
         <p:spPr>
           <a:xfrm>
-            <a:off x="3107094" y="1968759"/>
+            <a:off x="3107094" y="1893809"/>
             <a:ext cx="3007500" cy="1569660"/>
           </a:xfrm>
           <a:prstGeom prst="rect">

--- a/presentation/Lutes_Capstone_Presentation.pptx
+++ b/presentation/Lutes_Capstone_Presentation.pptx
@@ -10271,8 +10271,8 @@
         </p:nvSpPr>
         <p:spPr>
           <a:xfrm>
-            <a:off x="462409" y="4747188"/>
-            <a:ext cx="2155061" cy="528600"/>
+            <a:off x="1286119" y="4134278"/>
+            <a:ext cx="6747860" cy="528600"/>
           </a:xfrm>
           <a:prstGeom prst="rect">
             <a:avLst/>
@@ -10538,20 +10538,15 @@
               <a:buSzPct val="100000"/>
             </a:pPr>
             <a:r>
-              <a:rPr lang="en-US" sz="1200" dirty="0"/>
-              <a:t>Model: LDA (10 topics, 50 iterations)</a:t>
+              <a:rPr lang="en-US" sz="1100" dirty="0"/>
+              <a:t>Model: LDA (10 topics, 50 iterations); </a:t>
             </a:r>
-          </a:p>
-          <a:p>
-            <a:pPr algn="l">
-              <a:buSzPct val="100000"/>
-            </a:pPr>
             <a:r>
-              <a:rPr lang="en-US" sz="1200" dirty="0" err="1"/>
+              <a:rPr lang="en-US" sz="1100" dirty="0" err="1"/>
               <a:t>Umass</a:t>
             </a:r>
             <a:r>
-              <a:rPr lang="en-US" sz="1200" dirty="0"/>
+              <a:rPr lang="en-US" sz="1100" dirty="0"/>
               <a:t> Coherence: -1.96</a:t>
             </a:r>
           </a:p>

--- a/presentation/Lutes_Capstone_Presentation.pptx
+++ b/presentation/Lutes_Capstone_Presentation.pptx
@@ -5,7 +5,7 @@
     <p:sldMasterId id="2147483685" r:id="rId1"/>
   </p:sldMasterIdLst>
   <p:notesMasterIdLst>
-    <p:notesMasterId r:id="rId19"/>
+    <p:notesMasterId r:id="rId18"/>
   </p:notesMasterIdLst>
   <p:sldIdLst>
     <p:sldId id="256" r:id="rId2"/>
@@ -16,46 +16,45 @@
     <p:sldId id="309" r:id="rId7"/>
     <p:sldId id="310" r:id="rId8"/>
     <p:sldId id="311" r:id="rId9"/>
-    <p:sldId id="318" r:id="rId10"/>
-    <p:sldId id="312" r:id="rId11"/>
-    <p:sldId id="319" r:id="rId12"/>
-    <p:sldId id="313" r:id="rId13"/>
-    <p:sldId id="320" r:id="rId14"/>
-    <p:sldId id="314" r:id="rId15"/>
-    <p:sldId id="315" r:id="rId16"/>
-    <p:sldId id="316" r:id="rId17"/>
-    <p:sldId id="285" r:id="rId18"/>
+    <p:sldId id="312" r:id="rId10"/>
+    <p:sldId id="319" r:id="rId11"/>
+    <p:sldId id="313" r:id="rId12"/>
+    <p:sldId id="320" r:id="rId13"/>
+    <p:sldId id="314" r:id="rId14"/>
+    <p:sldId id="315" r:id="rId15"/>
+    <p:sldId id="316" r:id="rId16"/>
+    <p:sldId id="285" r:id="rId17"/>
   </p:sldIdLst>
   <p:sldSz cx="9144000" cy="5143500" type="screen16x9"/>
   <p:notesSz cx="6858000" cy="9144000"/>
   <p:embeddedFontLst>
     <p:embeddedFont>
       <p:font typeface="Barlow" pitchFamily="2" charset="77"/>
-      <p:regular r:id="rId20"/>
-      <p:bold r:id="rId21"/>
-      <p:italic r:id="rId22"/>
-      <p:boldItalic r:id="rId23"/>
+      <p:regular r:id="rId19"/>
+      <p:bold r:id="rId20"/>
+      <p:italic r:id="rId21"/>
+      <p:boldItalic r:id="rId22"/>
     </p:embeddedFont>
     <p:embeddedFont>
       <p:font typeface="Barlow Condensed" pitchFamily="2" charset="77"/>
-      <p:regular r:id="rId24"/>
-      <p:bold r:id="rId25"/>
-      <p:italic r:id="rId26"/>
-      <p:boldItalic r:id="rId27"/>
+      <p:regular r:id="rId23"/>
+      <p:bold r:id="rId24"/>
+      <p:italic r:id="rId25"/>
+      <p:boldItalic r:id="rId26"/>
     </p:embeddedFont>
     <p:embeddedFont>
       <p:font typeface="Barlow Condensed ExtraLight" pitchFamily="2" charset="77"/>
-      <p:regular r:id="rId28"/>
-      <p:bold r:id="rId29"/>
-      <p:italic r:id="rId30"/>
-      <p:boldItalic r:id="rId31"/>
+      <p:regular r:id="rId27"/>
+      <p:bold r:id="rId28"/>
+      <p:italic r:id="rId29"/>
+      <p:boldItalic r:id="rId30"/>
     </p:embeddedFont>
     <p:embeddedFont>
       <p:font typeface="Barlow Medium" pitchFamily="2" charset="77"/>
-      <p:regular r:id="rId32"/>
-      <p:bold r:id="rId33"/>
-      <p:italic r:id="rId34"/>
-      <p:boldItalic r:id="rId35"/>
+      <p:regular r:id="rId31"/>
+      <p:bold r:id="rId32"/>
+      <p:italic r:id="rId33"/>
+      <p:boldItalic r:id="rId34"/>
     </p:embeddedFont>
   </p:embeddedFontLst>
   <p:defaultTextStyle>
@@ -889,6 +888,18 @@
           <a:bodyPr/>
           <a:lstStyle/>
           <a:p>
+            <a:r>
+              <a:rPr lang="en-US" dirty="0"/>
+              <a:t>Citizen Science is an emerging trend that uses crowd sourcing to conduct scientific research – funding or recruitment of participants.</a:t>
+            </a:r>
+          </a:p>
+          <a:p>
+            <a:r>
+              <a:rPr lang="en-US" dirty="0"/>
+              <a:t>Maternal and Infant Health research -&gt; how do events during pregnancy impact an infant’s development?</a:t>
+            </a:r>
+          </a:p>
+          <a:p>
             <a:endParaRPr lang="en-US" dirty="0"/>
           </a:p>
         </p:txBody>
@@ -896,7 +907,7 @@
     </p:spTree>
     <p:extLst>
       <p:ext uri="{BB962C8B-B14F-4D97-AF65-F5344CB8AC3E}">
-        <p14:creationId xmlns:p14="http://schemas.microsoft.com/office/powerpoint/2010/main" val="3186178604"/>
+        <p14:creationId xmlns:p14="http://schemas.microsoft.com/office/powerpoint/2010/main" val="3758947222"/>
       </p:ext>
     </p:extLst>
   </p:cSld>
@@ -962,7 +973,7 @@
     </p:spTree>
     <p:extLst>
       <p:ext uri="{BB962C8B-B14F-4D97-AF65-F5344CB8AC3E}">
-        <p14:creationId xmlns:p14="http://schemas.microsoft.com/office/powerpoint/2010/main" val="2965903373"/>
+        <p14:creationId xmlns:p14="http://schemas.microsoft.com/office/powerpoint/2010/main" val="3186178604"/>
       </p:ext>
     </p:extLst>
   </p:cSld>
@@ -1028,6 +1039,72 @@
     </p:spTree>
     <p:extLst>
       <p:ext uri="{BB962C8B-B14F-4D97-AF65-F5344CB8AC3E}">
+        <p14:creationId xmlns:p14="http://schemas.microsoft.com/office/powerpoint/2010/main" val="2965903373"/>
+      </p:ext>
+    </p:extLst>
+  </p:cSld>
+  <p:clrMapOvr>
+    <a:masterClrMapping/>
+  </p:clrMapOvr>
+</p:notes>
+</file>
+
+<file path=ppt/notesSlides/notesSlide5.xml><?xml version="1.0" encoding="utf-8"?>
+<p:notes xmlns:a="http://schemas.openxmlformats.org/drawingml/2006/main" xmlns:r="http://schemas.openxmlformats.org/officeDocument/2006/relationships" xmlns:p="http://schemas.openxmlformats.org/presentationml/2006/main">
+  <p:cSld>
+    <p:spTree>
+      <p:nvGrpSpPr>
+        <p:cNvPr id="1" name=""/>
+        <p:cNvGrpSpPr/>
+        <p:nvPr/>
+      </p:nvGrpSpPr>
+      <p:grpSpPr>
+        <a:xfrm>
+          <a:off x="0" y="0"/>
+          <a:ext cx="0" cy="0"/>
+          <a:chOff x="0" y="0"/>
+          <a:chExt cx="0" cy="0"/>
+        </a:xfrm>
+      </p:grpSpPr>
+      <p:sp>
+        <p:nvSpPr>
+          <p:cNvPr id="2" name="Slide Image Placeholder 1"/>
+          <p:cNvSpPr>
+            <a:spLocks noGrp="1" noRot="1" noChangeAspect="1"/>
+          </p:cNvSpPr>
+          <p:nvPr>
+            <p:ph type="sldImg"/>
+          </p:nvPr>
+        </p:nvSpPr>
+        <p:spPr>
+          <a:xfrm>
+            <a:off x="381000" y="685800"/>
+            <a:ext cx="6096000" cy="3429000"/>
+          </a:xfrm>
+        </p:spPr>
+      </p:sp>
+      <p:sp>
+        <p:nvSpPr>
+          <p:cNvPr id="3" name="Notes Placeholder 2"/>
+          <p:cNvSpPr>
+            <a:spLocks noGrp="1"/>
+          </p:cNvSpPr>
+          <p:nvPr>
+            <p:ph type="body" idx="1"/>
+          </p:nvPr>
+        </p:nvSpPr>
+        <p:spPr/>
+        <p:txBody>
+          <a:bodyPr/>
+          <a:lstStyle/>
+          <a:p>
+            <a:endParaRPr lang="en-US" dirty="0"/>
+          </a:p>
+        </p:txBody>
+      </p:sp>
+    </p:spTree>
+    <p:extLst>
+      <p:ext uri="{BB962C8B-B14F-4D97-AF65-F5344CB8AC3E}">
         <p14:creationId xmlns:p14="http://schemas.microsoft.com/office/powerpoint/2010/main" val="931646295"/>
       </p:ext>
     </p:extLst>
@@ -1038,7 +1115,7 @@
 </p:notes>
 </file>
 
-<file path=ppt/notesSlides/notesSlide5.xml><?xml version="1.0" encoding="utf-8"?>
+<file path=ppt/notesSlides/notesSlide6.xml><?xml version="1.0" encoding="utf-8"?>
 <p:notes xmlns:a="http://schemas.openxmlformats.org/drawingml/2006/main" xmlns:r="http://schemas.openxmlformats.org/officeDocument/2006/relationships" xmlns:p="http://schemas.openxmlformats.org/presentationml/2006/main">
   <p:cSld>
     <p:spTree>
@@ -1104,7 +1181,7 @@
 </p:notes>
 </file>
 
-<file path=ppt/notesSlides/notesSlide6.xml><?xml version="1.0" encoding="utf-8"?>
+<file path=ppt/notesSlides/notesSlide7.xml><?xml version="1.0" encoding="utf-8"?>
 <p:notes xmlns:a="http://schemas.openxmlformats.org/drawingml/2006/main" xmlns:r="http://schemas.openxmlformats.org/officeDocument/2006/relationships" xmlns:p="http://schemas.openxmlformats.org/presentationml/2006/main" showMasterSp="0" showMasterPhAnim="0">
   <p:cSld>
     <p:spTree>
@@ -5276,2480 +5353,6 @@
 </file>
 
 <file path=ppt/slides/slide10.xml><?xml version="1.0" encoding="utf-8"?>
-<p:sld xmlns:a="http://schemas.openxmlformats.org/drawingml/2006/main" xmlns:r="http://schemas.openxmlformats.org/officeDocument/2006/relationships" xmlns:p="http://schemas.openxmlformats.org/presentationml/2006/main">
-  <p:cSld>
-    <p:spTree>
-      <p:nvGrpSpPr>
-        <p:cNvPr id="1" name=""/>
-        <p:cNvGrpSpPr/>
-        <p:nvPr/>
-      </p:nvGrpSpPr>
-      <p:grpSpPr>
-        <a:xfrm>
-          <a:off x="0" y="0"/>
-          <a:ext cx="0" cy="0"/>
-          <a:chOff x="0" y="0"/>
-          <a:chExt cx="0" cy="0"/>
-        </a:xfrm>
-      </p:grpSpPr>
-      <p:sp>
-        <p:nvSpPr>
-          <p:cNvPr id="2" name="Title 1">
-            <a:extLst>
-              <a:ext uri="{FF2B5EF4-FFF2-40B4-BE49-F238E27FC236}">
-                <a16:creationId xmlns:a16="http://schemas.microsoft.com/office/drawing/2014/main" id="{472B3C38-5CEA-524E-A8C6-032BCDAA68E7}"/>
-              </a:ext>
-            </a:extLst>
-          </p:cNvPr>
-          <p:cNvSpPr>
-            <a:spLocks noGrp="1"/>
-          </p:cNvSpPr>
-          <p:nvPr>
-            <p:ph type="title"/>
-          </p:nvPr>
-        </p:nvSpPr>
-        <p:spPr/>
-        <p:txBody>
-          <a:bodyPr/>
-          <a:lstStyle/>
-          <a:p>
-            <a:r>
-              <a:rPr lang="en-US" dirty="0"/>
-              <a:t>Latent Dirichlet Allocation (LDA)</a:t>
-            </a:r>
-          </a:p>
-        </p:txBody>
-      </p:sp>
-      <p:pic>
-        <p:nvPicPr>
-          <p:cNvPr id="4" name="Picture 3" descr="A picture containing drawing, table&#10;&#10;Description automatically generated">
-            <a:extLst>
-              <a:ext uri="{FF2B5EF4-FFF2-40B4-BE49-F238E27FC236}">
-                <a16:creationId xmlns:a16="http://schemas.microsoft.com/office/drawing/2014/main" id="{B3233095-5C4E-344C-BB5D-4312DD8E4D3C}"/>
-              </a:ext>
-            </a:extLst>
-          </p:cNvPr>
-          <p:cNvPicPr>
-            <a:picLocks noChangeAspect="1"/>
-          </p:cNvPicPr>
-          <p:nvPr/>
-        </p:nvPicPr>
-        <p:blipFill>
-          <a:blip r:embed="rId2"/>
-          <a:stretch>
-            <a:fillRect/>
-          </a:stretch>
-        </p:blipFill>
-        <p:spPr>
-          <a:xfrm>
-            <a:off x="2547191" y="2032332"/>
-            <a:ext cx="836925" cy="836925"/>
-          </a:xfrm>
-          <a:prstGeom prst="rect">
-            <a:avLst/>
-          </a:prstGeom>
-        </p:spPr>
-      </p:pic>
-      <p:grpSp>
-        <p:nvGrpSpPr>
-          <p:cNvPr id="13" name="Group 12">
-            <a:extLst>
-              <a:ext uri="{FF2B5EF4-FFF2-40B4-BE49-F238E27FC236}">
-                <a16:creationId xmlns:a16="http://schemas.microsoft.com/office/drawing/2014/main" id="{91AF3721-28A2-5247-A278-17F0D1AFF70F}"/>
-              </a:ext>
-            </a:extLst>
-          </p:cNvPr>
-          <p:cNvGrpSpPr/>
-          <p:nvPr/>
-        </p:nvGrpSpPr>
-        <p:grpSpPr>
-          <a:xfrm>
-            <a:off x="848317" y="1975936"/>
-            <a:ext cx="1210371" cy="1032012"/>
-            <a:chOff x="651069" y="515625"/>
-            <a:chExt cx="1261029" cy="975500"/>
-          </a:xfrm>
-        </p:grpSpPr>
-        <p:pic>
-          <p:nvPicPr>
-            <p:cNvPr id="14" name="Picture 13" descr="A picture containing drawing, table&#10;&#10;Description automatically generated">
-              <a:extLst>
-                <a:ext uri="{FF2B5EF4-FFF2-40B4-BE49-F238E27FC236}">
-                  <a16:creationId xmlns:a16="http://schemas.microsoft.com/office/drawing/2014/main" id="{93B6FEB8-1580-1F4B-BAFE-1F5641536AF4}"/>
-                </a:ext>
-              </a:extLst>
-            </p:cNvPr>
-            <p:cNvPicPr>
-              <a:picLocks noChangeAspect="1"/>
-            </p:cNvPicPr>
-            <p:nvPr/>
-          </p:nvPicPr>
-          <p:blipFill>
-            <a:blip r:embed="rId2"/>
-            <a:stretch>
-              <a:fillRect/>
-            </a:stretch>
-          </p:blipFill>
-          <p:spPr>
-            <a:xfrm>
-              <a:off x="651069" y="515625"/>
-              <a:ext cx="711200" cy="711200"/>
-            </a:xfrm>
-            <a:prstGeom prst="rect">
-              <a:avLst/>
-            </a:prstGeom>
-          </p:spPr>
-        </p:pic>
-        <p:pic>
-          <p:nvPicPr>
-            <p:cNvPr id="15" name="Picture 14" descr="A picture containing drawing, table&#10;&#10;Description automatically generated">
-              <a:extLst>
-                <a:ext uri="{FF2B5EF4-FFF2-40B4-BE49-F238E27FC236}">
-                  <a16:creationId xmlns:a16="http://schemas.microsoft.com/office/drawing/2014/main" id="{4CF5DAF9-6CD1-C844-83D0-85B002155ADF}"/>
-                </a:ext>
-              </a:extLst>
-            </p:cNvPr>
-            <p:cNvPicPr>
-              <a:picLocks noChangeAspect="1"/>
-            </p:cNvPicPr>
-            <p:nvPr/>
-          </p:nvPicPr>
-          <p:blipFill rotWithShape="1">
-            <a:blip r:embed="rId2"/>
-            <a:srcRect l="13944"/>
-            <a:stretch/>
-          </p:blipFill>
-          <p:spPr>
-            <a:xfrm>
-              <a:off x="1300067" y="515625"/>
-              <a:ext cx="612031" cy="711200"/>
-            </a:xfrm>
-            <a:prstGeom prst="rect">
-              <a:avLst/>
-            </a:prstGeom>
-          </p:spPr>
-        </p:pic>
-        <p:pic>
-          <p:nvPicPr>
-            <p:cNvPr id="16" name="Picture 15" descr="A picture containing drawing, table&#10;&#10;Description automatically generated">
-              <a:extLst>
-                <a:ext uri="{FF2B5EF4-FFF2-40B4-BE49-F238E27FC236}">
-                  <a16:creationId xmlns:a16="http://schemas.microsoft.com/office/drawing/2014/main" id="{9186FA5F-5816-EF4D-AE16-0B1C81A3D814}"/>
-                </a:ext>
-              </a:extLst>
-            </p:cNvPr>
-            <p:cNvPicPr>
-              <a:picLocks noChangeAspect="1"/>
-            </p:cNvPicPr>
-            <p:nvPr/>
-          </p:nvPicPr>
-          <p:blipFill rotWithShape="1">
-            <a:blip r:embed="rId2"/>
-            <a:srcRect l="11662"/>
-            <a:stretch/>
-          </p:blipFill>
-          <p:spPr>
-            <a:xfrm>
-              <a:off x="1079241" y="779925"/>
-              <a:ext cx="628258" cy="711200"/>
-            </a:xfrm>
-            <a:prstGeom prst="rect">
-              <a:avLst/>
-            </a:prstGeom>
-          </p:spPr>
-        </p:pic>
-      </p:grpSp>
-      <p:grpSp>
-        <p:nvGrpSpPr>
-          <p:cNvPr id="20" name="Group 19">
-            <a:extLst>
-              <a:ext uri="{FF2B5EF4-FFF2-40B4-BE49-F238E27FC236}">
-                <a16:creationId xmlns:a16="http://schemas.microsoft.com/office/drawing/2014/main" id="{23ED655E-F2E2-674E-B4A0-195B6E0E45AF}"/>
-              </a:ext>
-            </a:extLst>
-          </p:cNvPr>
-          <p:cNvGrpSpPr/>
-          <p:nvPr/>
-        </p:nvGrpSpPr>
-        <p:grpSpPr>
-          <a:xfrm>
-            <a:off x="3906949" y="2032332"/>
-            <a:ext cx="791859" cy="1109335"/>
-            <a:chOff x="2594987" y="3364518"/>
-            <a:chExt cx="791859" cy="1109335"/>
-          </a:xfrm>
-        </p:grpSpPr>
-        <p:grpSp>
-          <p:nvGrpSpPr>
-            <p:cNvPr id="5" name="Google Shape;9144;p79">
-              <a:extLst>
-                <a:ext uri="{FF2B5EF4-FFF2-40B4-BE49-F238E27FC236}">
-                  <a16:creationId xmlns:a16="http://schemas.microsoft.com/office/drawing/2014/main" id="{55B752E0-2827-C547-8BB0-8704F29DA666}"/>
-                </a:ext>
-              </a:extLst>
-            </p:cNvPr>
-            <p:cNvGrpSpPr/>
-            <p:nvPr/>
-          </p:nvGrpSpPr>
-          <p:grpSpPr>
-            <a:xfrm rot="5400000">
-              <a:off x="2701150" y="3476451"/>
-              <a:ext cx="797629" cy="573763"/>
-              <a:chOff x="5230575" y="2246859"/>
-              <a:chExt cx="1135749" cy="552207"/>
-            </a:xfrm>
-            <a:solidFill>
-              <a:schemeClr val="accent4"/>
-            </a:solidFill>
-          </p:grpSpPr>
-          <p:sp>
-            <p:nvSpPr>
-              <p:cNvPr id="7" name="Google Shape;9148;p79">
-                <a:extLst>
-                  <a:ext uri="{FF2B5EF4-FFF2-40B4-BE49-F238E27FC236}">
-                    <a16:creationId xmlns:a16="http://schemas.microsoft.com/office/drawing/2014/main" id="{F5DDAB1F-42EE-E84A-A262-36B84F3B9978}"/>
-                  </a:ext>
-                </a:extLst>
-              </p:cNvPr>
-              <p:cNvSpPr/>
-              <p:nvPr/>
-            </p:nvSpPr>
-            <p:spPr>
-              <a:xfrm>
-                <a:off x="5230575" y="2611125"/>
-                <a:ext cx="1071350" cy="157150"/>
-              </a:xfrm>
-              <a:custGeom>
-                <a:avLst/>
-                <a:gdLst/>
-                <a:ahLst/>
-                <a:cxnLst/>
-                <a:rect l="l" t="t" r="r" b="b"/>
-                <a:pathLst>
-                  <a:path w="42854" h="6286" extrusionOk="0">
-                    <a:moveTo>
-                      <a:pt x="0" y="0"/>
-                    </a:moveTo>
-                    <a:lnTo>
-                      <a:pt x="0" y="6285"/>
-                    </a:lnTo>
-                    <a:lnTo>
-                      <a:pt x="42854" y="6285"/>
-                    </a:lnTo>
-                    <a:lnTo>
-                      <a:pt x="42854" y="0"/>
-                    </a:lnTo>
-                    <a:close/>
-                  </a:path>
-                </a:pathLst>
-              </a:custGeom>
-              <a:solidFill>
-                <a:schemeClr val="accent2"/>
-              </a:solidFill>
-              <a:ln w="9525" cap="flat" cmpd="sng">
-                <a:solidFill>
-                  <a:schemeClr val="tx1"/>
-                </a:solidFill>
-                <a:prstDash val="solid"/>
-                <a:round/>
-                <a:headEnd type="none" w="sm" len="sm"/>
-                <a:tailEnd type="none" w="sm" len="sm"/>
-              </a:ln>
-            </p:spPr>
-            <p:txBody>
-              <a:bodyPr spcFirstLastPara="1" wrap="square" lIns="91425" tIns="91425" rIns="91425" bIns="91425" anchor="ctr" anchorCtr="0">
-                <a:noAutofit/>
-              </a:bodyPr>
-              <a:lstStyle/>
-              <a:p>
-                <a:pPr marL="0" lvl="0" indent="0" algn="l" rtl="0">
-                  <a:spcBef>
-                    <a:spcPts val="0"/>
-                  </a:spcBef>
-                  <a:spcAft>
-                    <a:spcPts val="0"/>
-                  </a:spcAft>
-                  <a:buNone/>
-                </a:pPr>
-                <a:endParaRPr/>
-              </a:p>
-            </p:txBody>
-          </p:sp>
-          <p:sp>
-            <p:nvSpPr>
-              <p:cNvPr id="11" name="Google Shape;9156;p79">
-                <a:extLst>
-                  <a:ext uri="{FF2B5EF4-FFF2-40B4-BE49-F238E27FC236}">
-                    <a16:creationId xmlns:a16="http://schemas.microsoft.com/office/drawing/2014/main" id="{28332480-3295-D348-B8F5-B1EA244C9FDB}"/>
-                  </a:ext>
-                </a:extLst>
-              </p:cNvPr>
-              <p:cNvSpPr/>
-              <p:nvPr/>
-            </p:nvSpPr>
-            <p:spPr>
-              <a:xfrm>
-                <a:off x="5800101" y="2348634"/>
-                <a:ext cx="501824" cy="157075"/>
-              </a:xfrm>
-              <a:custGeom>
-                <a:avLst/>
-                <a:gdLst/>
-                <a:ahLst/>
-                <a:cxnLst/>
-                <a:rect l="l" t="t" r="r" b="b"/>
-                <a:pathLst>
-                  <a:path w="20073" h="6283" extrusionOk="0">
-                    <a:moveTo>
-                      <a:pt x="1" y="1"/>
-                    </a:moveTo>
-                    <a:lnTo>
-                      <a:pt x="1" y="6283"/>
-                    </a:lnTo>
-                    <a:lnTo>
-                      <a:pt x="20073" y="6283"/>
-                    </a:lnTo>
-                    <a:lnTo>
-                      <a:pt x="20073" y="1"/>
-                    </a:lnTo>
-                    <a:close/>
-                  </a:path>
-                </a:pathLst>
-              </a:custGeom>
-              <a:grpFill/>
-              <a:ln w="9525" cap="flat" cmpd="sng">
-                <a:solidFill>
-                  <a:schemeClr val="tx1"/>
-                </a:solidFill>
-                <a:prstDash val="solid"/>
-                <a:round/>
-                <a:headEnd type="none" w="sm" len="sm"/>
-                <a:tailEnd type="none" w="sm" len="sm"/>
-              </a:ln>
-            </p:spPr>
-            <p:txBody>
-              <a:bodyPr spcFirstLastPara="1" wrap="square" lIns="91425" tIns="91425" rIns="91425" bIns="91425" anchor="ctr" anchorCtr="0">
-                <a:noAutofit/>
-              </a:bodyPr>
-              <a:lstStyle/>
-              <a:p>
-                <a:pPr marL="0" lvl="0" indent="0" algn="l" rtl="0">
-                  <a:spcBef>
-                    <a:spcPts val="0"/>
-                  </a:spcBef>
-                  <a:spcAft>
-                    <a:spcPts val="0"/>
-                  </a:spcAft>
-                  <a:buNone/>
-                </a:pPr>
-                <a:endParaRPr/>
-              </a:p>
-            </p:txBody>
-          </p:sp>
-          <p:sp>
-            <p:nvSpPr>
-              <p:cNvPr id="12" name="Google Shape;9157;p79">
-                <a:extLst>
-                  <a:ext uri="{FF2B5EF4-FFF2-40B4-BE49-F238E27FC236}">
-                    <a16:creationId xmlns:a16="http://schemas.microsoft.com/office/drawing/2014/main" id="{53219F16-E028-6E4C-8B19-705F4DF338A6}"/>
-                  </a:ext>
-                </a:extLst>
-              </p:cNvPr>
-              <p:cNvSpPr/>
-              <p:nvPr/>
-            </p:nvSpPr>
-            <p:spPr>
-              <a:xfrm>
-                <a:off x="6301224" y="2246859"/>
-                <a:ext cx="65100" cy="552207"/>
-              </a:xfrm>
-              <a:custGeom>
-                <a:avLst/>
-                <a:gdLst/>
-                <a:ahLst/>
-                <a:cxnLst/>
-                <a:rect l="l" t="t" r="r" b="b"/>
-                <a:pathLst>
-                  <a:path w="1" h="62006" fill="none" extrusionOk="0">
-                    <a:moveTo>
-                      <a:pt x="1" y="0"/>
-                    </a:moveTo>
-                    <a:lnTo>
-                      <a:pt x="1" y="62006"/>
-                    </a:lnTo>
-                  </a:path>
-                </a:pathLst>
-              </a:custGeom>
-              <a:grpFill/>
-              <a:ln w="9525" cap="flat" cmpd="sng">
-                <a:solidFill>
-                  <a:schemeClr val="tx1"/>
-                </a:solidFill>
-                <a:prstDash val="solid"/>
-                <a:miter lim="2997"/>
-                <a:headEnd type="none" w="sm" len="sm"/>
-                <a:tailEnd type="none" w="sm" len="sm"/>
-              </a:ln>
-            </p:spPr>
-            <p:txBody>
-              <a:bodyPr spcFirstLastPara="1" wrap="square" lIns="91425" tIns="91425" rIns="91425" bIns="91425" anchor="ctr" anchorCtr="0">
-                <a:noAutofit/>
-              </a:bodyPr>
-              <a:lstStyle/>
-              <a:p>
-                <a:pPr marL="0" lvl="0" indent="0" algn="l" rtl="0">
-                  <a:spcBef>
-                    <a:spcPts val="0"/>
-                  </a:spcBef>
-                  <a:spcAft>
-                    <a:spcPts val="0"/>
-                  </a:spcAft>
-                  <a:buNone/>
-                </a:pPr>
-                <a:endParaRPr/>
-              </a:p>
-            </p:txBody>
-          </p:sp>
-        </p:grpSp>
-        <p:sp>
-          <p:nvSpPr>
-            <p:cNvPr id="18" name="TextBox 17">
-              <a:extLst>
-                <a:ext uri="{FF2B5EF4-FFF2-40B4-BE49-F238E27FC236}">
-                  <a16:creationId xmlns:a16="http://schemas.microsoft.com/office/drawing/2014/main" id="{7A98B39C-B532-F34C-AE7E-54374FF9F6A5}"/>
-                </a:ext>
-              </a:extLst>
-            </p:cNvPr>
-            <p:cNvSpPr txBox="1"/>
-            <p:nvPr/>
-          </p:nvSpPr>
-          <p:spPr>
-            <a:xfrm rot="19382871">
-              <a:off x="2594987" y="4214132"/>
-              <a:ext cx="482824" cy="246221"/>
-            </a:xfrm>
-            <a:prstGeom prst="rect">
-              <a:avLst/>
-            </a:prstGeom>
-            <a:noFill/>
-          </p:spPr>
-          <p:txBody>
-            <a:bodyPr wrap="none" rtlCol="0">
-              <a:spAutoFit/>
-            </a:bodyPr>
-            <a:lstStyle/>
-            <a:p>
-              <a:r>
-                <a:rPr lang="en-US" sz="1000" dirty="0">
-                  <a:solidFill>
-                    <a:srgbClr val="1D262D"/>
-                  </a:solidFill>
-                  <a:latin typeface="Barlow Condensed"/>
-                  <a:sym typeface="Barlow Condensed"/>
-                </a:rPr>
-                <a:t>Topic 1</a:t>
-              </a:r>
-              <a:endParaRPr lang="en-US" sz="1000" dirty="0"/>
-            </a:p>
-          </p:txBody>
-        </p:sp>
-        <p:sp>
-          <p:nvSpPr>
-            <p:cNvPr id="19" name="TextBox 18">
-              <a:extLst>
-                <a:ext uri="{FF2B5EF4-FFF2-40B4-BE49-F238E27FC236}">
-                  <a16:creationId xmlns:a16="http://schemas.microsoft.com/office/drawing/2014/main" id="{0750C76B-DE98-414B-9F2F-67A062A2FA6F}"/>
-                </a:ext>
-              </a:extLst>
-            </p:cNvPr>
-            <p:cNvSpPr txBox="1"/>
-            <p:nvPr/>
-          </p:nvSpPr>
-          <p:spPr>
-            <a:xfrm rot="19382871">
-              <a:off x="2853519" y="4227632"/>
-              <a:ext cx="502061" cy="246221"/>
-            </a:xfrm>
-            <a:prstGeom prst="rect">
-              <a:avLst/>
-            </a:prstGeom>
-            <a:noFill/>
-          </p:spPr>
-          <p:txBody>
-            <a:bodyPr wrap="none" rtlCol="0">
-              <a:spAutoFit/>
-            </a:bodyPr>
-            <a:lstStyle/>
-            <a:p>
-              <a:r>
-                <a:rPr lang="en-US" sz="1000" dirty="0">
-                  <a:solidFill>
-                    <a:srgbClr val="1D262D"/>
-                  </a:solidFill>
-                  <a:latin typeface="Barlow Condensed"/>
-                  <a:sym typeface="Barlow Condensed"/>
-                </a:rPr>
-                <a:t>Topic 2</a:t>
-              </a:r>
-              <a:endParaRPr lang="en-US" sz="1000" dirty="0"/>
-            </a:p>
-          </p:txBody>
-        </p:sp>
-      </p:grpSp>
-      <p:sp>
-        <p:nvSpPr>
-          <p:cNvPr id="23" name="Google Shape;1470;p75">
-            <a:extLst>
-              <a:ext uri="{FF2B5EF4-FFF2-40B4-BE49-F238E27FC236}">
-                <a16:creationId xmlns:a16="http://schemas.microsoft.com/office/drawing/2014/main" id="{2524C2B2-C885-BB46-BAD1-DA3159DF1200}"/>
-              </a:ext>
-            </a:extLst>
-          </p:cNvPr>
-          <p:cNvSpPr/>
-          <p:nvPr/>
-        </p:nvSpPr>
-        <p:spPr>
-          <a:xfrm>
-            <a:off x="2151154" y="2385383"/>
-            <a:ext cx="286507" cy="207353"/>
-          </a:xfrm>
-          <a:custGeom>
-            <a:avLst/>
-            <a:gdLst/>
-            <a:ahLst/>
-            <a:cxnLst/>
-            <a:rect l="l" t="t" r="r" b="b"/>
-            <a:pathLst>
-              <a:path w="2439" h="1848" extrusionOk="0">
-                <a:moveTo>
-                  <a:pt x="1580" y="1"/>
-                </a:moveTo>
-                <a:lnTo>
-                  <a:pt x="1371" y="203"/>
-                </a:lnTo>
-                <a:lnTo>
-                  <a:pt x="1919" y="780"/>
-                </a:lnTo>
-                <a:lnTo>
-                  <a:pt x="1" y="780"/>
-                </a:lnTo>
-                <a:lnTo>
-                  <a:pt x="1" y="1068"/>
-                </a:lnTo>
-                <a:lnTo>
-                  <a:pt x="1919" y="1068"/>
-                </a:lnTo>
-                <a:lnTo>
-                  <a:pt x="1371" y="1645"/>
-                </a:lnTo>
-                <a:lnTo>
-                  <a:pt x="1580" y="1847"/>
-                </a:lnTo>
-                <a:lnTo>
-                  <a:pt x="2439" y="924"/>
-                </a:lnTo>
-                <a:lnTo>
-                  <a:pt x="1580" y="1"/>
-                </a:lnTo>
-                <a:close/>
-              </a:path>
-            </a:pathLst>
-          </a:custGeom>
-          <a:solidFill>
-            <a:schemeClr val="bg2"/>
-          </a:solidFill>
-          <a:ln>
-            <a:noFill/>
-          </a:ln>
-        </p:spPr>
-        <p:txBody>
-          <a:bodyPr spcFirstLastPara="1" wrap="square" lIns="91425" tIns="91425" rIns="91425" bIns="91425" anchor="ctr" anchorCtr="0">
-            <a:noAutofit/>
-          </a:bodyPr>
-          <a:lstStyle/>
-          <a:p>
-            <a:pPr marL="0" lvl="0" indent="0" algn="l" rtl="0">
-              <a:spcBef>
-                <a:spcPts val="0"/>
-              </a:spcBef>
-              <a:spcAft>
-                <a:spcPts val="0"/>
-              </a:spcAft>
-              <a:buNone/>
-            </a:pPr>
-            <a:endParaRPr/>
-          </a:p>
-        </p:txBody>
-      </p:sp>
-      <p:sp>
-        <p:nvSpPr>
-          <p:cNvPr id="24" name="Google Shape;1470;p75">
-            <a:extLst>
-              <a:ext uri="{FF2B5EF4-FFF2-40B4-BE49-F238E27FC236}">
-                <a16:creationId xmlns:a16="http://schemas.microsoft.com/office/drawing/2014/main" id="{9C9C31C3-944C-D445-8346-88ADE59B7F62}"/>
-              </a:ext>
-            </a:extLst>
-          </p:cNvPr>
-          <p:cNvSpPr/>
-          <p:nvPr/>
-        </p:nvSpPr>
-        <p:spPr>
-          <a:xfrm>
-            <a:off x="3590210" y="2389669"/>
-            <a:ext cx="286507" cy="207353"/>
-          </a:xfrm>
-          <a:custGeom>
-            <a:avLst/>
-            <a:gdLst/>
-            <a:ahLst/>
-            <a:cxnLst/>
-            <a:rect l="l" t="t" r="r" b="b"/>
-            <a:pathLst>
-              <a:path w="2439" h="1848" extrusionOk="0">
-                <a:moveTo>
-                  <a:pt x="1580" y="1"/>
-                </a:moveTo>
-                <a:lnTo>
-                  <a:pt x="1371" y="203"/>
-                </a:lnTo>
-                <a:lnTo>
-                  <a:pt x="1919" y="780"/>
-                </a:lnTo>
-                <a:lnTo>
-                  <a:pt x="1" y="780"/>
-                </a:lnTo>
-                <a:lnTo>
-                  <a:pt x="1" y="1068"/>
-                </a:lnTo>
-                <a:lnTo>
-                  <a:pt x="1919" y="1068"/>
-                </a:lnTo>
-                <a:lnTo>
-                  <a:pt x="1371" y="1645"/>
-                </a:lnTo>
-                <a:lnTo>
-                  <a:pt x="1580" y="1847"/>
-                </a:lnTo>
-                <a:lnTo>
-                  <a:pt x="2439" y="924"/>
-                </a:lnTo>
-                <a:lnTo>
-                  <a:pt x="1580" y="1"/>
-                </a:lnTo>
-                <a:close/>
-              </a:path>
-            </a:pathLst>
-          </a:custGeom>
-          <a:solidFill>
-            <a:schemeClr val="bg2"/>
-          </a:solidFill>
-          <a:ln>
-            <a:noFill/>
-          </a:ln>
-        </p:spPr>
-        <p:txBody>
-          <a:bodyPr spcFirstLastPara="1" wrap="square" lIns="91425" tIns="91425" rIns="91425" bIns="91425" anchor="ctr" anchorCtr="0">
-            <a:noAutofit/>
-          </a:bodyPr>
-          <a:lstStyle/>
-          <a:p>
-            <a:pPr marL="0" lvl="0" indent="0" algn="l" rtl="0">
-              <a:spcBef>
-                <a:spcPts val="0"/>
-              </a:spcBef>
-              <a:spcAft>
-                <a:spcPts val="0"/>
-              </a:spcAft>
-              <a:buNone/>
-            </a:pPr>
-            <a:endParaRPr/>
-          </a:p>
-        </p:txBody>
-      </p:sp>
-      <p:sp>
-        <p:nvSpPr>
-          <p:cNvPr id="25" name="Title 1">
-            <a:extLst>
-              <a:ext uri="{FF2B5EF4-FFF2-40B4-BE49-F238E27FC236}">
-                <a16:creationId xmlns:a16="http://schemas.microsoft.com/office/drawing/2014/main" id="{A62FEBB2-216F-CB44-9480-A8D7644C6666}"/>
-              </a:ext>
-            </a:extLst>
-          </p:cNvPr>
-          <p:cNvSpPr txBox="1">
-            <a:spLocks/>
-          </p:cNvSpPr>
-          <p:nvPr/>
-        </p:nvSpPr>
-        <p:spPr>
-          <a:xfrm>
-            <a:off x="725983" y="1374038"/>
-            <a:ext cx="1490519" cy="528600"/>
-          </a:xfrm>
-          <a:prstGeom prst="rect">
-            <a:avLst/>
-          </a:prstGeom>
-          <a:noFill/>
-          <a:ln>
-            <a:noFill/>
-          </a:ln>
-        </p:spPr>
-        <p:txBody>
-          <a:bodyPr spcFirstLastPara="1" wrap="square" lIns="91425" tIns="91425" rIns="91425" bIns="91425" anchor="t" anchorCtr="0">
-            <a:noAutofit/>
-          </a:bodyPr>
-          <a:lstStyle>
-            <a:defPPr marR="0" lvl="0" algn="l" rtl="0">
-              <a:lnSpc>
-                <a:spcPct val="100000"/>
-              </a:lnSpc>
-              <a:spcBef>
-                <a:spcPts val="0"/>
-              </a:spcBef>
-              <a:spcAft>
-                <a:spcPts val="0"/>
-              </a:spcAft>
-            </a:defPPr>
-            <a:lvl1pPr marR="0" lvl="0" algn="ctr" rtl="0">
-              <a:lnSpc>
-                <a:spcPct val="100000"/>
-              </a:lnSpc>
-              <a:spcBef>
-                <a:spcPts val="0"/>
-              </a:spcBef>
-              <a:spcAft>
-                <a:spcPts val="0"/>
-              </a:spcAft>
-              <a:buClr>
-                <a:srgbClr val="1D262D"/>
-              </a:buClr>
-              <a:buSzPts val="3000"/>
-              <a:buFont typeface="Barlow Condensed"/>
-              <a:buNone/>
-              <a:defRPr sz="3000" b="0" i="0" u="none" strike="noStrike" cap="none">
-                <a:solidFill>
-                  <a:srgbClr val="1D262D"/>
-                </a:solidFill>
-                <a:latin typeface="Barlow Condensed"/>
-                <a:ea typeface="Barlow Condensed"/>
-                <a:cs typeface="Barlow Condensed"/>
-                <a:sym typeface="Barlow Condensed"/>
-              </a:defRPr>
-            </a:lvl1pPr>
-            <a:lvl2pPr marR="0" lvl="1" algn="l" rtl="0">
-              <a:lnSpc>
-                <a:spcPct val="100000"/>
-              </a:lnSpc>
-              <a:spcBef>
-                <a:spcPts val="0"/>
-              </a:spcBef>
-              <a:spcAft>
-                <a:spcPts val="0"/>
-              </a:spcAft>
-              <a:buClr>
-                <a:srgbClr val="1D262D"/>
-              </a:buClr>
-              <a:buSzPts val="3000"/>
-              <a:buFont typeface="Barlow Condensed"/>
-              <a:buNone/>
-              <a:defRPr sz="3000" b="0" i="0" u="none" strike="noStrike" cap="none">
-                <a:solidFill>
-                  <a:srgbClr val="1D262D"/>
-                </a:solidFill>
-                <a:latin typeface="Barlow Condensed"/>
-                <a:ea typeface="Barlow Condensed"/>
-                <a:cs typeface="Barlow Condensed"/>
-                <a:sym typeface="Barlow Condensed"/>
-              </a:defRPr>
-            </a:lvl2pPr>
-            <a:lvl3pPr marR="0" lvl="2" algn="l" rtl="0">
-              <a:lnSpc>
-                <a:spcPct val="100000"/>
-              </a:lnSpc>
-              <a:spcBef>
-                <a:spcPts val="0"/>
-              </a:spcBef>
-              <a:spcAft>
-                <a:spcPts val="0"/>
-              </a:spcAft>
-              <a:buClr>
-                <a:srgbClr val="1D262D"/>
-              </a:buClr>
-              <a:buSzPts val="3000"/>
-              <a:buFont typeface="Barlow Condensed"/>
-              <a:buNone/>
-              <a:defRPr sz="3000" b="0" i="0" u="none" strike="noStrike" cap="none">
-                <a:solidFill>
-                  <a:srgbClr val="1D262D"/>
-                </a:solidFill>
-                <a:latin typeface="Barlow Condensed"/>
-                <a:ea typeface="Barlow Condensed"/>
-                <a:cs typeface="Barlow Condensed"/>
-                <a:sym typeface="Barlow Condensed"/>
-              </a:defRPr>
-            </a:lvl3pPr>
-            <a:lvl4pPr marR="0" lvl="3" algn="l" rtl="0">
-              <a:lnSpc>
-                <a:spcPct val="100000"/>
-              </a:lnSpc>
-              <a:spcBef>
-                <a:spcPts val="0"/>
-              </a:spcBef>
-              <a:spcAft>
-                <a:spcPts val="0"/>
-              </a:spcAft>
-              <a:buClr>
-                <a:srgbClr val="1D262D"/>
-              </a:buClr>
-              <a:buSzPts val="3000"/>
-              <a:buFont typeface="Barlow Condensed"/>
-              <a:buNone/>
-              <a:defRPr sz="3000" b="0" i="0" u="none" strike="noStrike" cap="none">
-                <a:solidFill>
-                  <a:srgbClr val="1D262D"/>
-                </a:solidFill>
-                <a:latin typeface="Barlow Condensed"/>
-                <a:ea typeface="Barlow Condensed"/>
-                <a:cs typeface="Barlow Condensed"/>
-                <a:sym typeface="Barlow Condensed"/>
-              </a:defRPr>
-            </a:lvl4pPr>
-            <a:lvl5pPr marR="0" lvl="4" algn="l" rtl="0">
-              <a:lnSpc>
-                <a:spcPct val="100000"/>
-              </a:lnSpc>
-              <a:spcBef>
-                <a:spcPts val="0"/>
-              </a:spcBef>
-              <a:spcAft>
-                <a:spcPts val="0"/>
-              </a:spcAft>
-              <a:buClr>
-                <a:srgbClr val="1D262D"/>
-              </a:buClr>
-              <a:buSzPts val="3000"/>
-              <a:buFont typeface="Barlow Condensed"/>
-              <a:buNone/>
-              <a:defRPr sz="3000" b="0" i="0" u="none" strike="noStrike" cap="none">
-                <a:solidFill>
-                  <a:srgbClr val="1D262D"/>
-                </a:solidFill>
-                <a:latin typeface="Barlow Condensed"/>
-                <a:ea typeface="Barlow Condensed"/>
-                <a:cs typeface="Barlow Condensed"/>
-                <a:sym typeface="Barlow Condensed"/>
-              </a:defRPr>
-            </a:lvl5pPr>
-            <a:lvl6pPr marR="0" lvl="5" algn="l" rtl="0">
-              <a:lnSpc>
-                <a:spcPct val="100000"/>
-              </a:lnSpc>
-              <a:spcBef>
-                <a:spcPts val="0"/>
-              </a:spcBef>
-              <a:spcAft>
-                <a:spcPts val="0"/>
-              </a:spcAft>
-              <a:buClr>
-                <a:srgbClr val="1D262D"/>
-              </a:buClr>
-              <a:buSzPts val="3000"/>
-              <a:buFont typeface="Barlow Condensed"/>
-              <a:buNone/>
-              <a:defRPr sz="3000" b="0" i="0" u="none" strike="noStrike" cap="none">
-                <a:solidFill>
-                  <a:srgbClr val="1D262D"/>
-                </a:solidFill>
-                <a:latin typeface="Barlow Condensed"/>
-                <a:ea typeface="Barlow Condensed"/>
-                <a:cs typeface="Barlow Condensed"/>
-                <a:sym typeface="Barlow Condensed"/>
-              </a:defRPr>
-            </a:lvl6pPr>
-            <a:lvl7pPr marR="0" lvl="6" algn="l" rtl="0">
-              <a:lnSpc>
-                <a:spcPct val="100000"/>
-              </a:lnSpc>
-              <a:spcBef>
-                <a:spcPts val="0"/>
-              </a:spcBef>
-              <a:spcAft>
-                <a:spcPts val="0"/>
-              </a:spcAft>
-              <a:buClr>
-                <a:srgbClr val="1D262D"/>
-              </a:buClr>
-              <a:buSzPts val="3000"/>
-              <a:buFont typeface="Barlow Condensed"/>
-              <a:buNone/>
-              <a:defRPr sz="3000" b="0" i="0" u="none" strike="noStrike" cap="none">
-                <a:solidFill>
-                  <a:srgbClr val="1D262D"/>
-                </a:solidFill>
-                <a:latin typeface="Barlow Condensed"/>
-                <a:ea typeface="Barlow Condensed"/>
-                <a:cs typeface="Barlow Condensed"/>
-                <a:sym typeface="Barlow Condensed"/>
-              </a:defRPr>
-            </a:lvl7pPr>
-            <a:lvl8pPr marR="0" lvl="7" algn="l" rtl="0">
-              <a:lnSpc>
-                <a:spcPct val="100000"/>
-              </a:lnSpc>
-              <a:spcBef>
-                <a:spcPts val="0"/>
-              </a:spcBef>
-              <a:spcAft>
-                <a:spcPts val="0"/>
-              </a:spcAft>
-              <a:buClr>
-                <a:srgbClr val="1D262D"/>
-              </a:buClr>
-              <a:buSzPts val="3000"/>
-              <a:buFont typeface="Barlow Condensed"/>
-              <a:buNone/>
-              <a:defRPr sz="3000" b="0" i="0" u="none" strike="noStrike" cap="none">
-                <a:solidFill>
-                  <a:srgbClr val="1D262D"/>
-                </a:solidFill>
-                <a:latin typeface="Barlow Condensed"/>
-                <a:ea typeface="Barlow Condensed"/>
-                <a:cs typeface="Barlow Condensed"/>
-                <a:sym typeface="Barlow Condensed"/>
-              </a:defRPr>
-            </a:lvl8pPr>
-            <a:lvl9pPr marR="0" lvl="8" algn="l" rtl="0">
-              <a:lnSpc>
-                <a:spcPct val="100000"/>
-              </a:lnSpc>
-              <a:spcBef>
-                <a:spcPts val="0"/>
-              </a:spcBef>
-              <a:spcAft>
-                <a:spcPts val="0"/>
-              </a:spcAft>
-              <a:buClr>
-                <a:srgbClr val="1D262D"/>
-              </a:buClr>
-              <a:buSzPts val="3000"/>
-              <a:buFont typeface="Barlow Condensed"/>
-              <a:buNone/>
-              <a:defRPr sz="3000" b="0" i="0" u="none" strike="noStrike" cap="none">
-                <a:solidFill>
-                  <a:srgbClr val="1D262D"/>
-                </a:solidFill>
-                <a:latin typeface="Barlow Condensed"/>
-                <a:ea typeface="Barlow Condensed"/>
-                <a:cs typeface="Barlow Condensed"/>
-                <a:sym typeface="Barlow Condensed"/>
-              </a:defRPr>
-            </a:lvl9pPr>
-          </a:lstStyle>
-          <a:p>
-            <a:r>
-              <a:rPr lang="en-US" sz="2000" u="sng" dirty="0"/>
-              <a:t>Assumptions</a:t>
-            </a:r>
-          </a:p>
-        </p:txBody>
-      </p:sp>
-      <p:sp>
-        <p:nvSpPr>
-          <p:cNvPr id="26" name="Google Shape;1470;p75">
-            <a:extLst>
-              <a:ext uri="{FF2B5EF4-FFF2-40B4-BE49-F238E27FC236}">
-                <a16:creationId xmlns:a16="http://schemas.microsoft.com/office/drawing/2014/main" id="{7E40C6AC-ADE9-1F48-A9FE-E25B3446DECE}"/>
-              </a:ext>
-            </a:extLst>
-          </p:cNvPr>
-          <p:cNvSpPr/>
-          <p:nvPr/>
-        </p:nvSpPr>
-        <p:spPr>
-          <a:xfrm rot="19747937">
-            <a:off x="4780661" y="2041650"/>
-            <a:ext cx="549451" cy="243153"/>
-          </a:xfrm>
-          <a:custGeom>
-            <a:avLst/>
-            <a:gdLst/>
-            <a:ahLst/>
-            <a:cxnLst/>
-            <a:rect l="l" t="t" r="r" b="b"/>
-            <a:pathLst>
-              <a:path w="2439" h="1848" extrusionOk="0">
-                <a:moveTo>
-                  <a:pt x="1580" y="1"/>
-                </a:moveTo>
-                <a:lnTo>
-                  <a:pt x="1371" y="203"/>
-                </a:lnTo>
-                <a:lnTo>
-                  <a:pt x="1919" y="780"/>
-                </a:lnTo>
-                <a:lnTo>
-                  <a:pt x="1" y="780"/>
-                </a:lnTo>
-                <a:lnTo>
-                  <a:pt x="1" y="1068"/>
-                </a:lnTo>
-                <a:lnTo>
-                  <a:pt x="1919" y="1068"/>
-                </a:lnTo>
-                <a:lnTo>
-                  <a:pt x="1371" y="1645"/>
-                </a:lnTo>
-                <a:lnTo>
-                  <a:pt x="1580" y="1847"/>
-                </a:lnTo>
-                <a:lnTo>
-                  <a:pt x="2439" y="924"/>
-                </a:lnTo>
-                <a:lnTo>
-                  <a:pt x="1580" y="1"/>
-                </a:lnTo>
-                <a:close/>
-              </a:path>
-            </a:pathLst>
-          </a:custGeom>
-          <a:solidFill>
-            <a:schemeClr val="bg2"/>
-          </a:solidFill>
-          <a:ln>
-            <a:noFill/>
-          </a:ln>
-        </p:spPr>
-        <p:txBody>
-          <a:bodyPr spcFirstLastPara="1" wrap="square" lIns="91425" tIns="91425" rIns="91425" bIns="91425" anchor="ctr" anchorCtr="0">
-            <a:noAutofit/>
-          </a:bodyPr>
-          <a:lstStyle/>
-          <a:p>
-            <a:pPr marL="0" lvl="0" indent="0" algn="l" rtl="0">
-              <a:spcBef>
-                <a:spcPts val="0"/>
-              </a:spcBef>
-              <a:spcAft>
-                <a:spcPts val="0"/>
-              </a:spcAft>
-              <a:buNone/>
-            </a:pPr>
-            <a:endParaRPr/>
-          </a:p>
-        </p:txBody>
-      </p:sp>
-      <p:sp>
-        <p:nvSpPr>
-          <p:cNvPr id="27" name="Google Shape;1470;p75">
-            <a:extLst>
-              <a:ext uri="{FF2B5EF4-FFF2-40B4-BE49-F238E27FC236}">
-                <a16:creationId xmlns:a16="http://schemas.microsoft.com/office/drawing/2014/main" id="{D8B67BEE-0193-724B-8331-5D31FE09C13F}"/>
-              </a:ext>
-            </a:extLst>
-          </p:cNvPr>
-          <p:cNvSpPr/>
-          <p:nvPr/>
-        </p:nvSpPr>
-        <p:spPr>
-          <a:xfrm rot="1852063" flipV="1">
-            <a:off x="4778496" y="2482205"/>
-            <a:ext cx="536415" cy="231109"/>
-          </a:xfrm>
-          <a:custGeom>
-            <a:avLst/>
-            <a:gdLst/>
-            <a:ahLst/>
-            <a:cxnLst/>
-            <a:rect l="l" t="t" r="r" b="b"/>
-            <a:pathLst>
-              <a:path w="2439" h="1848" extrusionOk="0">
-                <a:moveTo>
-                  <a:pt x="1580" y="1"/>
-                </a:moveTo>
-                <a:lnTo>
-                  <a:pt x="1371" y="203"/>
-                </a:lnTo>
-                <a:lnTo>
-                  <a:pt x="1919" y="780"/>
-                </a:lnTo>
-                <a:lnTo>
-                  <a:pt x="1" y="780"/>
-                </a:lnTo>
-                <a:lnTo>
-                  <a:pt x="1" y="1068"/>
-                </a:lnTo>
-                <a:lnTo>
-                  <a:pt x="1919" y="1068"/>
-                </a:lnTo>
-                <a:lnTo>
-                  <a:pt x="1371" y="1645"/>
-                </a:lnTo>
-                <a:lnTo>
-                  <a:pt x="1580" y="1847"/>
-                </a:lnTo>
-                <a:lnTo>
-                  <a:pt x="2439" y="924"/>
-                </a:lnTo>
-                <a:lnTo>
-                  <a:pt x="1580" y="1"/>
-                </a:lnTo>
-                <a:close/>
-              </a:path>
-            </a:pathLst>
-          </a:custGeom>
-          <a:solidFill>
-            <a:schemeClr val="bg2"/>
-          </a:solidFill>
-          <a:ln>
-            <a:noFill/>
-          </a:ln>
-        </p:spPr>
-        <p:txBody>
-          <a:bodyPr spcFirstLastPara="1" wrap="square" lIns="91425" tIns="91425" rIns="91425" bIns="91425" anchor="ctr" anchorCtr="0">
-            <a:noAutofit/>
-          </a:bodyPr>
-          <a:lstStyle/>
-          <a:p>
-            <a:pPr marL="0" lvl="0" indent="0" algn="l" rtl="0">
-              <a:spcBef>
-                <a:spcPts val="0"/>
-              </a:spcBef>
-              <a:spcAft>
-                <a:spcPts val="0"/>
-              </a:spcAft>
-              <a:buNone/>
-            </a:pPr>
-            <a:endParaRPr/>
-          </a:p>
-        </p:txBody>
-      </p:sp>
-      <p:sp>
-        <p:nvSpPr>
-          <p:cNvPr id="28" name="Rounded Rectangle 27">
-            <a:extLst>
-              <a:ext uri="{FF2B5EF4-FFF2-40B4-BE49-F238E27FC236}">
-                <a16:creationId xmlns:a16="http://schemas.microsoft.com/office/drawing/2014/main" id="{8162921C-0CCB-CE49-888C-CB08C22AC07A}"/>
-              </a:ext>
-            </a:extLst>
-          </p:cNvPr>
-          <p:cNvSpPr/>
-          <p:nvPr/>
-        </p:nvSpPr>
-        <p:spPr>
-          <a:xfrm>
-            <a:off x="5442753" y="1529001"/>
-            <a:ext cx="1608881" cy="667498"/>
-          </a:xfrm>
-          <a:prstGeom prst="roundRect">
-            <a:avLst/>
-          </a:prstGeom>
-          <a:solidFill>
-            <a:schemeClr val="accent2"/>
-          </a:solidFill>
-          <a:ln w="3175">
-            <a:solidFill>
-              <a:schemeClr val="tx1"/>
-            </a:solidFill>
-          </a:ln>
-        </p:spPr>
-        <p:style>
-          <a:lnRef idx="2">
-            <a:schemeClr val="accent1">
-              <a:shade val="50000"/>
-            </a:schemeClr>
-          </a:lnRef>
-          <a:fillRef idx="1">
-            <a:schemeClr val="accent1"/>
-          </a:fillRef>
-          <a:effectRef idx="0">
-            <a:schemeClr val="accent1"/>
-          </a:effectRef>
-          <a:fontRef idx="minor">
-            <a:schemeClr val="lt1"/>
-          </a:fontRef>
-        </p:style>
-        <p:txBody>
-          <a:bodyPr rtlCol="0" anchor="ctr"/>
-          <a:lstStyle/>
-          <a:p>
-            <a:pPr algn="ctr"/>
-            <a:endParaRPr lang="en-US"/>
-          </a:p>
-        </p:txBody>
-      </p:sp>
-      <p:sp>
-        <p:nvSpPr>
-          <p:cNvPr id="29" name="Rounded Rectangle 28">
-            <a:extLst>
-              <a:ext uri="{FF2B5EF4-FFF2-40B4-BE49-F238E27FC236}">
-                <a16:creationId xmlns:a16="http://schemas.microsoft.com/office/drawing/2014/main" id="{1D97076A-D9E2-DE4F-9BC1-686290301FC0}"/>
-              </a:ext>
-            </a:extLst>
-          </p:cNvPr>
-          <p:cNvSpPr/>
-          <p:nvPr/>
-        </p:nvSpPr>
-        <p:spPr>
-          <a:xfrm>
-            <a:off x="5442753" y="2535508"/>
-            <a:ext cx="1608881" cy="667498"/>
-          </a:xfrm>
-          <a:prstGeom prst="roundRect">
-            <a:avLst/>
-          </a:prstGeom>
-          <a:solidFill>
-            <a:schemeClr val="accent4"/>
-          </a:solidFill>
-          <a:ln w="3175">
-            <a:solidFill>
-              <a:schemeClr val="tx1"/>
-            </a:solidFill>
-          </a:ln>
-        </p:spPr>
-        <p:style>
-          <a:lnRef idx="2">
-            <a:schemeClr val="accent1">
-              <a:shade val="50000"/>
-            </a:schemeClr>
-          </a:lnRef>
-          <a:fillRef idx="1">
-            <a:schemeClr val="accent1"/>
-          </a:fillRef>
-          <a:effectRef idx="0">
-            <a:schemeClr val="accent1"/>
-          </a:effectRef>
-          <a:fontRef idx="minor">
-            <a:schemeClr val="lt1"/>
-          </a:fontRef>
-        </p:style>
-        <p:txBody>
-          <a:bodyPr rtlCol="0" anchor="ctr"/>
-          <a:lstStyle/>
-          <a:p>
-            <a:pPr algn="ctr"/>
-            <a:endParaRPr lang="en-US" dirty="0"/>
-          </a:p>
-        </p:txBody>
-      </p:sp>
-      <p:sp>
-        <p:nvSpPr>
-          <p:cNvPr id="32" name="Title 1">
-            <a:extLst>
-              <a:ext uri="{FF2B5EF4-FFF2-40B4-BE49-F238E27FC236}">
-                <a16:creationId xmlns:a16="http://schemas.microsoft.com/office/drawing/2014/main" id="{C5274036-64A6-1243-957A-3E3D0CA65063}"/>
-              </a:ext>
-            </a:extLst>
-          </p:cNvPr>
-          <p:cNvSpPr txBox="1">
-            <a:spLocks/>
-          </p:cNvSpPr>
-          <p:nvPr/>
-        </p:nvSpPr>
-        <p:spPr>
-          <a:xfrm>
-            <a:off x="5456252" y="1458644"/>
-            <a:ext cx="1608881" cy="808211"/>
-          </a:xfrm>
-          <a:prstGeom prst="rect">
-            <a:avLst/>
-          </a:prstGeom>
-          <a:noFill/>
-          <a:ln>
-            <a:noFill/>
-          </a:ln>
-        </p:spPr>
-        <p:txBody>
-          <a:bodyPr spcFirstLastPara="1" wrap="square" lIns="91425" tIns="91425" rIns="91425" bIns="91425" anchor="t" anchorCtr="0">
-            <a:noAutofit/>
-          </a:bodyPr>
-          <a:lstStyle>
-            <a:defPPr marR="0" lvl="0" algn="l" rtl="0">
-              <a:lnSpc>
-                <a:spcPct val="100000"/>
-              </a:lnSpc>
-              <a:spcBef>
-                <a:spcPts val="0"/>
-              </a:spcBef>
-              <a:spcAft>
-                <a:spcPts val="0"/>
-              </a:spcAft>
-            </a:defPPr>
-            <a:lvl1pPr marR="0" lvl="0" algn="ctr" rtl="0">
-              <a:lnSpc>
-                <a:spcPct val="100000"/>
-              </a:lnSpc>
-              <a:spcBef>
-                <a:spcPts val="0"/>
-              </a:spcBef>
-              <a:spcAft>
-                <a:spcPts val="0"/>
-              </a:spcAft>
-              <a:buClr>
-                <a:srgbClr val="1D262D"/>
-              </a:buClr>
-              <a:buSzPts val="3000"/>
-              <a:buFont typeface="Barlow Condensed"/>
-              <a:buNone/>
-              <a:defRPr sz="3000" b="0" i="0" u="none" strike="noStrike" cap="none">
-                <a:solidFill>
-                  <a:srgbClr val="1D262D"/>
-                </a:solidFill>
-                <a:latin typeface="Barlow Condensed"/>
-                <a:ea typeface="Barlow Condensed"/>
-                <a:cs typeface="Barlow Condensed"/>
-                <a:sym typeface="Barlow Condensed"/>
-              </a:defRPr>
-            </a:lvl1pPr>
-            <a:lvl2pPr marR="0" lvl="1" algn="l" rtl="0">
-              <a:lnSpc>
-                <a:spcPct val="100000"/>
-              </a:lnSpc>
-              <a:spcBef>
-                <a:spcPts val="0"/>
-              </a:spcBef>
-              <a:spcAft>
-                <a:spcPts val="0"/>
-              </a:spcAft>
-              <a:buClr>
-                <a:srgbClr val="1D262D"/>
-              </a:buClr>
-              <a:buSzPts val="3000"/>
-              <a:buFont typeface="Barlow Condensed"/>
-              <a:buNone/>
-              <a:defRPr sz="3000" b="0" i="0" u="none" strike="noStrike" cap="none">
-                <a:solidFill>
-                  <a:srgbClr val="1D262D"/>
-                </a:solidFill>
-                <a:latin typeface="Barlow Condensed"/>
-                <a:ea typeface="Barlow Condensed"/>
-                <a:cs typeface="Barlow Condensed"/>
-                <a:sym typeface="Barlow Condensed"/>
-              </a:defRPr>
-            </a:lvl2pPr>
-            <a:lvl3pPr marR="0" lvl="2" algn="l" rtl="0">
-              <a:lnSpc>
-                <a:spcPct val="100000"/>
-              </a:lnSpc>
-              <a:spcBef>
-                <a:spcPts val="0"/>
-              </a:spcBef>
-              <a:spcAft>
-                <a:spcPts val="0"/>
-              </a:spcAft>
-              <a:buClr>
-                <a:srgbClr val="1D262D"/>
-              </a:buClr>
-              <a:buSzPts val="3000"/>
-              <a:buFont typeface="Barlow Condensed"/>
-              <a:buNone/>
-              <a:defRPr sz="3000" b="0" i="0" u="none" strike="noStrike" cap="none">
-                <a:solidFill>
-                  <a:srgbClr val="1D262D"/>
-                </a:solidFill>
-                <a:latin typeface="Barlow Condensed"/>
-                <a:ea typeface="Barlow Condensed"/>
-                <a:cs typeface="Barlow Condensed"/>
-                <a:sym typeface="Barlow Condensed"/>
-              </a:defRPr>
-            </a:lvl3pPr>
-            <a:lvl4pPr marR="0" lvl="3" algn="l" rtl="0">
-              <a:lnSpc>
-                <a:spcPct val="100000"/>
-              </a:lnSpc>
-              <a:spcBef>
-                <a:spcPts val="0"/>
-              </a:spcBef>
-              <a:spcAft>
-                <a:spcPts val="0"/>
-              </a:spcAft>
-              <a:buClr>
-                <a:srgbClr val="1D262D"/>
-              </a:buClr>
-              <a:buSzPts val="3000"/>
-              <a:buFont typeface="Barlow Condensed"/>
-              <a:buNone/>
-              <a:defRPr sz="3000" b="0" i="0" u="none" strike="noStrike" cap="none">
-                <a:solidFill>
-                  <a:srgbClr val="1D262D"/>
-                </a:solidFill>
-                <a:latin typeface="Barlow Condensed"/>
-                <a:ea typeface="Barlow Condensed"/>
-                <a:cs typeface="Barlow Condensed"/>
-                <a:sym typeface="Barlow Condensed"/>
-              </a:defRPr>
-            </a:lvl4pPr>
-            <a:lvl5pPr marR="0" lvl="4" algn="l" rtl="0">
-              <a:lnSpc>
-                <a:spcPct val="100000"/>
-              </a:lnSpc>
-              <a:spcBef>
-                <a:spcPts val="0"/>
-              </a:spcBef>
-              <a:spcAft>
-                <a:spcPts val="0"/>
-              </a:spcAft>
-              <a:buClr>
-                <a:srgbClr val="1D262D"/>
-              </a:buClr>
-              <a:buSzPts val="3000"/>
-              <a:buFont typeface="Barlow Condensed"/>
-              <a:buNone/>
-              <a:defRPr sz="3000" b="0" i="0" u="none" strike="noStrike" cap="none">
-                <a:solidFill>
-                  <a:srgbClr val="1D262D"/>
-                </a:solidFill>
-                <a:latin typeface="Barlow Condensed"/>
-                <a:ea typeface="Barlow Condensed"/>
-                <a:cs typeface="Barlow Condensed"/>
-                <a:sym typeface="Barlow Condensed"/>
-              </a:defRPr>
-            </a:lvl5pPr>
-            <a:lvl6pPr marR="0" lvl="5" algn="l" rtl="0">
-              <a:lnSpc>
-                <a:spcPct val="100000"/>
-              </a:lnSpc>
-              <a:spcBef>
-                <a:spcPts val="0"/>
-              </a:spcBef>
-              <a:spcAft>
-                <a:spcPts val="0"/>
-              </a:spcAft>
-              <a:buClr>
-                <a:srgbClr val="1D262D"/>
-              </a:buClr>
-              <a:buSzPts val="3000"/>
-              <a:buFont typeface="Barlow Condensed"/>
-              <a:buNone/>
-              <a:defRPr sz="3000" b="0" i="0" u="none" strike="noStrike" cap="none">
-                <a:solidFill>
-                  <a:srgbClr val="1D262D"/>
-                </a:solidFill>
-                <a:latin typeface="Barlow Condensed"/>
-                <a:ea typeface="Barlow Condensed"/>
-                <a:cs typeface="Barlow Condensed"/>
-                <a:sym typeface="Barlow Condensed"/>
-              </a:defRPr>
-            </a:lvl6pPr>
-            <a:lvl7pPr marR="0" lvl="6" algn="l" rtl="0">
-              <a:lnSpc>
-                <a:spcPct val="100000"/>
-              </a:lnSpc>
-              <a:spcBef>
-                <a:spcPts val="0"/>
-              </a:spcBef>
-              <a:spcAft>
-                <a:spcPts val="0"/>
-              </a:spcAft>
-              <a:buClr>
-                <a:srgbClr val="1D262D"/>
-              </a:buClr>
-              <a:buSzPts val="3000"/>
-              <a:buFont typeface="Barlow Condensed"/>
-              <a:buNone/>
-              <a:defRPr sz="3000" b="0" i="0" u="none" strike="noStrike" cap="none">
-                <a:solidFill>
-                  <a:srgbClr val="1D262D"/>
-                </a:solidFill>
-                <a:latin typeface="Barlow Condensed"/>
-                <a:ea typeface="Barlow Condensed"/>
-                <a:cs typeface="Barlow Condensed"/>
-                <a:sym typeface="Barlow Condensed"/>
-              </a:defRPr>
-            </a:lvl7pPr>
-            <a:lvl8pPr marR="0" lvl="7" algn="l" rtl="0">
-              <a:lnSpc>
-                <a:spcPct val="100000"/>
-              </a:lnSpc>
-              <a:spcBef>
-                <a:spcPts val="0"/>
-              </a:spcBef>
-              <a:spcAft>
-                <a:spcPts val="0"/>
-              </a:spcAft>
-              <a:buClr>
-                <a:srgbClr val="1D262D"/>
-              </a:buClr>
-              <a:buSzPts val="3000"/>
-              <a:buFont typeface="Barlow Condensed"/>
-              <a:buNone/>
-              <a:defRPr sz="3000" b="0" i="0" u="none" strike="noStrike" cap="none">
-                <a:solidFill>
-                  <a:srgbClr val="1D262D"/>
-                </a:solidFill>
-                <a:latin typeface="Barlow Condensed"/>
-                <a:ea typeface="Barlow Condensed"/>
-                <a:cs typeface="Barlow Condensed"/>
-                <a:sym typeface="Barlow Condensed"/>
-              </a:defRPr>
-            </a:lvl8pPr>
-            <a:lvl9pPr marR="0" lvl="8" algn="l" rtl="0">
-              <a:lnSpc>
-                <a:spcPct val="100000"/>
-              </a:lnSpc>
-              <a:spcBef>
-                <a:spcPts val="0"/>
-              </a:spcBef>
-              <a:spcAft>
-                <a:spcPts val="0"/>
-              </a:spcAft>
-              <a:buClr>
-                <a:srgbClr val="1D262D"/>
-              </a:buClr>
-              <a:buSzPts val="3000"/>
-              <a:buFont typeface="Barlow Condensed"/>
-              <a:buNone/>
-              <a:defRPr sz="3000" b="0" i="0" u="none" strike="noStrike" cap="none">
-                <a:solidFill>
-                  <a:srgbClr val="1D262D"/>
-                </a:solidFill>
-                <a:latin typeface="Barlow Condensed"/>
-                <a:ea typeface="Barlow Condensed"/>
-                <a:cs typeface="Barlow Condensed"/>
-                <a:sym typeface="Barlow Condensed"/>
-              </a:defRPr>
-            </a:lvl9pPr>
-          </a:lstStyle>
-          <a:p>
-            <a:r>
-              <a:rPr lang="en-US" sz="1200" u="sng" dirty="0"/>
-              <a:t>(0.23, Word 1)</a:t>
-            </a:r>
-          </a:p>
-          <a:p>
-            <a:r>
-              <a:rPr lang="en-US" sz="1200" u="sng" dirty="0"/>
-              <a:t>(0.17, Word 2)</a:t>
-            </a:r>
-          </a:p>
-          <a:p>
-            <a:r>
-              <a:rPr lang="en-US" sz="1200" u="sng" dirty="0"/>
-              <a:t>(0.08, Word 3</a:t>
-            </a:r>
-            <a:r>
-              <a:rPr lang="en-US" sz="1400" u="sng" dirty="0"/>
-              <a:t>)</a:t>
-            </a:r>
-          </a:p>
-        </p:txBody>
-      </p:sp>
-      <p:sp>
-        <p:nvSpPr>
-          <p:cNvPr id="39" name="Title 1">
-            <a:extLst>
-              <a:ext uri="{FF2B5EF4-FFF2-40B4-BE49-F238E27FC236}">
-                <a16:creationId xmlns:a16="http://schemas.microsoft.com/office/drawing/2014/main" id="{BA38B0D2-78AC-EE4D-A3D1-1F270616961D}"/>
-              </a:ext>
-            </a:extLst>
-          </p:cNvPr>
-          <p:cNvSpPr txBox="1">
-            <a:spLocks/>
-          </p:cNvSpPr>
-          <p:nvPr/>
-        </p:nvSpPr>
-        <p:spPr>
-          <a:xfrm>
-            <a:off x="5510349" y="2519942"/>
-            <a:ext cx="1490519" cy="528600"/>
-          </a:xfrm>
-          <a:prstGeom prst="rect">
-            <a:avLst/>
-          </a:prstGeom>
-          <a:noFill/>
-          <a:ln>
-            <a:noFill/>
-          </a:ln>
-        </p:spPr>
-        <p:txBody>
-          <a:bodyPr spcFirstLastPara="1" wrap="square" lIns="91425" tIns="91425" rIns="91425" bIns="91425" anchor="t" anchorCtr="0">
-            <a:noAutofit/>
-          </a:bodyPr>
-          <a:lstStyle>
-            <a:defPPr marR="0" lvl="0" algn="l" rtl="0">
-              <a:lnSpc>
-                <a:spcPct val="100000"/>
-              </a:lnSpc>
-              <a:spcBef>
-                <a:spcPts val="0"/>
-              </a:spcBef>
-              <a:spcAft>
-                <a:spcPts val="0"/>
-              </a:spcAft>
-            </a:defPPr>
-            <a:lvl1pPr marR="0" lvl="0" algn="ctr" rtl="0">
-              <a:lnSpc>
-                <a:spcPct val="100000"/>
-              </a:lnSpc>
-              <a:spcBef>
-                <a:spcPts val="0"/>
-              </a:spcBef>
-              <a:spcAft>
-                <a:spcPts val="0"/>
-              </a:spcAft>
-              <a:buClr>
-                <a:srgbClr val="1D262D"/>
-              </a:buClr>
-              <a:buSzPts val="3000"/>
-              <a:buFont typeface="Barlow Condensed"/>
-              <a:buNone/>
-              <a:defRPr sz="3000" b="0" i="0" u="none" strike="noStrike" cap="none">
-                <a:solidFill>
-                  <a:srgbClr val="1D262D"/>
-                </a:solidFill>
-                <a:latin typeface="Barlow Condensed"/>
-                <a:ea typeface="Barlow Condensed"/>
-                <a:cs typeface="Barlow Condensed"/>
-                <a:sym typeface="Barlow Condensed"/>
-              </a:defRPr>
-            </a:lvl1pPr>
-            <a:lvl2pPr marR="0" lvl="1" algn="l" rtl="0">
-              <a:lnSpc>
-                <a:spcPct val="100000"/>
-              </a:lnSpc>
-              <a:spcBef>
-                <a:spcPts val="0"/>
-              </a:spcBef>
-              <a:spcAft>
-                <a:spcPts val="0"/>
-              </a:spcAft>
-              <a:buClr>
-                <a:srgbClr val="1D262D"/>
-              </a:buClr>
-              <a:buSzPts val="3000"/>
-              <a:buFont typeface="Barlow Condensed"/>
-              <a:buNone/>
-              <a:defRPr sz="3000" b="0" i="0" u="none" strike="noStrike" cap="none">
-                <a:solidFill>
-                  <a:srgbClr val="1D262D"/>
-                </a:solidFill>
-                <a:latin typeface="Barlow Condensed"/>
-                <a:ea typeface="Barlow Condensed"/>
-                <a:cs typeface="Barlow Condensed"/>
-                <a:sym typeface="Barlow Condensed"/>
-              </a:defRPr>
-            </a:lvl2pPr>
-            <a:lvl3pPr marR="0" lvl="2" algn="l" rtl="0">
-              <a:lnSpc>
-                <a:spcPct val="100000"/>
-              </a:lnSpc>
-              <a:spcBef>
-                <a:spcPts val="0"/>
-              </a:spcBef>
-              <a:spcAft>
-                <a:spcPts val="0"/>
-              </a:spcAft>
-              <a:buClr>
-                <a:srgbClr val="1D262D"/>
-              </a:buClr>
-              <a:buSzPts val="3000"/>
-              <a:buFont typeface="Barlow Condensed"/>
-              <a:buNone/>
-              <a:defRPr sz="3000" b="0" i="0" u="none" strike="noStrike" cap="none">
-                <a:solidFill>
-                  <a:srgbClr val="1D262D"/>
-                </a:solidFill>
-                <a:latin typeface="Barlow Condensed"/>
-                <a:ea typeface="Barlow Condensed"/>
-                <a:cs typeface="Barlow Condensed"/>
-                <a:sym typeface="Barlow Condensed"/>
-              </a:defRPr>
-            </a:lvl3pPr>
-            <a:lvl4pPr marR="0" lvl="3" algn="l" rtl="0">
-              <a:lnSpc>
-                <a:spcPct val="100000"/>
-              </a:lnSpc>
-              <a:spcBef>
-                <a:spcPts val="0"/>
-              </a:spcBef>
-              <a:spcAft>
-                <a:spcPts val="0"/>
-              </a:spcAft>
-              <a:buClr>
-                <a:srgbClr val="1D262D"/>
-              </a:buClr>
-              <a:buSzPts val="3000"/>
-              <a:buFont typeface="Barlow Condensed"/>
-              <a:buNone/>
-              <a:defRPr sz="3000" b="0" i="0" u="none" strike="noStrike" cap="none">
-                <a:solidFill>
-                  <a:srgbClr val="1D262D"/>
-                </a:solidFill>
-                <a:latin typeface="Barlow Condensed"/>
-                <a:ea typeface="Barlow Condensed"/>
-                <a:cs typeface="Barlow Condensed"/>
-                <a:sym typeface="Barlow Condensed"/>
-              </a:defRPr>
-            </a:lvl4pPr>
-            <a:lvl5pPr marR="0" lvl="4" algn="l" rtl="0">
-              <a:lnSpc>
-                <a:spcPct val="100000"/>
-              </a:lnSpc>
-              <a:spcBef>
-                <a:spcPts val="0"/>
-              </a:spcBef>
-              <a:spcAft>
-                <a:spcPts val="0"/>
-              </a:spcAft>
-              <a:buClr>
-                <a:srgbClr val="1D262D"/>
-              </a:buClr>
-              <a:buSzPts val="3000"/>
-              <a:buFont typeface="Barlow Condensed"/>
-              <a:buNone/>
-              <a:defRPr sz="3000" b="0" i="0" u="none" strike="noStrike" cap="none">
-                <a:solidFill>
-                  <a:srgbClr val="1D262D"/>
-                </a:solidFill>
-                <a:latin typeface="Barlow Condensed"/>
-                <a:ea typeface="Barlow Condensed"/>
-                <a:cs typeface="Barlow Condensed"/>
-                <a:sym typeface="Barlow Condensed"/>
-              </a:defRPr>
-            </a:lvl5pPr>
-            <a:lvl6pPr marR="0" lvl="5" algn="l" rtl="0">
-              <a:lnSpc>
-                <a:spcPct val="100000"/>
-              </a:lnSpc>
-              <a:spcBef>
-                <a:spcPts val="0"/>
-              </a:spcBef>
-              <a:spcAft>
-                <a:spcPts val="0"/>
-              </a:spcAft>
-              <a:buClr>
-                <a:srgbClr val="1D262D"/>
-              </a:buClr>
-              <a:buSzPts val="3000"/>
-              <a:buFont typeface="Barlow Condensed"/>
-              <a:buNone/>
-              <a:defRPr sz="3000" b="0" i="0" u="none" strike="noStrike" cap="none">
-                <a:solidFill>
-                  <a:srgbClr val="1D262D"/>
-                </a:solidFill>
-                <a:latin typeface="Barlow Condensed"/>
-                <a:ea typeface="Barlow Condensed"/>
-                <a:cs typeface="Barlow Condensed"/>
-                <a:sym typeface="Barlow Condensed"/>
-              </a:defRPr>
-            </a:lvl6pPr>
-            <a:lvl7pPr marR="0" lvl="6" algn="l" rtl="0">
-              <a:lnSpc>
-                <a:spcPct val="100000"/>
-              </a:lnSpc>
-              <a:spcBef>
-                <a:spcPts val="0"/>
-              </a:spcBef>
-              <a:spcAft>
-                <a:spcPts val="0"/>
-              </a:spcAft>
-              <a:buClr>
-                <a:srgbClr val="1D262D"/>
-              </a:buClr>
-              <a:buSzPts val="3000"/>
-              <a:buFont typeface="Barlow Condensed"/>
-              <a:buNone/>
-              <a:defRPr sz="3000" b="0" i="0" u="none" strike="noStrike" cap="none">
-                <a:solidFill>
-                  <a:srgbClr val="1D262D"/>
-                </a:solidFill>
-                <a:latin typeface="Barlow Condensed"/>
-                <a:ea typeface="Barlow Condensed"/>
-                <a:cs typeface="Barlow Condensed"/>
-                <a:sym typeface="Barlow Condensed"/>
-              </a:defRPr>
-            </a:lvl7pPr>
-            <a:lvl8pPr marR="0" lvl="7" algn="l" rtl="0">
-              <a:lnSpc>
-                <a:spcPct val="100000"/>
-              </a:lnSpc>
-              <a:spcBef>
-                <a:spcPts val="0"/>
-              </a:spcBef>
-              <a:spcAft>
-                <a:spcPts val="0"/>
-              </a:spcAft>
-              <a:buClr>
-                <a:srgbClr val="1D262D"/>
-              </a:buClr>
-              <a:buSzPts val="3000"/>
-              <a:buFont typeface="Barlow Condensed"/>
-              <a:buNone/>
-              <a:defRPr sz="3000" b="0" i="0" u="none" strike="noStrike" cap="none">
-                <a:solidFill>
-                  <a:srgbClr val="1D262D"/>
-                </a:solidFill>
-                <a:latin typeface="Barlow Condensed"/>
-                <a:ea typeface="Barlow Condensed"/>
-                <a:cs typeface="Barlow Condensed"/>
-                <a:sym typeface="Barlow Condensed"/>
-              </a:defRPr>
-            </a:lvl8pPr>
-            <a:lvl9pPr marR="0" lvl="8" algn="l" rtl="0">
-              <a:lnSpc>
-                <a:spcPct val="100000"/>
-              </a:lnSpc>
-              <a:spcBef>
-                <a:spcPts val="0"/>
-              </a:spcBef>
-              <a:spcAft>
-                <a:spcPts val="0"/>
-              </a:spcAft>
-              <a:buClr>
-                <a:srgbClr val="1D262D"/>
-              </a:buClr>
-              <a:buSzPts val="3000"/>
-              <a:buFont typeface="Barlow Condensed"/>
-              <a:buNone/>
-              <a:defRPr sz="3000" b="0" i="0" u="none" strike="noStrike" cap="none">
-                <a:solidFill>
-                  <a:srgbClr val="1D262D"/>
-                </a:solidFill>
-                <a:latin typeface="Barlow Condensed"/>
-                <a:ea typeface="Barlow Condensed"/>
-                <a:cs typeface="Barlow Condensed"/>
-                <a:sym typeface="Barlow Condensed"/>
-              </a:defRPr>
-            </a:lvl9pPr>
-          </a:lstStyle>
-          <a:p>
-            <a:r>
-              <a:rPr lang="en-US" sz="1200" u="sng" dirty="0"/>
-              <a:t>(0.18, Word 4)</a:t>
-            </a:r>
-          </a:p>
-          <a:p>
-            <a:r>
-              <a:rPr lang="en-US" sz="1200" u="sng" dirty="0"/>
-              <a:t>(0.10, Word 1)</a:t>
-            </a:r>
-          </a:p>
-          <a:p>
-            <a:r>
-              <a:rPr lang="en-US" sz="1200" u="sng" dirty="0"/>
-              <a:t>(0.04, Word 6)</a:t>
-            </a:r>
-          </a:p>
-        </p:txBody>
-      </p:sp>
-      <p:sp>
-        <p:nvSpPr>
-          <p:cNvPr id="40" name="Title 1">
-            <a:extLst>
-              <a:ext uri="{FF2B5EF4-FFF2-40B4-BE49-F238E27FC236}">
-                <a16:creationId xmlns:a16="http://schemas.microsoft.com/office/drawing/2014/main" id="{1471FF2E-0532-5545-898B-5290B9111EEB}"/>
-              </a:ext>
-            </a:extLst>
-          </p:cNvPr>
-          <p:cNvSpPr txBox="1">
-            <a:spLocks/>
-          </p:cNvSpPr>
-          <p:nvPr/>
-        </p:nvSpPr>
-        <p:spPr>
-          <a:xfrm>
-            <a:off x="725982" y="3217271"/>
-            <a:ext cx="1490519" cy="528600"/>
-          </a:xfrm>
-          <a:prstGeom prst="rect">
-            <a:avLst/>
-          </a:prstGeom>
-          <a:noFill/>
-          <a:ln>
-            <a:noFill/>
-          </a:ln>
-        </p:spPr>
-        <p:txBody>
-          <a:bodyPr spcFirstLastPara="1" wrap="square" lIns="91425" tIns="91425" rIns="91425" bIns="91425" anchor="t" anchorCtr="0">
-            <a:noAutofit/>
-          </a:bodyPr>
-          <a:lstStyle>
-            <a:defPPr marR="0" lvl="0" algn="l" rtl="0">
-              <a:lnSpc>
-                <a:spcPct val="100000"/>
-              </a:lnSpc>
-              <a:spcBef>
-                <a:spcPts val="0"/>
-              </a:spcBef>
-              <a:spcAft>
-                <a:spcPts val="0"/>
-              </a:spcAft>
-            </a:defPPr>
-            <a:lvl1pPr marR="0" lvl="0" algn="ctr" rtl="0">
-              <a:lnSpc>
-                <a:spcPct val="100000"/>
-              </a:lnSpc>
-              <a:spcBef>
-                <a:spcPts val="0"/>
-              </a:spcBef>
-              <a:spcAft>
-                <a:spcPts val="0"/>
-              </a:spcAft>
-              <a:buClr>
-                <a:srgbClr val="1D262D"/>
-              </a:buClr>
-              <a:buSzPts val="3000"/>
-              <a:buFont typeface="Barlow Condensed"/>
-              <a:buNone/>
-              <a:defRPr sz="3000" b="0" i="0" u="none" strike="noStrike" cap="none">
-                <a:solidFill>
-                  <a:srgbClr val="1D262D"/>
-                </a:solidFill>
-                <a:latin typeface="Barlow Condensed"/>
-                <a:ea typeface="Barlow Condensed"/>
-                <a:cs typeface="Barlow Condensed"/>
-                <a:sym typeface="Barlow Condensed"/>
-              </a:defRPr>
-            </a:lvl1pPr>
-            <a:lvl2pPr marR="0" lvl="1" algn="l" rtl="0">
-              <a:lnSpc>
-                <a:spcPct val="100000"/>
-              </a:lnSpc>
-              <a:spcBef>
-                <a:spcPts val="0"/>
-              </a:spcBef>
-              <a:spcAft>
-                <a:spcPts val="0"/>
-              </a:spcAft>
-              <a:buClr>
-                <a:srgbClr val="1D262D"/>
-              </a:buClr>
-              <a:buSzPts val="3000"/>
-              <a:buFont typeface="Barlow Condensed"/>
-              <a:buNone/>
-              <a:defRPr sz="3000" b="0" i="0" u="none" strike="noStrike" cap="none">
-                <a:solidFill>
-                  <a:srgbClr val="1D262D"/>
-                </a:solidFill>
-                <a:latin typeface="Barlow Condensed"/>
-                <a:ea typeface="Barlow Condensed"/>
-                <a:cs typeface="Barlow Condensed"/>
-                <a:sym typeface="Barlow Condensed"/>
-              </a:defRPr>
-            </a:lvl2pPr>
-            <a:lvl3pPr marR="0" lvl="2" algn="l" rtl="0">
-              <a:lnSpc>
-                <a:spcPct val="100000"/>
-              </a:lnSpc>
-              <a:spcBef>
-                <a:spcPts val="0"/>
-              </a:spcBef>
-              <a:spcAft>
-                <a:spcPts val="0"/>
-              </a:spcAft>
-              <a:buClr>
-                <a:srgbClr val="1D262D"/>
-              </a:buClr>
-              <a:buSzPts val="3000"/>
-              <a:buFont typeface="Barlow Condensed"/>
-              <a:buNone/>
-              <a:defRPr sz="3000" b="0" i="0" u="none" strike="noStrike" cap="none">
-                <a:solidFill>
-                  <a:srgbClr val="1D262D"/>
-                </a:solidFill>
-                <a:latin typeface="Barlow Condensed"/>
-                <a:ea typeface="Barlow Condensed"/>
-                <a:cs typeface="Barlow Condensed"/>
-                <a:sym typeface="Barlow Condensed"/>
-              </a:defRPr>
-            </a:lvl3pPr>
-            <a:lvl4pPr marR="0" lvl="3" algn="l" rtl="0">
-              <a:lnSpc>
-                <a:spcPct val="100000"/>
-              </a:lnSpc>
-              <a:spcBef>
-                <a:spcPts val="0"/>
-              </a:spcBef>
-              <a:spcAft>
-                <a:spcPts val="0"/>
-              </a:spcAft>
-              <a:buClr>
-                <a:srgbClr val="1D262D"/>
-              </a:buClr>
-              <a:buSzPts val="3000"/>
-              <a:buFont typeface="Barlow Condensed"/>
-              <a:buNone/>
-              <a:defRPr sz="3000" b="0" i="0" u="none" strike="noStrike" cap="none">
-                <a:solidFill>
-                  <a:srgbClr val="1D262D"/>
-                </a:solidFill>
-                <a:latin typeface="Barlow Condensed"/>
-                <a:ea typeface="Barlow Condensed"/>
-                <a:cs typeface="Barlow Condensed"/>
-                <a:sym typeface="Barlow Condensed"/>
-              </a:defRPr>
-            </a:lvl4pPr>
-            <a:lvl5pPr marR="0" lvl="4" algn="l" rtl="0">
-              <a:lnSpc>
-                <a:spcPct val="100000"/>
-              </a:lnSpc>
-              <a:spcBef>
-                <a:spcPts val="0"/>
-              </a:spcBef>
-              <a:spcAft>
-                <a:spcPts val="0"/>
-              </a:spcAft>
-              <a:buClr>
-                <a:srgbClr val="1D262D"/>
-              </a:buClr>
-              <a:buSzPts val="3000"/>
-              <a:buFont typeface="Barlow Condensed"/>
-              <a:buNone/>
-              <a:defRPr sz="3000" b="0" i="0" u="none" strike="noStrike" cap="none">
-                <a:solidFill>
-                  <a:srgbClr val="1D262D"/>
-                </a:solidFill>
-                <a:latin typeface="Barlow Condensed"/>
-                <a:ea typeface="Barlow Condensed"/>
-                <a:cs typeface="Barlow Condensed"/>
-                <a:sym typeface="Barlow Condensed"/>
-              </a:defRPr>
-            </a:lvl5pPr>
-            <a:lvl6pPr marR="0" lvl="5" algn="l" rtl="0">
-              <a:lnSpc>
-                <a:spcPct val="100000"/>
-              </a:lnSpc>
-              <a:spcBef>
-                <a:spcPts val="0"/>
-              </a:spcBef>
-              <a:spcAft>
-                <a:spcPts val="0"/>
-              </a:spcAft>
-              <a:buClr>
-                <a:srgbClr val="1D262D"/>
-              </a:buClr>
-              <a:buSzPts val="3000"/>
-              <a:buFont typeface="Barlow Condensed"/>
-              <a:buNone/>
-              <a:defRPr sz="3000" b="0" i="0" u="none" strike="noStrike" cap="none">
-                <a:solidFill>
-                  <a:srgbClr val="1D262D"/>
-                </a:solidFill>
-                <a:latin typeface="Barlow Condensed"/>
-                <a:ea typeface="Barlow Condensed"/>
-                <a:cs typeface="Barlow Condensed"/>
-                <a:sym typeface="Barlow Condensed"/>
-              </a:defRPr>
-            </a:lvl6pPr>
-            <a:lvl7pPr marR="0" lvl="6" algn="l" rtl="0">
-              <a:lnSpc>
-                <a:spcPct val="100000"/>
-              </a:lnSpc>
-              <a:spcBef>
-                <a:spcPts val="0"/>
-              </a:spcBef>
-              <a:spcAft>
-                <a:spcPts val="0"/>
-              </a:spcAft>
-              <a:buClr>
-                <a:srgbClr val="1D262D"/>
-              </a:buClr>
-              <a:buSzPts val="3000"/>
-              <a:buFont typeface="Barlow Condensed"/>
-              <a:buNone/>
-              <a:defRPr sz="3000" b="0" i="0" u="none" strike="noStrike" cap="none">
-                <a:solidFill>
-                  <a:srgbClr val="1D262D"/>
-                </a:solidFill>
-                <a:latin typeface="Barlow Condensed"/>
-                <a:ea typeface="Barlow Condensed"/>
-                <a:cs typeface="Barlow Condensed"/>
-                <a:sym typeface="Barlow Condensed"/>
-              </a:defRPr>
-            </a:lvl7pPr>
-            <a:lvl8pPr marR="0" lvl="7" algn="l" rtl="0">
-              <a:lnSpc>
-                <a:spcPct val="100000"/>
-              </a:lnSpc>
-              <a:spcBef>
-                <a:spcPts val="0"/>
-              </a:spcBef>
-              <a:spcAft>
-                <a:spcPts val="0"/>
-              </a:spcAft>
-              <a:buClr>
-                <a:srgbClr val="1D262D"/>
-              </a:buClr>
-              <a:buSzPts val="3000"/>
-              <a:buFont typeface="Barlow Condensed"/>
-              <a:buNone/>
-              <a:defRPr sz="3000" b="0" i="0" u="none" strike="noStrike" cap="none">
-                <a:solidFill>
-                  <a:srgbClr val="1D262D"/>
-                </a:solidFill>
-                <a:latin typeface="Barlow Condensed"/>
-                <a:ea typeface="Barlow Condensed"/>
-                <a:cs typeface="Barlow Condensed"/>
-                <a:sym typeface="Barlow Condensed"/>
-              </a:defRPr>
-            </a:lvl8pPr>
-            <a:lvl9pPr marR="0" lvl="8" algn="l" rtl="0">
-              <a:lnSpc>
-                <a:spcPct val="100000"/>
-              </a:lnSpc>
-              <a:spcBef>
-                <a:spcPts val="0"/>
-              </a:spcBef>
-              <a:spcAft>
-                <a:spcPts val="0"/>
-              </a:spcAft>
-              <a:buClr>
-                <a:srgbClr val="1D262D"/>
-              </a:buClr>
-              <a:buSzPts val="3000"/>
-              <a:buFont typeface="Barlow Condensed"/>
-              <a:buNone/>
-              <a:defRPr sz="3000" b="0" i="0" u="none" strike="noStrike" cap="none">
-                <a:solidFill>
-                  <a:srgbClr val="1D262D"/>
-                </a:solidFill>
-                <a:latin typeface="Barlow Condensed"/>
-                <a:ea typeface="Barlow Condensed"/>
-                <a:cs typeface="Barlow Condensed"/>
-                <a:sym typeface="Barlow Condensed"/>
-              </a:defRPr>
-            </a:lvl9pPr>
-          </a:lstStyle>
-          <a:p>
-            <a:r>
-              <a:rPr lang="en-US" sz="2000" u="sng" dirty="0"/>
-              <a:t>Model Process</a:t>
-            </a:r>
-          </a:p>
-        </p:txBody>
-      </p:sp>
-      <p:sp>
-        <p:nvSpPr>
-          <p:cNvPr id="46" name="Title 1">
-            <a:extLst>
-              <a:ext uri="{FF2B5EF4-FFF2-40B4-BE49-F238E27FC236}">
-                <a16:creationId xmlns:a16="http://schemas.microsoft.com/office/drawing/2014/main" id="{B2489E61-319D-2F43-BA63-D664D7A16047}"/>
-              </a:ext>
-            </a:extLst>
-          </p:cNvPr>
-          <p:cNvSpPr txBox="1">
-            <a:spLocks/>
-          </p:cNvSpPr>
-          <p:nvPr/>
-        </p:nvSpPr>
-        <p:spPr>
-          <a:xfrm>
-            <a:off x="848316" y="3578294"/>
-            <a:ext cx="7754901" cy="528600"/>
-          </a:xfrm>
-          <a:prstGeom prst="rect">
-            <a:avLst/>
-          </a:prstGeom>
-          <a:noFill/>
-          <a:ln>
-            <a:noFill/>
-          </a:ln>
-        </p:spPr>
-        <p:txBody>
-          <a:bodyPr spcFirstLastPara="1" wrap="square" lIns="91425" tIns="91425" rIns="91425" bIns="91425" anchor="t" anchorCtr="0">
-            <a:noAutofit/>
-          </a:bodyPr>
-          <a:lstStyle>
-            <a:defPPr marR="0" lvl="0" algn="l" rtl="0">
-              <a:lnSpc>
-                <a:spcPct val="100000"/>
-              </a:lnSpc>
-              <a:spcBef>
-                <a:spcPts val="0"/>
-              </a:spcBef>
-              <a:spcAft>
-                <a:spcPts val="0"/>
-              </a:spcAft>
-            </a:defPPr>
-            <a:lvl1pPr marR="0" lvl="0" algn="ctr" rtl="0">
-              <a:lnSpc>
-                <a:spcPct val="100000"/>
-              </a:lnSpc>
-              <a:spcBef>
-                <a:spcPts val="0"/>
-              </a:spcBef>
-              <a:spcAft>
-                <a:spcPts val="0"/>
-              </a:spcAft>
-              <a:buClr>
-                <a:srgbClr val="1D262D"/>
-              </a:buClr>
-              <a:buSzPts val="3000"/>
-              <a:buFont typeface="Barlow Condensed"/>
-              <a:buNone/>
-              <a:defRPr sz="3000" b="0" i="0" u="none" strike="noStrike" cap="none">
-                <a:solidFill>
-                  <a:srgbClr val="1D262D"/>
-                </a:solidFill>
-                <a:latin typeface="Barlow Condensed"/>
-                <a:ea typeface="Barlow Condensed"/>
-                <a:cs typeface="Barlow Condensed"/>
-                <a:sym typeface="Barlow Condensed"/>
-              </a:defRPr>
-            </a:lvl1pPr>
-            <a:lvl2pPr marR="0" lvl="1" algn="l" rtl="0">
-              <a:lnSpc>
-                <a:spcPct val="100000"/>
-              </a:lnSpc>
-              <a:spcBef>
-                <a:spcPts val="0"/>
-              </a:spcBef>
-              <a:spcAft>
-                <a:spcPts val="0"/>
-              </a:spcAft>
-              <a:buClr>
-                <a:srgbClr val="1D262D"/>
-              </a:buClr>
-              <a:buSzPts val="3000"/>
-              <a:buFont typeface="Barlow Condensed"/>
-              <a:buNone/>
-              <a:defRPr sz="3000" b="0" i="0" u="none" strike="noStrike" cap="none">
-                <a:solidFill>
-                  <a:srgbClr val="1D262D"/>
-                </a:solidFill>
-                <a:latin typeface="Barlow Condensed"/>
-                <a:ea typeface="Barlow Condensed"/>
-                <a:cs typeface="Barlow Condensed"/>
-                <a:sym typeface="Barlow Condensed"/>
-              </a:defRPr>
-            </a:lvl2pPr>
-            <a:lvl3pPr marR="0" lvl="2" algn="l" rtl="0">
-              <a:lnSpc>
-                <a:spcPct val="100000"/>
-              </a:lnSpc>
-              <a:spcBef>
-                <a:spcPts val="0"/>
-              </a:spcBef>
-              <a:spcAft>
-                <a:spcPts val="0"/>
-              </a:spcAft>
-              <a:buClr>
-                <a:srgbClr val="1D262D"/>
-              </a:buClr>
-              <a:buSzPts val="3000"/>
-              <a:buFont typeface="Barlow Condensed"/>
-              <a:buNone/>
-              <a:defRPr sz="3000" b="0" i="0" u="none" strike="noStrike" cap="none">
-                <a:solidFill>
-                  <a:srgbClr val="1D262D"/>
-                </a:solidFill>
-                <a:latin typeface="Barlow Condensed"/>
-                <a:ea typeface="Barlow Condensed"/>
-                <a:cs typeface="Barlow Condensed"/>
-                <a:sym typeface="Barlow Condensed"/>
-              </a:defRPr>
-            </a:lvl3pPr>
-            <a:lvl4pPr marR="0" lvl="3" algn="l" rtl="0">
-              <a:lnSpc>
-                <a:spcPct val="100000"/>
-              </a:lnSpc>
-              <a:spcBef>
-                <a:spcPts val="0"/>
-              </a:spcBef>
-              <a:spcAft>
-                <a:spcPts val="0"/>
-              </a:spcAft>
-              <a:buClr>
-                <a:srgbClr val="1D262D"/>
-              </a:buClr>
-              <a:buSzPts val="3000"/>
-              <a:buFont typeface="Barlow Condensed"/>
-              <a:buNone/>
-              <a:defRPr sz="3000" b="0" i="0" u="none" strike="noStrike" cap="none">
-                <a:solidFill>
-                  <a:srgbClr val="1D262D"/>
-                </a:solidFill>
-                <a:latin typeface="Barlow Condensed"/>
-                <a:ea typeface="Barlow Condensed"/>
-                <a:cs typeface="Barlow Condensed"/>
-                <a:sym typeface="Barlow Condensed"/>
-              </a:defRPr>
-            </a:lvl4pPr>
-            <a:lvl5pPr marR="0" lvl="4" algn="l" rtl="0">
-              <a:lnSpc>
-                <a:spcPct val="100000"/>
-              </a:lnSpc>
-              <a:spcBef>
-                <a:spcPts val="0"/>
-              </a:spcBef>
-              <a:spcAft>
-                <a:spcPts val="0"/>
-              </a:spcAft>
-              <a:buClr>
-                <a:srgbClr val="1D262D"/>
-              </a:buClr>
-              <a:buSzPts val="3000"/>
-              <a:buFont typeface="Barlow Condensed"/>
-              <a:buNone/>
-              <a:defRPr sz="3000" b="0" i="0" u="none" strike="noStrike" cap="none">
-                <a:solidFill>
-                  <a:srgbClr val="1D262D"/>
-                </a:solidFill>
-                <a:latin typeface="Barlow Condensed"/>
-                <a:ea typeface="Barlow Condensed"/>
-                <a:cs typeface="Barlow Condensed"/>
-                <a:sym typeface="Barlow Condensed"/>
-              </a:defRPr>
-            </a:lvl5pPr>
-            <a:lvl6pPr marR="0" lvl="5" algn="l" rtl="0">
-              <a:lnSpc>
-                <a:spcPct val="100000"/>
-              </a:lnSpc>
-              <a:spcBef>
-                <a:spcPts val="0"/>
-              </a:spcBef>
-              <a:spcAft>
-                <a:spcPts val="0"/>
-              </a:spcAft>
-              <a:buClr>
-                <a:srgbClr val="1D262D"/>
-              </a:buClr>
-              <a:buSzPts val="3000"/>
-              <a:buFont typeface="Barlow Condensed"/>
-              <a:buNone/>
-              <a:defRPr sz="3000" b="0" i="0" u="none" strike="noStrike" cap="none">
-                <a:solidFill>
-                  <a:srgbClr val="1D262D"/>
-                </a:solidFill>
-                <a:latin typeface="Barlow Condensed"/>
-                <a:ea typeface="Barlow Condensed"/>
-                <a:cs typeface="Barlow Condensed"/>
-                <a:sym typeface="Barlow Condensed"/>
-              </a:defRPr>
-            </a:lvl6pPr>
-            <a:lvl7pPr marR="0" lvl="6" algn="l" rtl="0">
-              <a:lnSpc>
-                <a:spcPct val="100000"/>
-              </a:lnSpc>
-              <a:spcBef>
-                <a:spcPts val="0"/>
-              </a:spcBef>
-              <a:spcAft>
-                <a:spcPts val="0"/>
-              </a:spcAft>
-              <a:buClr>
-                <a:srgbClr val="1D262D"/>
-              </a:buClr>
-              <a:buSzPts val="3000"/>
-              <a:buFont typeface="Barlow Condensed"/>
-              <a:buNone/>
-              <a:defRPr sz="3000" b="0" i="0" u="none" strike="noStrike" cap="none">
-                <a:solidFill>
-                  <a:srgbClr val="1D262D"/>
-                </a:solidFill>
-                <a:latin typeface="Barlow Condensed"/>
-                <a:ea typeface="Barlow Condensed"/>
-                <a:cs typeface="Barlow Condensed"/>
-                <a:sym typeface="Barlow Condensed"/>
-              </a:defRPr>
-            </a:lvl7pPr>
-            <a:lvl8pPr marR="0" lvl="7" algn="l" rtl="0">
-              <a:lnSpc>
-                <a:spcPct val="100000"/>
-              </a:lnSpc>
-              <a:spcBef>
-                <a:spcPts val="0"/>
-              </a:spcBef>
-              <a:spcAft>
-                <a:spcPts val="0"/>
-              </a:spcAft>
-              <a:buClr>
-                <a:srgbClr val="1D262D"/>
-              </a:buClr>
-              <a:buSzPts val="3000"/>
-              <a:buFont typeface="Barlow Condensed"/>
-              <a:buNone/>
-              <a:defRPr sz="3000" b="0" i="0" u="none" strike="noStrike" cap="none">
-                <a:solidFill>
-                  <a:srgbClr val="1D262D"/>
-                </a:solidFill>
-                <a:latin typeface="Barlow Condensed"/>
-                <a:ea typeface="Barlow Condensed"/>
-                <a:cs typeface="Barlow Condensed"/>
-                <a:sym typeface="Barlow Condensed"/>
-              </a:defRPr>
-            </a:lvl8pPr>
-            <a:lvl9pPr marR="0" lvl="8" algn="l" rtl="0">
-              <a:lnSpc>
-                <a:spcPct val="100000"/>
-              </a:lnSpc>
-              <a:spcBef>
-                <a:spcPts val="0"/>
-              </a:spcBef>
-              <a:spcAft>
-                <a:spcPts val="0"/>
-              </a:spcAft>
-              <a:buClr>
-                <a:srgbClr val="1D262D"/>
-              </a:buClr>
-              <a:buSzPts val="3000"/>
-              <a:buFont typeface="Barlow Condensed"/>
-              <a:buNone/>
-              <a:defRPr sz="3000" b="0" i="0" u="none" strike="noStrike" cap="none">
-                <a:solidFill>
-                  <a:srgbClr val="1D262D"/>
-                </a:solidFill>
-                <a:latin typeface="Barlow Condensed"/>
-                <a:ea typeface="Barlow Condensed"/>
-                <a:cs typeface="Barlow Condensed"/>
-                <a:sym typeface="Barlow Condensed"/>
-              </a:defRPr>
-            </a:lvl9pPr>
-          </a:lstStyle>
-          <a:p>
-            <a:pPr marL="342900" indent="-342900" algn="l">
-              <a:buSzPct val="100000"/>
-              <a:buFont typeface="+mj-lt"/>
-              <a:buAutoNum type="arabicPeriod"/>
-            </a:pPr>
-            <a:r>
-              <a:rPr lang="en-US" sz="1400" dirty="0"/>
-              <a:t>Select Number of Topics (K)</a:t>
-            </a:r>
-          </a:p>
-          <a:p>
-            <a:pPr marL="342900" indent="-342900" algn="l">
-              <a:buSzPct val="100000"/>
-              <a:buFont typeface="+mj-lt"/>
-              <a:buAutoNum type="arabicPeriod"/>
-            </a:pPr>
-            <a:r>
-              <a:rPr lang="en-US" sz="1400" dirty="0"/>
-              <a:t>For each document, randomly assign a word to topic ( K topics total)</a:t>
-            </a:r>
-          </a:p>
-          <a:p>
-            <a:pPr marL="342900" indent="-342900" algn="l">
-              <a:buSzPct val="100000"/>
-              <a:buFont typeface="+mj-lt"/>
-              <a:buAutoNum type="arabicPeriod"/>
-            </a:pPr>
-            <a:r>
-              <a:rPr lang="en-US" sz="1400" dirty="0"/>
-              <a:t>Repeat word assignment based on p (topic | doc) and p (word | topic)</a:t>
-            </a:r>
-          </a:p>
-          <a:p>
-            <a:pPr marL="342900" indent="-342900" algn="l">
-              <a:buFont typeface="Arial" panose="020B0604020202020204" pitchFamily="34" charset="0"/>
-              <a:buChar char="•"/>
-            </a:pPr>
-            <a:endParaRPr lang="en-US" sz="1400" dirty="0"/>
-          </a:p>
-        </p:txBody>
-      </p:sp>
-    </p:spTree>
-    <p:extLst>
-      <p:ext uri="{BB962C8B-B14F-4D97-AF65-F5344CB8AC3E}">
-        <p14:creationId xmlns:p14="http://schemas.microsoft.com/office/powerpoint/2010/main" val="1344677431"/>
-      </p:ext>
-    </p:extLst>
-  </p:cSld>
-  <p:clrMapOvr>
-    <a:masterClrMapping/>
-  </p:clrMapOvr>
-</p:sld>
-</file>
-
-<file path=ppt/slides/slide11.xml><?xml version="1.0" encoding="utf-8"?>
 <p:sld xmlns:a="http://schemas.openxmlformats.org/drawingml/2006/main" xmlns:r="http://schemas.openxmlformats.org/officeDocument/2006/relationships" xmlns:p="http://schemas.openxmlformats.org/presentationml/2006/main">
   <p:cSld>
     <p:spTree>
@@ -9176,7 +6779,7 @@
 </p:sld>
 </file>
 
-<file path=ppt/slides/slide12.xml><?xml version="1.0" encoding="utf-8"?>
+<file path=ppt/slides/slide11.xml><?xml version="1.0" encoding="utf-8"?>
 <p:sld xmlns:a="http://schemas.openxmlformats.org/drawingml/2006/main" xmlns:r="http://schemas.openxmlformats.org/officeDocument/2006/relationships" xmlns:p="http://schemas.openxmlformats.org/presentationml/2006/main">
   <p:cSld>
     <p:spTree>
@@ -9268,7 +6871,7 @@
 </p:sld>
 </file>
 
-<file path=ppt/slides/slide13.xml><?xml version="1.0" encoding="utf-8"?>
+<file path=ppt/slides/slide12.xml><?xml version="1.0" encoding="utf-8"?>
 <p:sld xmlns:a="http://schemas.openxmlformats.org/drawingml/2006/main" xmlns:r="http://schemas.openxmlformats.org/officeDocument/2006/relationships" xmlns:p="http://schemas.openxmlformats.org/presentationml/2006/main">
   <p:cSld>
     <p:spTree>
@@ -10565,7 +8168,7 @@
 </p:sld>
 </file>
 
-<file path=ppt/slides/slide14.xml><?xml version="1.0" encoding="utf-8"?>
+<file path=ppt/slides/slide13.xml><?xml version="1.0" encoding="utf-8"?>
 <p:sld xmlns:a="http://schemas.openxmlformats.org/drawingml/2006/main" xmlns:r="http://schemas.openxmlformats.org/officeDocument/2006/relationships" xmlns:p="http://schemas.openxmlformats.org/presentationml/2006/main">
   <p:cSld>
     <p:spTree>
@@ -10657,7 +8260,7 @@
 </p:sld>
 </file>
 
-<file path=ppt/slides/slide15.xml><?xml version="1.0" encoding="utf-8"?>
+<file path=ppt/slides/slide14.xml><?xml version="1.0" encoding="utf-8"?>
 <p:sld xmlns:a="http://schemas.openxmlformats.org/drawingml/2006/main" xmlns:r="http://schemas.openxmlformats.org/officeDocument/2006/relationships" xmlns:p="http://schemas.openxmlformats.org/presentationml/2006/main">
   <p:cSld>
     <p:spTree>
@@ -11897,7 +9500,7 @@
 </p:sld>
 </file>
 
-<file path=ppt/slides/slide16.xml><?xml version="1.0" encoding="utf-8"?>
+<file path=ppt/slides/slide15.xml><?xml version="1.0" encoding="utf-8"?>
 <p:sld xmlns:a="http://schemas.openxmlformats.org/drawingml/2006/main" xmlns:r="http://schemas.openxmlformats.org/officeDocument/2006/relationships" xmlns:p="http://schemas.openxmlformats.org/presentationml/2006/main">
   <p:cSld>
     <p:spTree>
@@ -12334,7 +9937,7 @@
 </p:sld>
 </file>
 
-<file path=ppt/slides/slide17.xml><?xml version="1.0" encoding="utf-8"?>
+<file path=ppt/slides/slide16.xml><?xml version="1.0" encoding="utf-8"?>
 <p:sld xmlns:a="http://schemas.openxmlformats.org/drawingml/2006/main" xmlns:r="http://schemas.openxmlformats.org/officeDocument/2006/relationships" xmlns:p="http://schemas.openxmlformats.org/presentationml/2006/main">
   <p:cSld>
     <p:spTree>
@@ -12459,7 +10062,7 @@
         </p:nvSpPr>
         <p:spPr>
           <a:xfrm>
-            <a:off x="3107094" y="1893809"/>
+            <a:off x="3252236" y="1967521"/>
             <a:ext cx="3007500" cy="1569660"/>
           </a:xfrm>
           <a:prstGeom prst="rect">
@@ -12667,7 +10270,7 @@
           <p:nvPr/>
         </p:nvPicPr>
         <p:blipFill rotWithShape="1">
-          <a:blip r:embed="rId2"/>
+          <a:blip r:embed="rId3"/>
           <a:srcRect l="32637" t="2359" r="32766" b="1678"/>
           <a:stretch/>
         </p:blipFill>
@@ -12696,15 +10299,15 @@
           <p:nvPr/>
         </p:nvPicPr>
         <p:blipFill>
-          <a:blip r:embed="rId3"/>
+          <a:blip r:embed="rId4"/>
           <a:stretch>
             <a:fillRect/>
           </a:stretch>
         </p:blipFill>
         <p:spPr>
           <a:xfrm>
-            <a:off x="1500464" y="1273827"/>
-            <a:ext cx="800100" cy="800100"/>
+            <a:off x="1546478" y="1417689"/>
+            <a:ext cx="598516" cy="598516"/>
           </a:xfrm>
           <a:prstGeom prst="rect">
             <a:avLst/>
@@ -19313,7 +16916,7 @@
           <p:cNvPr id="2" name="Title 1">
             <a:extLst>
               <a:ext uri="{FF2B5EF4-FFF2-40B4-BE49-F238E27FC236}">
-                <a16:creationId xmlns:a16="http://schemas.microsoft.com/office/drawing/2014/main" id="{D09AD6D8-9702-F944-AD19-D4928721A1D1}"/>
+                <a16:creationId xmlns:a16="http://schemas.microsoft.com/office/drawing/2014/main" id="{472B3C38-5CEA-524E-A8C6-032BCDAA68E7}"/>
               </a:ext>
             </a:extLst>
           </p:cNvPr>
@@ -19324,29 +16927,24 @@
             <p:ph type="title"/>
           </p:nvPr>
         </p:nvSpPr>
-        <p:spPr>
-          <a:xfrm>
-            <a:off x="1012723" y="606925"/>
-            <a:ext cx="7157883" cy="528600"/>
-          </a:xfrm>
-        </p:spPr>
+        <p:spPr/>
         <p:txBody>
           <a:bodyPr/>
           <a:lstStyle/>
           <a:p>
             <a:r>
               <a:rPr lang="en-US" dirty="0"/>
-              <a:t>Sentiment Analysis</a:t>
+              <a:t>Latent Dirichlet Allocation (LDA)</a:t>
             </a:r>
           </a:p>
         </p:txBody>
       </p:sp>
       <p:pic>
         <p:nvPicPr>
-          <p:cNvPr id="8" name="Picture 7" descr="A screenshot of a cell phone&#10;&#10;Description automatically generated">
+          <p:cNvPr id="4" name="Picture 3" descr="A picture containing drawing, table&#10;&#10;Description automatically generated">
             <a:extLst>
               <a:ext uri="{FF2B5EF4-FFF2-40B4-BE49-F238E27FC236}">
-                <a16:creationId xmlns:a16="http://schemas.microsoft.com/office/drawing/2014/main" id="{7D73AF4E-F0F5-E946-8249-F936DC3B70EA}"/>
+                <a16:creationId xmlns:a16="http://schemas.microsoft.com/office/drawing/2014/main" id="{B3233095-5C4E-344C-BB5D-4312DD8E4D3C}"/>
               </a:ext>
             </a:extLst>
           </p:cNvPr>
@@ -19363,18 +16961,2404 @@
         </p:blipFill>
         <p:spPr>
           <a:xfrm>
-            <a:off x="806246" y="1532279"/>
-            <a:ext cx="7531510" cy="2891485"/>
+            <a:off x="2547191" y="2032332"/>
+            <a:ext cx="836925" cy="836925"/>
           </a:xfrm>
           <a:prstGeom prst="rect">
             <a:avLst/>
           </a:prstGeom>
         </p:spPr>
       </p:pic>
+      <p:grpSp>
+        <p:nvGrpSpPr>
+          <p:cNvPr id="13" name="Group 12">
+            <a:extLst>
+              <a:ext uri="{FF2B5EF4-FFF2-40B4-BE49-F238E27FC236}">
+                <a16:creationId xmlns:a16="http://schemas.microsoft.com/office/drawing/2014/main" id="{91AF3721-28A2-5247-A278-17F0D1AFF70F}"/>
+              </a:ext>
+            </a:extLst>
+          </p:cNvPr>
+          <p:cNvGrpSpPr/>
+          <p:nvPr/>
+        </p:nvGrpSpPr>
+        <p:grpSpPr>
+          <a:xfrm>
+            <a:off x="848317" y="1975936"/>
+            <a:ext cx="1210371" cy="1032012"/>
+            <a:chOff x="651069" y="515625"/>
+            <a:chExt cx="1261029" cy="975500"/>
+          </a:xfrm>
+        </p:grpSpPr>
+        <p:pic>
+          <p:nvPicPr>
+            <p:cNvPr id="14" name="Picture 13" descr="A picture containing drawing, table&#10;&#10;Description automatically generated">
+              <a:extLst>
+                <a:ext uri="{FF2B5EF4-FFF2-40B4-BE49-F238E27FC236}">
+                  <a16:creationId xmlns:a16="http://schemas.microsoft.com/office/drawing/2014/main" id="{93B6FEB8-1580-1F4B-BAFE-1F5641536AF4}"/>
+                </a:ext>
+              </a:extLst>
+            </p:cNvPr>
+            <p:cNvPicPr>
+              <a:picLocks noChangeAspect="1"/>
+            </p:cNvPicPr>
+            <p:nvPr/>
+          </p:nvPicPr>
+          <p:blipFill>
+            <a:blip r:embed="rId2"/>
+            <a:stretch>
+              <a:fillRect/>
+            </a:stretch>
+          </p:blipFill>
+          <p:spPr>
+            <a:xfrm>
+              <a:off x="651069" y="515625"/>
+              <a:ext cx="711200" cy="711200"/>
+            </a:xfrm>
+            <a:prstGeom prst="rect">
+              <a:avLst/>
+            </a:prstGeom>
+          </p:spPr>
+        </p:pic>
+        <p:pic>
+          <p:nvPicPr>
+            <p:cNvPr id="15" name="Picture 14" descr="A picture containing drawing, table&#10;&#10;Description automatically generated">
+              <a:extLst>
+                <a:ext uri="{FF2B5EF4-FFF2-40B4-BE49-F238E27FC236}">
+                  <a16:creationId xmlns:a16="http://schemas.microsoft.com/office/drawing/2014/main" id="{4CF5DAF9-6CD1-C844-83D0-85B002155ADF}"/>
+                </a:ext>
+              </a:extLst>
+            </p:cNvPr>
+            <p:cNvPicPr>
+              <a:picLocks noChangeAspect="1"/>
+            </p:cNvPicPr>
+            <p:nvPr/>
+          </p:nvPicPr>
+          <p:blipFill rotWithShape="1">
+            <a:blip r:embed="rId2"/>
+            <a:srcRect l="13944"/>
+            <a:stretch/>
+          </p:blipFill>
+          <p:spPr>
+            <a:xfrm>
+              <a:off x="1300067" y="515625"/>
+              <a:ext cx="612031" cy="711200"/>
+            </a:xfrm>
+            <a:prstGeom prst="rect">
+              <a:avLst/>
+            </a:prstGeom>
+          </p:spPr>
+        </p:pic>
+        <p:pic>
+          <p:nvPicPr>
+            <p:cNvPr id="16" name="Picture 15" descr="A picture containing drawing, table&#10;&#10;Description automatically generated">
+              <a:extLst>
+                <a:ext uri="{FF2B5EF4-FFF2-40B4-BE49-F238E27FC236}">
+                  <a16:creationId xmlns:a16="http://schemas.microsoft.com/office/drawing/2014/main" id="{9186FA5F-5816-EF4D-AE16-0B1C81A3D814}"/>
+                </a:ext>
+              </a:extLst>
+            </p:cNvPr>
+            <p:cNvPicPr>
+              <a:picLocks noChangeAspect="1"/>
+            </p:cNvPicPr>
+            <p:nvPr/>
+          </p:nvPicPr>
+          <p:blipFill rotWithShape="1">
+            <a:blip r:embed="rId2"/>
+            <a:srcRect l="11662"/>
+            <a:stretch/>
+          </p:blipFill>
+          <p:spPr>
+            <a:xfrm>
+              <a:off x="1079241" y="779925"/>
+              <a:ext cx="628258" cy="711200"/>
+            </a:xfrm>
+            <a:prstGeom prst="rect">
+              <a:avLst/>
+            </a:prstGeom>
+          </p:spPr>
+        </p:pic>
+      </p:grpSp>
+      <p:grpSp>
+        <p:nvGrpSpPr>
+          <p:cNvPr id="20" name="Group 19">
+            <a:extLst>
+              <a:ext uri="{FF2B5EF4-FFF2-40B4-BE49-F238E27FC236}">
+                <a16:creationId xmlns:a16="http://schemas.microsoft.com/office/drawing/2014/main" id="{23ED655E-F2E2-674E-B4A0-195B6E0E45AF}"/>
+              </a:ext>
+            </a:extLst>
+          </p:cNvPr>
+          <p:cNvGrpSpPr/>
+          <p:nvPr/>
+        </p:nvGrpSpPr>
+        <p:grpSpPr>
+          <a:xfrm>
+            <a:off x="3906949" y="2032332"/>
+            <a:ext cx="791859" cy="1109335"/>
+            <a:chOff x="2594987" y="3364518"/>
+            <a:chExt cx="791859" cy="1109335"/>
+          </a:xfrm>
+        </p:grpSpPr>
+        <p:grpSp>
+          <p:nvGrpSpPr>
+            <p:cNvPr id="5" name="Google Shape;9144;p79">
+              <a:extLst>
+                <a:ext uri="{FF2B5EF4-FFF2-40B4-BE49-F238E27FC236}">
+                  <a16:creationId xmlns:a16="http://schemas.microsoft.com/office/drawing/2014/main" id="{55B752E0-2827-C547-8BB0-8704F29DA666}"/>
+                </a:ext>
+              </a:extLst>
+            </p:cNvPr>
+            <p:cNvGrpSpPr/>
+            <p:nvPr/>
+          </p:nvGrpSpPr>
+          <p:grpSpPr>
+            <a:xfrm rot="5400000">
+              <a:off x="2701150" y="3476451"/>
+              <a:ext cx="797629" cy="573763"/>
+              <a:chOff x="5230575" y="2246859"/>
+              <a:chExt cx="1135749" cy="552207"/>
+            </a:xfrm>
+            <a:solidFill>
+              <a:schemeClr val="accent4"/>
+            </a:solidFill>
+          </p:grpSpPr>
+          <p:sp>
+            <p:nvSpPr>
+              <p:cNvPr id="7" name="Google Shape;9148;p79">
+                <a:extLst>
+                  <a:ext uri="{FF2B5EF4-FFF2-40B4-BE49-F238E27FC236}">
+                    <a16:creationId xmlns:a16="http://schemas.microsoft.com/office/drawing/2014/main" id="{F5DDAB1F-42EE-E84A-A262-36B84F3B9978}"/>
+                  </a:ext>
+                </a:extLst>
+              </p:cNvPr>
+              <p:cNvSpPr/>
+              <p:nvPr/>
+            </p:nvSpPr>
+            <p:spPr>
+              <a:xfrm>
+                <a:off x="5230575" y="2611125"/>
+                <a:ext cx="1071350" cy="157150"/>
+              </a:xfrm>
+              <a:custGeom>
+                <a:avLst/>
+                <a:gdLst/>
+                <a:ahLst/>
+                <a:cxnLst/>
+                <a:rect l="l" t="t" r="r" b="b"/>
+                <a:pathLst>
+                  <a:path w="42854" h="6286" extrusionOk="0">
+                    <a:moveTo>
+                      <a:pt x="0" y="0"/>
+                    </a:moveTo>
+                    <a:lnTo>
+                      <a:pt x="0" y="6285"/>
+                    </a:lnTo>
+                    <a:lnTo>
+                      <a:pt x="42854" y="6285"/>
+                    </a:lnTo>
+                    <a:lnTo>
+                      <a:pt x="42854" y="0"/>
+                    </a:lnTo>
+                    <a:close/>
+                  </a:path>
+                </a:pathLst>
+              </a:custGeom>
+              <a:solidFill>
+                <a:schemeClr val="accent2"/>
+              </a:solidFill>
+              <a:ln w="9525" cap="flat" cmpd="sng">
+                <a:solidFill>
+                  <a:schemeClr val="tx1"/>
+                </a:solidFill>
+                <a:prstDash val="solid"/>
+                <a:round/>
+                <a:headEnd type="none" w="sm" len="sm"/>
+                <a:tailEnd type="none" w="sm" len="sm"/>
+              </a:ln>
+            </p:spPr>
+            <p:txBody>
+              <a:bodyPr spcFirstLastPara="1" wrap="square" lIns="91425" tIns="91425" rIns="91425" bIns="91425" anchor="ctr" anchorCtr="0">
+                <a:noAutofit/>
+              </a:bodyPr>
+              <a:lstStyle/>
+              <a:p>
+                <a:pPr marL="0" lvl="0" indent="0" algn="l" rtl="0">
+                  <a:spcBef>
+                    <a:spcPts val="0"/>
+                  </a:spcBef>
+                  <a:spcAft>
+                    <a:spcPts val="0"/>
+                  </a:spcAft>
+                  <a:buNone/>
+                </a:pPr>
+                <a:endParaRPr/>
+              </a:p>
+            </p:txBody>
+          </p:sp>
+          <p:sp>
+            <p:nvSpPr>
+              <p:cNvPr id="11" name="Google Shape;9156;p79">
+                <a:extLst>
+                  <a:ext uri="{FF2B5EF4-FFF2-40B4-BE49-F238E27FC236}">
+                    <a16:creationId xmlns:a16="http://schemas.microsoft.com/office/drawing/2014/main" id="{28332480-3295-D348-B8F5-B1EA244C9FDB}"/>
+                  </a:ext>
+                </a:extLst>
+              </p:cNvPr>
+              <p:cNvSpPr/>
+              <p:nvPr/>
+            </p:nvSpPr>
+            <p:spPr>
+              <a:xfrm>
+                <a:off x="5800101" y="2348634"/>
+                <a:ext cx="501824" cy="157075"/>
+              </a:xfrm>
+              <a:custGeom>
+                <a:avLst/>
+                <a:gdLst/>
+                <a:ahLst/>
+                <a:cxnLst/>
+                <a:rect l="l" t="t" r="r" b="b"/>
+                <a:pathLst>
+                  <a:path w="20073" h="6283" extrusionOk="0">
+                    <a:moveTo>
+                      <a:pt x="1" y="1"/>
+                    </a:moveTo>
+                    <a:lnTo>
+                      <a:pt x="1" y="6283"/>
+                    </a:lnTo>
+                    <a:lnTo>
+                      <a:pt x="20073" y="6283"/>
+                    </a:lnTo>
+                    <a:lnTo>
+                      <a:pt x="20073" y="1"/>
+                    </a:lnTo>
+                    <a:close/>
+                  </a:path>
+                </a:pathLst>
+              </a:custGeom>
+              <a:grpFill/>
+              <a:ln w="9525" cap="flat" cmpd="sng">
+                <a:solidFill>
+                  <a:schemeClr val="tx1"/>
+                </a:solidFill>
+                <a:prstDash val="solid"/>
+                <a:round/>
+                <a:headEnd type="none" w="sm" len="sm"/>
+                <a:tailEnd type="none" w="sm" len="sm"/>
+              </a:ln>
+            </p:spPr>
+            <p:txBody>
+              <a:bodyPr spcFirstLastPara="1" wrap="square" lIns="91425" tIns="91425" rIns="91425" bIns="91425" anchor="ctr" anchorCtr="0">
+                <a:noAutofit/>
+              </a:bodyPr>
+              <a:lstStyle/>
+              <a:p>
+                <a:pPr marL="0" lvl="0" indent="0" algn="l" rtl="0">
+                  <a:spcBef>
+                    <a:spcPts val="0"/>
+                  </a:spcBef>
+                  <a:spcAft>
+                    <a:spcPts val="0"/>
+                  </a:spcAft>
+                  <a:buNone/>
+                </a:pPr>
+                <a:endParaRPr/>
+              </a:p>
+            </p:txBody>
+          </p:sp>
+          <p:sp>
+            <p:nvSpPr>
+              <p:cNvPr id="12" name="Google Shape;9157;p79">
+                <a:extLst>
+                  <a:ext uri="{FF2B5EF4-FFF2-40B4-BE49-F238E27FC236}">
+                    <a16:creationId xmlns:a16="http://schemas.microsoft.com/office/drawing/2014/main" id="{53219F16-E028-6E4C-8B19-705F4DF338A6}"/>
+                  </a:ext>
+                </a:extLst>
+              </p:cNvPr>
+              <p:cNvSpPr/>
+              <p:nvPr/>
+            </p:nvSpPr>
+            <p:spPr>
+              <a:xfrm>
+                <a:off x="6301224" y="2246859"/>
+                <a:ext cx="65100" cy="552207"/>
+              </a:xfrm>
+              <a:custGeom>
+                <a:avLst/>
+                <a:gdLst/>
+                <a:ahLst/>
+                <a:cxnLst/>
+                <a:rect l="l" t="t" r="r" b="b"/>
+                <a:pathLst>
+                  <a:path w="1" h="62006" fill="none" extrusionOk="0">
+                    <a:moveTo>
+                      <a:pt x="1" y="0"/>
+                    </a:moveTo>
+                    <a:lnTo>
+                      <a:pt x="1" y="62006"/>
+                    </a:lnTo>
+                  </a:path>
+                </a:pathLst>
+              </a:custGeom>
+              <a:grpFill/>
+              <a:ln w="9525" cap="flat" cmpd="sng">
+                <a:solidFill>
+                  <a:schemeClr val="tx1"/>
+                </a:solidFill>
+                <a:prstDash val="solid"/>
+                <a:miter lim="2997"/>
+                <a:headEnd type="none" w="sm" len="sm"/>
+                <a:tailEnd type="none" w="sm" len="sm"/>
+              </a:ln>
+            </p:spPr>
+            <p:txBody>
+              <a:bodyPr spcFirstLastPara="1" wrap="square" lIns="91425" tIns="91425" rIns="91425" bIns="91425" anchor="ctr" anchorCtr="0">
+                <a:noAutofit/>
+              </a:bodyPr>
+              <a:lstStyle/>
+              <a:p>
+                <a:pPr marL="0" lvl="0" indent="0" algn="l" rtl="0">
+                  <a:spcBef>
+                    <a:spcPts val="0"/>
+                  </a:spcBef>
+                  <a:spcAft>
+                    <a:spcPts val="0"/>
+                  </a:spcAft>
+                  <a:buNone/>
+                </a:pPr>
+                <a:endParaRPr/>
+              </a:p>
+            </p:txBody>
+          </p:sp>
+        </p:grpSp>
+        <p:sp>
+          <p:nvSpPr>
+            <p:cNvPr id="18" name="TextBox 17">
+              <a:extLst>
+                <a:ext uri="{FF2B5EF4-FFF2-40B4-BE49-F238E27FC236}">
+                  <a16:creationId xmlns:a16="http://schemas.microsoft.com/office/drawing/2014/main" id="{7A98B39C-B532-F34C-AE7E-54374FF9F6A5}"/>
+                </a:ext>
+              </a:extLst>
+            </p:cNvPr>
+            <p:cNvSpPr txBox="1"/>
+            <p:nvPr/>
+          </p:nvSpPr>
+          <p:spPr>
+            <a:xfrm rot="19382871">
+              <a:off x="2594987" y="4214132"/>
+              <a:ext cx="482824" cy="246221"/>
+            </a:xfrm>
+            <a:prstGeom prst="rect">
+              <a:avLst/>
+            </a:prstGeom>
+            <a:noFill/>
+          </p:spPr>
+          <p:txBody>
+            <a:bodyPr wrap="none" rtlCol="0">
+              <a:spAutoFit/>
+            </a:bodyPr>
+            <a:lstStyle/>
+            <a:p>
+              <a:r>
+                <a:rPr lang="en-US" sz="1000" dirty="0">
+                  <a:solidFill>
+                    <a:srgbClr val="1D262D"/>
+                  </a:solidFill>
+                  <a:latin typeface="Barlow Condensed"/>
+                  <a:sym typeface="Barlow Condensed"/>
+                </a:rPr>
+                <a:t>Topic 1</a:t>
+              </a:r>
+              <a:endParaRPr lang="en-US" sz="1000" dirty="0"/>
+            </a:p>
+          </p:txBody>
+        </p:sp>
+        <p:sp>
+          <p:nvSpPr>
+            <p:cNvPr id="19" name="TextBox 18">
+              <a:extLst>
+                <a:ext uri="{FF2B5EF4-FFF2-40B4-BE49-F238E27FC236}">
+                  <a16:creationId xmlns:a16="http://schemas.microsoft.com/office/drawing/2014/main" id="{0750C76B-DE98-414B-9F2F-67A062A2FA6F}"/>
+                </a:ext>
+              </a:extLst>
+            </p:cNvPr>
+            <p:cNvSpPr txBox="1"/>
+            <p:nvPr/>
+          </p:nvSpPr>
+          <p:spPr>
+            <a:xfrm rot="19382871">
+              <a:off x="2853519" y="4227632"/>
+              <a:ext cx="502061" cy="246221"/>
+            </a:xfrm>
+            <a:prstGeom prst="rect">
+              <a:avLst/>
+            </a:prstGeom>
+            <a:noFill/>
+          </p:spPr>
+          <p:txBody>
+            <a:bodyPr wrap="none" rtlCol="0">
+              <a:spAutoFit/>
+            </a:bodyPr>
+            <a:lstStyle/>
+            <a:p>
+              <a:r>
+                <a:rPr lang="en-US" sz="1000" dirty="0">
+                  <a:solidFill>
+                    <a:srgbClr val="1D262D"/>
+                  </a:solidFill>
+                  <a:latin typeface="Barlow Condensed"/>
+                  <a:sym typeface="Barlow Condensed"/>
+                </a:rPr>
+                <a:t>Topic 2</a:t>
+              </a:r>
+              <a:endParaRPr lang="en-US" sz="1000" dirty="0"/>
+            </a:p>
+          </p:txBody>
+        </p:sp>
+      </p:grpSp>
+      <p:sp>
+        <p:nvSpPr>
+          <p:cNvPr id="23" name="Google Shape;1470;p75">
+            <a:extLst>
+              <a:ext uri="{FF2B5EF4-FFF2-40B4-BE49-F238E27FC236}">
+                <a16:creationId xmlns:a16="http://schemas.microsoft.com/office/drawing/2014/main" id="{2524C2B2-C885-BB46-BAD1-DA3159DF1200}"/>
+              </a:ext>
+            </a:extLst>
+          </p:cNvPr>
+          <p:cNvSpPr/>
+          <p:nvPr/>
+        </p:nvSpPr>
+        <p:spPr>
+          <a:xfrm>
+            <a:off x="2151154" y="2385383"/>
+            <a:ext cx="286507" cy="207353"/>
+          </a:xfrm>
+          <a:custGeom>
+            <a:avLst/>
+            <a:gdLst/>
+            <a:ahLst/>
+            <a:cxnLst/>
+            <a:rect l="l" t="t" r="r" b="b"/>
+            <a:pathLst>
+              <a:path w="2439" h="1848" extrusionOk="0">
+                <a:moveTo>
+                  <a:pt x="1580" y="1"/>
+                </a:moveTo>
+                <a:lnTo>
+                  <a:pt x="1371" y="203"/>
+                </a:lnTo>
+                <a:lnTo>
+                  <a:pt x="1919" y="780"/>
+                </a:lnTo>
+                <a:lnTo>
+                  <a:pt x="1" y="780"/>
+                </a:lnTo>
+                <a:lnTo>
+                  <a:pt x="1" y="1068"/>
+                </a:lnTo>
+                <a:lnTo>
+                  <a:pt x="1919" y="1068"/>
+                </a:lnTo>
+                <a:lnTo>
+                  <a:pt x="1371" y="1645"/>
+                </a:lnTo>
+                <a:lnTo>
+                  <a:pt x="1580" y="1847"/>
+                </a:lnTo>
+                <a:lnTo>
+                  <a:pt x="2439" y="924"/>
+                </a:lnTo>
+                <a:lnTo>
+                  <a:pt x="1580" y="1"/>
+                </a:lnTo>
+                <a:close/>
+              </a:path>
+            </a:pathLst>
+          </a:custGeom>
+          <a:solidFill>
+            <a:schemeClr val="bg2"/>
+          </a:solidFill>
+          <a:ln>
+            <a:noFill/>
+          </a:ln>
+        </p:spPr>
+        <p:txBody>
+          <a:bodyPr spcFirstLastPara="1" wrap="square" lIns="91425" tIns="91425" rIns="91425" bIns="91425" anchor="ctr" anchorCtr="0">
+            <a:noAutofit/>
+          </a:bodyPr>
+          <a:lstStyle/>
+          <a:p>
+            <a:pPr marL="0" lvl="0" indent="0" algn="l" rtl="0">
+              <a:spcBef>
+                <a:spcPts val="0"/>
+              </a:spcBef>
+              <a:spcAft>
+                <a:spcPts val="0"/>
+              </a:spcAft>
+              <a:buNone/>
+            </a:pPr>
+            <a:endParaRPr/>
+          </a:p>
+        </p:txBody>
+      </p:sp>
+      <p:sp>
+        <p:nvSpPr>
+          <p:cNvPr id="24" name="Google Shape;1470;p75">
+            <a:extLst>
+              <a:ext uri="{FF2B5EF4-FFF2-40B4-BE49-F238E27FC236}">
+                <a16:creationId xmlns:a16="http://schemas.microsoft.com/office/drawing/2014/main" id="{9C9C31C3-944C-D445-8346-88ADE59B7F62}"/>
+              </a:ext>
+            </a:extLst>
+          </p:cNvPr>
+          <p:cNvSpPr/>
+          <p:nvPr/>
+        </p:nvSpPr>
+        <p:spPr>
+          <a:xfrm>
+            <a:off x="3590210" y="2389669"/>
+            <a:ext cx="286507" cy="207353"/>
+          </a:xfrm>
+          <a:custGeom>
+            <a:avLst/>
+            <a:gdLst/>
+            <a:ahLst/>
+            <a:cxnLst/>
+            <a:rect l="l" t="t" r="r" b="b"/>
+            <a:pathLst>
+              <a:path w="2439" h="1848" extrusionOk="0">
+                <a:moveTo>
+                  <a:pt x="1580" y="1"/>
+                </a:moveTo>
+                <a:lnTo>
+                  <a:pt x="1371" y="203"/>
+                </a:lnTo>
+                <a:lnTo>
+                  <a:pt x="1919" y="780"/>
+                </a:lnTo>
+                <a:lnTo>
+                  <a:pt x="1" y="780"/>
+                </a:lnTo>
+                <a:lnTo>
+                  <a:pt x="1" y="1068"/>
+                </a:lnTo>
+                <a:lnTo>
+                  <a:pt x="1919" y="1068"/>
+                </a:lnTo>
+                <a:lnTo>
+                  <a:pt x="1371" y="1645"/>
+                </a:lnTo>
+                <a:lnTo>
+                  <a:pt x="1580" y="1847"/>
+                </a:lnTo>
+                <a:lnTo>
+                  <a:pt x="2439" y="924"/>
+                </a:lnTo>
+                <a:lnTo>
+                  <a:pt x="1580" y="1"/>
+                </a:lnTo>
+                <a:close/>
+              </a:path>
+            </a:pathLst>
+          </a:custGeom>
+          <a:solidFill>
+            <a:schemeClr val="bg2"/>
+          </a:solidFill>
+          <a:ln>
+            <a:noFill/>
+          </a:ln>
+        </p:spPr>
+        <p:txBody>
+          <a:bodyPr spcFirstLastPara="1" wrap="square" lIns="91425" tIns="91425" rIns="91425" bIns="91425" anchor="ctr" anchorCtr="0">
+            <a:noAutofit/>
+          </a:bodyPr>
+          <a:lstStyle/>
+          <a:p>
+            <a:pPr marL="0" lvl="0" indent="0" algn="l" rtl="0">
+              <a:spcBef>
+                <a:spcPts val="0"/>
+              </a:spcBef>
+              <a:spcAft>
+                <a:spcPts val="0"/>
+              </a:spcAft>
+              <a:buNone/>
+            </a:pPr>
+            <a:endParaRPr/>
+          </a:p>
+        </p:txBody>
+      </p:sp>
+      <p:sp>
+        <p:nvSpPr>
+          <p:cNvPr id="25" name="Title 1">
+            <a:extLst>
+              <a:ext uri="{FF2B5EF4-FFF2-40B4-BE49-F238E27FC236}">
+                <a16:creationId xmlns:a16="http://schemas.microsoft.com/office/drawing/2014/main" id="{A62FEBB2-216F-CB44-9480-A8D7644C6666}"/>
+              </a:ext>
+            </a:extLst>
+          </p:cNvPr>
+          <p:cNvSpPr txBox="1">
+            <a:spLocks/>
+          </p:cNvSpPr>
+          <p:nvPr/>
+        </p:nvSpPr>
+        <p:spPr>
+          <a:xfrm>
+            <a:off x="725983" y="1374038"/>
+            <a:ext cx="1490519" cy="528600"/>
+          </a:xfrm>
+          <a:prstGeom prst="rect">
+            <a:avLst/>
+          </a:prstGeom>
+          <a:noFill/>
+          <a:ln>
+            <a:noFill/>
+          </a:ln>
+        </p:spPr>
+        <p:txBody>
+          <a:bodyPr spcFirstLastPara="1" wrap="square" lIns="91425" tIns="91425" rIns="91425" bIns="91425" anchor="t" anchorCtr="0">
+            <a:noAutofit/>
+          </a:bodyPr>
+          <a:lstStyle>
+            <a:defPPr marR="0" lvl="0" algn="l" rtl="0">
+              <a:lnSpc>
+                <a:spcPct val="100000"/>
+              </a:lnSpc>
+              <a:spcBef>
+                <a:spcPts val="0"/>
+              </a:spcBef>
+              <a:spcAft>
+                <a:spcPts val="0"/>
+              </a:spcAft>
+            </a:defPPr>
+            <a:lvl1pPr marR="0" lvl="0" algn="ctr" rtl="0">
+              <a:lnSpc>
+                <a:spcPct val="100000"/>
+              </a:lnSpc>
+              <a:spcBef>
+                <a:spcPts val="0"/>
+              </a:spcBef>
+              <a:spcAft>
+                <a:spcPts val="0"/>
+              </a:spcAft>
+              <a:buClr>
+                <a:srgbClr val="1D262D"/>
+              </a:buClr>
+              <a:buSzPts val="3000"/>
+              <a:buFont typeface="Barlow Condensed"/>
+              <a:buNone/>
+              <a:defRPr sz="3000" b="0" i="0" u="none" strike="noStrike" cap="none">
+                <a:solidFill>
+                  <a:srgbClr val="1D262D"/>
+                </a:solidFill>
+                <a:latin typeface="Barlow Condensed"/>
+                <a:ea typeface="Barlow Condensed"/>
+                <a:cs typeface="Barlow Condensed"/>
+                <a:sym typeface="Barlow Condensed"/>
+              </a:defRPr>
+            </a:lvl1pPr>
+            <a:lvl2pPr marR="0" lvl="1" algn="l" rtl="0">
+              <a:lnSpc>
+                <a:spcPct val="100000"/>
+              </a:lnSpc>
+              <a:spcBef>
+                <a:spcPts val="0"/>
+              </a:spcBef>
+              <a:spcAft>
+                <a:spcPts val="0"/>
+              </a:spcAft>
+              <a:buClr>
+                <a:srgbClr val="1D262D"/>
+              </a:buClr>
+              <a:buSzPts val="3000"/>
+              <a:buFont typeface="Barlow Condensed"/>
+              <a:buNone/>
+              <a:defRPr sz="3000" b="0" i="0" u="none" strike="noStrike" cap="none">
+                <a:solidFill>
+                  <a:srgbClr val="1D262D"/>
+                </a:solidFill>
+                <a:latin typeface="Barlow Condensed"/>
+                <a:ea typeface="Barlow Condensed"/>
+                <a:cs typeface="Barlow Condensed"/>
+                <a:sym typeface="Barlow Condensed"/>
+              </a:defRPr>
+            </a:lvl2pPr>
+            <a:lvl3pPr marR="0" lvl="2" algn="l" rtl="0">
+              <a:lnSpc>
+                <a:spcPct val="100000"/>
+              </a:lnSpc>
+              <a:spcBef>
+                <a:spcPts val="0"/>
+              </a:spcBef>
+              <a:spcAft>
+                <a:spcPts val="0"/>
+              </a:spcAft>
+              <a:buClr>
+                <a:srgbClr val="1D262D"/>
+              </a:buClr>
+              <a:buSzPts val="3000"/>
+              <a:buFont typeface="Barlow Condensed"/>
+              <a:buNone/>
+              <a:defRPr sz="3000" b="0" i="0" u="none" strike="noStrike" cap="none">
+                <a:solidFill>
+                  <a:srgbClr val="1D262D"/>
+                </a:solidFill>
+                <a:latin typeface="Barlow Condensed"/>
+                <a:ea typeface="Barlow Condensed"/>
+                <a:cs typeface="Barlow Condensed"/>
+                <a:sym typeface="Barlow Condensed"/>
+              </a:defRPr>
+            </a:lvl3pPr>
+            <a:lvl4pPr marR="0" lvl="3" algn="l" rtl="0">
+              <a:lnSpc>
+                <a:spcPct val="100000"/>
+              </a:lnSpc>
+              <a:spcBef>
+                <a:spcPts val="0"/>
+              </a:spcBef>
+              <a:spcAft>
+                <a:spcPts val="0"/>
+              </a:spcAft>
+              <a:buClr>
+                <a:srgbClr val="1D262D"/>
+              </a:buClr>
+              <a:buSzPts val="3000"/>
+              <a:buFont typeface="Barlow Condensed"/>
+              <a:buNone/>
+              <a:defRPr sz="3000" b="0" i="0" u="none" strike="noStrike" cap="none">
+                <a:solidFill>
+                  <a:srgbClr val="1D262D"/>
+                </a:solidFill>
+                <a:latin typeface="Barlow Condensed"/>
+                <a:ea typeface="Barlow Condensed"/>
+                <a:cs typeface="Barlow Condensed"/>
+                <a:sym typeface="Barlow Condensed"/>
+              </a:defRPr>
+            </a:lvl4pPr>
+            <a:lvl5pPr marR="0" lvl="4" algn="l" rtl="0">
+              <a:lnSpc>
+                <a:spcPct val="100000"/>
+              </a:lnSpc>
+              <a:spcBef>
+                <a:spcPts val="0"/>
+              </a:spcBef>
+              <a:spcAft>
+                <a:spcPts val="0"/>
+              </a:spcAft>
+              <a:buClr>
+                <a:srgbClr val="1D262D"/>
+              </a:buClr>
+              <a:buSzPts val="3000"/>
+              <a:buFont typeface="Barlow Condensed"/>
+              <a:buNone/>
+              <a:defRPr sz="3000" b="0" i="0" u="none" strike="noStrike" cap="none">
+                <a:solidFill>
+                  <a:srgbClr val="1D262D"/>
+                </a:solidFill>
+                <a:latin typeface="Barlow Condensed"/>
+                <a:ea typeface="Barlow Condensed"/>
+                <a:cs typeface="Barlow Condensed"/>
+                <a:sym typeface="Barlow Condensed"/>
+              </a:defRPr>
+            </a:lvl5pPr>
+            <a:lvl6pPr marR="0" lvl="5" algn="l" rtl="0">
+              <a:lnSpc>
+                <a:spcPct val="100000"/>
+              </a:lnSpc>
+              <a:spcBef>
+                <a:spcPts val="0"/>
+              </a:spcBef>
+              <a:spcAft>
+                <a:spcPts val="0"/>
+              </a:spcAft>
+              <a:buClr>
+                <a:srgbClr val="1D262D"/>
+              </a:buClr>
+              <a:buSzPts val="3000"/>
+              <a:buFont typeface="Barlow Condensed"/>
+              <a:buNone/>
+              <a:defRPr sz="3000" b="0" i="0" u="none" strike="noStrike" cap="none">
+                <a:solidFill>
+                  <a:srgbClr val="1D262D"/>
+                </a:solidFill>
+                <a:latin typeface="Barlow Condensed"/>
+                <a:ea typeface="Barlow Condensed"/>
+                <a:cs typeface="Barlow Condensed"/>
+                <a:sym typeface="Barlow Condensed"/>
+              </a:defRPr>
+            </a:lvl6pPr>
+            <a:lvl7pPr marR="0" lvl="6" algn="l" rtl="0">
+              <a:lnSpc>
+                <a:spcPct val="100000"/>
+              </a:lnSpc>
+              <a:spcBef>
+                <a:spcPts val="0"/>
+              </a:spcBef>
+              <a:spcAft>
+                <a:spcPts val="0"/>
+              </a:spcAft>
+              <a:buClr>
+                <a:srgbClr val="1D262D"/>
+              </a:buClr>
+              <a:buSzPts val="3000"/>
+              <a:buFont typeface="Barlow Condensed"/>
+              <a:buNone/>
+              <a:defRPr sz="3000" b="0" i="0" u="none" strike="noStrike" cap="none">
+                <a:solidFill>
+                  <a:srgbClr val="1D262D"/>
+                </a:solidFill>
+                <a:latin typeface="Barlow Condensed"/>
+                <a:ea typeface="Barlow Condensed"/>
+                <a:cs typeface="Barlow Condensed"/>
+                <a:sym typeface="Barlow Condensed"/>
+              </a:defRPr>
+            </a:lvl7pPr>
+            <a:lvl8pPr marR="0" lvl="7" algn="l" rtl="0">
+              <a:lnSpc>
+                <a:spcPct val="100000"/>
+              </a:lnSpc>
+              <a:spcBef>
+                <a:spcPts val="0"/>
+              </a:spcBef>
+              <a:spcAft>
+                <a:spcPts val="0"/>
+              </a:spcAft>
+              <a:buClr>
+                <a:srgbClr val="1D262D"/>
+              </a:buClr>
+              <a:buSzPts val="3000"/>
+              <a:buFont typeface="Barlow Condensed"/>
+              <a:buNone/>
+              <a:defRPr sz="3000" b="0" i="0" u="none" strike="noStrike" cap="none">
+                <a:solidFill>
+                  <a:srgbClr val="1D262D"/>
+                </a:solidFill>
+                <a:latin typeface="Barlow Condensed"/>
+                <a:ea typeface="Barlow Condensed"/>
+                <a:cs typeface="Barlow Condensed"/>
+                <a:sym typeface="Barlow Condensed"/>
+              </a:defRPr>
+            </a:lvl8pPr>
+            <a:lvl9pPr marR="0" lvl="8" algn="l" rtl="0">
+              <a:lnSpc>
+                <a:spcPct val="100000"/>
+              </a:lnSpc>
+              <a:spcBef>
+                <a:spcPts val="0"/>
+              </a:spcBef>
+              <a:spcAft>
+                <a:spcPts val="0"/>
+              </a:spcAft>
+              <a:buClr>
+                <a:srgbClr val="1D262D"/>
+              </a:buClr>
+              <a:buSzPts val="3000"/>
+              <a:buFont typeface="Barlow Condensed"/>
+              <a:buNone/>
+              <a:defRPr sz="3000" b="0" i="0" u="none" strike="noStrike" cap="none">
+                <a:solidFill>
+                  <a:srgbClr val="1D262D"/>
+                </a:solidFill>
+                <a:latin typeface="Barlow Condensed"/>
+                <a:ea typeface="Barlow Condensed"/>
+                <a:cs typeface="Barlow Condensed"/>
+                <a:sym typeface="Barlow Condensed"/>
+              </a:defRPr>
+            </a:lvl9pPr>
+          </a:lstStyle>
+          <a:p>
+            <a:r>
+              <a:rPr lang="en-US" sz="2000" u="sng" dirty="0"/>
+              <a:t>Assumptions</a:t>
+            </a:r>
+          </a:p>
+        </p:txBody>
+      </p:sp>
+      <p:sp>
+        <p:nvSpPr>
+          <p:cNvPr id="26" name="Google Shape;1470;p75">
+            <a:extLst>
+              <a:ext uri="{FF2B5EF4-FFF2-40B4-BE49-F238E27FC236}">
+                <a16:creationId xmlns:a16="http://schemas.microsoft.com/office/drawing/2014/main" id="{7E40C6AC-ADE9-1F48-A9FE-E25B3446DECE}"/>
+              </a:ext>
+            </a:extLst>
+          </p:cNvPr>
+          <p:cNvSpPr/>
+          <p:nvPr/>
+        </p:nvSpPr>
+        <p:spPr>
+          <a:xfrm rot="19747937">
+            <a:off x="4780661" y="2041650"/>
+            <a:ext cx="549451" cy="243153"/>
+          </a:xfrm>
+          <a:custGeom>
+            <a:avLst/>
+            <a:gdLst/>
+            <a:ahLst/>
+            <a:cxnLst/>
+            <a:rect l="l" t="t" r="r" b="b"/>
+            <a:pathLst>
+              <a:path w="2439" h="1848" extrusionOk="0">
+                <a:moveTo>
+                  <a:pt x="1580" y="1"/>
+                </a:moveTo>
+                <a:lnTo>
+                  <a:pt x="1371" y="203"/>
+                </a:lnTo>
+                <a:lnTo>
+                  <a:pt x="1919" y="780"/>
+                </a:lnTo>
+                <a:lnTo>
+                  <a:pt x="1" y="780"/>
+                </a:lnTo>
+                <a:lnTo>
+                  <a:pt x="1" y="1068"/>
+                </a:lnTo>
+                <a:lnTo>
+                  <a:pt x="1919" y="1068"/>
+                </a:lnTo>
+                <a:lnTo>
+                  <a:pt x="1371" y="1645"/>
+                </a:lnTo>
+                <a:lnTo>
+                  <a:pt x="1580" y="1847"/>
+                </a:lnTo>
+                <a:lnTo>
+                  <a:pt x="2439" y="924"/>
+                </a:lnTo>
+                <a:lnTo>
+                  <a:pt x="1580" y="1"/>
+                </a:lnTo>
+                <a:close/>
+              </a:path>
+            </a:pathLst>
+          </a:custGeom>
+          <a:solidFill>
+            <a:schemeClr val="bg2"/>
+          </a:solidFill>
+          <a:ln>
+            <a:noFill/>
+          </a:ln>
+        </p:spPr>
+        <p:txBody>
+          <a:bodyPr spcFirstLastPara="1" wrap="square" lIns="91425" tIns="91425" rIns="91425" bIns="91425" anchor="ctr" anchorCtr="0">
+            <a:noAutofit/>
+          </a:bodyPr>
+          <a:lstStyle/>
+          <a:p>
+            <a:pPr marL="0" lvl="0" indent="0" algn="l" rtl="0">
+              <a:spcBef>
+                <a:spcPts val="0"/>
+              </a:spcBef>
+              <a:spcAft>
+                <a:spcPts val="0"/>
+              </a:spcAft>
+              <a:buNone/>
+            </a:pPr>
+            <a:endParaRPr/>
+          </a:p>
+        </p:txBody>
+      </p:sp>
+      <p:sp>
+        <p:nvSpPr>
+          <p:cNvPr id="27" name="Google Shape;1470;p75">
+            <a:extLst>
+              <a:ext uri="{FF2B5EF4-FFF2-40B4-BE49-F238E27FC236}">
+                <a16:creationId xmlns:a16="http://schemas.microsoft.com/office/drawing/2014/main" id="{D8B67BEE-0193-724B-8331-5D31FE09C13F}"/>
+              </a:ext>
+            </a:extLst>
+          </p:cNvPr>
+          <p:cNvSpPr/>
+          <p:nvPr/>
+        </p:nvSpPr>
+        <p:spPr>
+          <a:xfrm rot="1852063" flipV="1">
+            <a:off x="4778496" y="2482205"/>
+            <a:ext cx="536415" cy="231109"/>
+          </a:xfrm>
+          <a:custGeom>
+            <a:avLst/>
+            <a:gdLst/>
+            <a:ahLst/>
+            <a:cxnLst/>
+            <a:rect l="l" t="t" r="r" b="b"/>
+            <a:pathLst>
+              <a:path w="2439" h="1848" extrusionOk="0">
+                <a:moveTo>
+                  <a:pt x="1580" y="1"/>
+                </a:moveTo>
+                <a:lnTo>
+                  <a:pt x="1371" y="203"/>
+                </a:lnTo>
+                <a:lnTo>
+                  <a:pt x="1919" y="780"/>
+                </a:lnTo>
+                <a:lnTo>
+                  <a:pt x="1" y="780"/>
+                </a:lnTo>
+                <a:lnTo>
+                  <a:pt x="1" y="1068"/>
+                </a:lnTo>
+                <a:lnTo>
+                  <a:pt x="1919" y="1068"/>
+                </a:lnTo>
+                <a:lnTo>
+                  <a:pt x="1371" y="1645"/>
+                </a:lnTo>
+                <a:lnTo>
+                  <a:pt x="1580" y="1847"/>
+                </a:lnTo>
+                <a:lnTo>
+                  <a:pt x="2439" y="924"/>
+                </a:lnTo>
+                <a:lnTo>
+                  <a:pt x="1580" y="1"/>
+                </a:lnTo>
+                <a:close/>
+              </a:path>
+            </a:pathLst>
+          </a:custGeom>
+          <a:solidFill>
+            <a:schemeClr val="bg2"/>
+          </a:solidFill>
+          <a:ln>
+            <a:noFill/>
+          </a:ln>
+        </p:spPr>
+        <p:txBody>
+          <a:bodyPr spcFirstLastPara="1" wrap="square" lIns="91425" tIns="91425" rIns="91425" bIns="91425" anchor="ctr" anchorCtr="0">
+            <a:noAutofit/>
+          </a:bodyPr>
+          <a:lstStyle/>
+          <a:p>
+            <a:pPr marL="0" lvl="0" indent="0" algn="l" rtl="0">
+              <a:spcBef>
+                <a:spcPts val="0"/>
+              </a:spcBef>
+              <a:spcAft>
+                <a:spcPts val="0"/>
+              </a:spcAft>
+              <a:buNone/>
+            </a:pPr>
+            <a:endParaRPr/>
+          </a:p>
+        </p:txBody>
+      </p:sp>
+      <p:sp>
+        <p:nvSpPr>
+          <p:cNvPr id="28" name="Rounded Rectangle 27">
+            <a:extLst>
+              <a:ext uri="{FF2B5EF4-FFF2-40B4-BE49-F238E27FC236}">
+                <a16:creationId xmlns:a16="http://schemas.microsoft.com/office/drawing/2014/main" id="{8162921C-0CCB-CE49-888C-CB08C22AC07A}"/>
+              </a:ext>
+            </a:extLst>
+          </p:cNvPr>
+          <p:cNvSpPr/>
+          <p:nvPr/>
+        </p:nvSpPr>
+        <p:spPr>
+          <a:xfrm>
+            <a:off x="5442753" y="1529001"/>
+            <a:ext cx="1608881" cy="667498"/>
+          </a:xfrm>
+          <a:prstGeom prst="roundRect">
+            <a:avLst/>
+          </a:prstGeom>
+          <a:solidFill>
+            <a:schemeClr val="accent2"/>
+          </a:solidFill>
+          <a:ln w="3175">
+            <a:solidFill>
+              <a:schemeClr val="tx1"/>
+            </a:solidFill>
+          </a:ln>
+        </p:spPr>
+        <p:style>
+          <a:lnRef idx="2">
+            <a:schemeClr val="accent1">
+              <a:shade val="50000"/>
+            </a:schemeClr>
+          </a:lnRef>
+          <a:fillRef idx="1">
+            <a:schemeClr val="accent1"/>
+          </a:fillRef>
+          <a:effectRef idx="0">
+            <a:schemeClr val="accent1"/>
+          </a:effectRef>
+          <a:fontRef idx="minor">
+            <a:schemeClr val="lt1"/>
+          </a:fontRef>
+        </p:style>
+        <p:txBody>
+          <a:bodyPr rtlCol="0" anchor="ctr"/>
+          <a:lstStyle/>
+          <a:p>
+            <a:pPr algn="ctr"/>
+            <a:endParaRPr lang="en-US"/>
+          </a:p>
+        </p:txBody>
+      </p:sp>
+      <p:sp>
+        <p:nvSpPr>
+          <p:cNvPr id="29" name="Rounded Rectangle 28">
+            <a:extLst>
+              <a:ext uri="{FF2B5EF4-FFF2-40B4-BE49-F238E27FC236}">
+                <a16:creationId xmlns:a16="http://schemas.microsoft.com/office/drawing/2014/main" id="{1D97076A-D9E2-DE4F-9BC1-686290301FC0}"/>
+              </a:ext>
+            </a:extLst>
+          </p:cNvPr>
+          <p:cNvSpPr/>
+          <p:nvPr/>
+        </p:nvSpPr>
+        <p:spPr>
+          <a:xfrm>
+            <a:off x="5442753" y="2535508"/>
+            <a:ext cx="1608881" cy="667498"/>
+          </a:xfrm>
+          <a:prstGeom prst="roundRect">
+            <a:avLst/>
+          </a:prstGeom>
+          <a:solidFill>
+            <a:schemeClr val="accent4"/>
+          </a:solidFill>
+          <a:ln w="3175">
+            <a:solidFill>
+              <a:schemeClr val="tx1"/>
+            </a:solidFill>
+          </a:ln>
+        </p:spPr>
+        <p:style>
+          <a:lnRef idx="2">
+            <a:schemeClr val="accent1">
+              <a:shade val="50000"/>
+            </a:schemeClr>
+          </a:lnRef>
+          <a:fillRef idx="1">
+            <a:schemeClr val="accent1"/>
+          </a:fillRef>
+          <a:effectRef idx="0">
+            <a:schemeClr val="accent1"/>
+          </a:effectRef>
+          <a:fontRef idx="minor">
+            <a:schemeClr val="lt1"/>
+          </a:fontRef>
+        </p:style>
+        <p:txBody>
+          <a:bodyPr rtlCol="0" anchor="ctr"/>
+          <a:lstStyle/>
+          <a:p>
+            <a:pPr algn="ctr"/>
+            <a:endParaRPr lang="en-US" dirty="0"/>
+          </a:p>
+        </p:txBody>
+      </p:sp>
+      <p:sp>
+        <p:nvSpPr>
+          <p:cNvPr id="32" name="Title 1">
+            <a:extLst>
+              <a:ext uri="{FF2B5EF4-FFF2-40B4-BE49-F238E27FC236}">
+                <a16:creationId xmlns:a16="http://schemas.microsoft.com/office/drawing/2014/main" id="{C5274036-64A6-1243-957A-3E3D0CA65063}"/>
+              </a:ext>
+            </a:extLst>
+          </p:cNvPr>
+          <p:cNvSpPr txBox="1">
+            <a:spLocks/>
+          </p:cNvSpPr>
+          <p:nvPr/>
+        </p:nvSpPr>
+        <p:spPr>
+          <a:xfrm>
+            <a:off x="5456252" y="1458644"/>
+            <a:ext cx="1608881" cy="808211"/>
+          </a:xfrm>
+          <a:prstGeom prst="rect">
+            <a:avLst/>
+          </a:prstGeom>
+          <a:noFill/>
+          <a:ln>
+            <a:noFill/>
+          </a:ln>
+        </p:spPr>
+        <p:txBody>
+          <a:bodyPr spcFirstLastPara="1" wrap="square" lIns="91425" tIns="91425" rIns="91425" bIns="91425" anchor="t" anchorCtr="0">
+            <a:noAutofit/>
+          </a:bodyPr>
+          <a:lstStyle>
+            <a:defPPr marR="0" lvl="0" algn="l" rtl="0">
+              <a:lnSpc>
+                <a:spcPct val="100000"/>
+              </a:lnSpc>
+              <a:spcBef>
+                <a:spcPts val="0"/>
+              </a:spcBef>
+              <a:spcAft>
+                <a:spcPts val="0"/>
+              </a:spcAft>
+            </a:defPPr>
+            <a:lvl1pPr marR="0" lvl="0" algn="ctr" rtl="0">
+              <a:lnSpc>
+                <a:spcPct val="100000"/>
+              </a:lnSpc>
+              <a:spcBef>
+                <a:spcPts val="0"/>
+              </a:spcBef>
+              <a:spcAft>
+                <a:spcPts val="0"/>
+              </a:spcAft>
+              <a:buClr>
+                <a:srgbClr val="1D262D"/>
+              </a:buClr>
+              <a:buSzPts val="3000"/>
+              <a:buFont typeface="Barlow Condensed"/>
+              <a:buNone/>
+              <a:defRPr sz="3000" b="0" i="0" u="none" strike="noStrike" cap="none">
+                <a:solidFill>
+                  <a:srgbClr val="1D262D"/>
+                </a:solidFill>
+                <a:latin typeface="Barlow Condensed"/>
+                <a:ea typeface="Barlow Condensed"/>
+                <a:cs typeface="Barlow Condensed"/>
+                <a:sym typeface="Barlow Condensed"/>
+              </a:defRPr>
+            </a:lvl1pPr>
+            <a:lvl2pPr marR="0" lvl="1" algn="l" rtl="0">
+              <a:lnSpc>
+                <a:spcPct val="100000"/>
+              </a:lnSpc>
+              <a:spcBef>
+                <a:spcPts val="0"/>
+              </a:spcBef>
+              <a:spcAft>
+                <a:spcPts val="0"/>
+              </a:spcAft>
+              <a:buClr>
+                <a:srgbClr val="1D262D"/>
+              </a:buClr>
+              <a:buSzPts val="3000"/>
+              <a:buFont typeface="Barlow Condensed"/>
+              <a:buNone/>
+              <a:defRPr sz="3000" b="0" i="0" u="none" strike="noStrike" cap="none">
+                <a:solidFill>
+                  <a:srgbClr val="1D262D"/>
+                </a:solidFill>
+                <a:latin typeface="Barlow Condensed"/>
+                <a:ea typeface="Barlow Condensed"/>
+                <a:cs typeface="Barlow Condensed"/>
+                <a:sym typeface="Barlow Condensed"/>
+              </a:defRPr>
+            </a:lvl2pPr>
+            <a:lvl3pPr marR="0" lvl="2" algn="l" rtl="0">
+              <a:lnSpc>
+                <a:spcPct val="100000"/>
+              </a:lnSpc>
+              <a:spcBef>
+                <a:spcPts val="0"/>
+              </a:spcBef>
+              <a:spcAft>
+                <a:spcPts val="0"/>
+              </a:spcAft>
+              <a:buClr>
+                <a:srgbClr val="1D262D"/>
+              </a:buClr>
+              <a:buSzPts val="3000"/>
+              <a:buFont typeface="Barlow Condensed"/>
+              <a:buNone/>
+              <a:defRPr sz="3000" b="0" i="0" u="none" strike="noStrike" cap="none">
+                <a:solidFill>
+                  <a:srgbClr val="1D262D"/>
+                </a:solidFill>
+                <a:latin typeface="Barlow Condensed"/>
+                <a:ea typeface="Barlow Condensed"/>
+                <a:cs typeface="Barlow Condensed"/>
+                <a:sym typeface="Barlow Condensed"/>
+              </a:defRPr>
+            </a:lvl3pPr>
+            <a:lvl4pPr marR="0" lvl="3" algn="l" rtl="0">
+              <a:lnSpc>
+                <a:spcPct val="100000"/>
+              </a:lnSpc>
+              <a:spcBef>
+                <a:spcPts val="0"/>
+              </a:spcBef>
+              <a:spcAft>
+                <a:spcPts val="0"/>
+              </a:spcAft>
+              <a:buClr>
+                <a:srgbClr val="1D262D"/>
+              </a:buClr>
+              <a:buSzPts val="3000"/>
+              <a:buFont typeface="Barlow Condensed"/>
+              <a:buNone/>
+              <a:defRPr sz="3000" b="0" i="0" u="none" strike="noStrike" cap="none">
+                <a:solidFill>
+                  <a:srgbClr val="1D262D"/>
+                </a:solidFill>
+                <a:latin typeface="Barlow Condensed"/>
+                <a:ea typeface="Barlow Condensed"/>
+                <a:cs typeface="Barlow Condensed"/>
+                <a:sym typeface="Barlow Condensed"/>
+              </a:defRPr>
+            </a:lvl4pPr>
+            <a:lvl5pPr marR="0" lvl="4" algn="l" rtl="0">
+              <a:lnSpc>
+                <a:spcPct val="100000"/>
+              </a:lnSpc>
+              <a:spcBef>
+                <a:spcPts val="0"/>
+              </a:spcBef>
+              <a:spcAft>
+                <a:spcPts val="0"/>
+              </a:spcAft>
+              <a:buClr>
+                <a:srgbClr val="1D262D"/>
+              </a:buClr>
+              <a:buSzPts val="3000"/>
+              <a:buFont typeface="Barlow Condensed"/>
+              <a:buNone/>
+              <a:defRPr sz="3000" b="0" i="0" u="none" strike="noStrike" cap="none">
+                <a:solidFill>
+                  <a:srgbClr val="1D262D"/>
+                </a:solidFill>
+                <a:latin typeface="Barlow Condensed"/>
+                <a:ea typeface="Barlow Condensed"/>
+                <a:cs typeface="Barlow Condensed"/>
+                <a:sym typeface="Barlow Condensed"/>
+              </a:defRPr>
+            </a:lvl5pPr>
+            <a:lvl6pPr marR="0" lvl="5" algn="l" rtl="0">
+              <a:lnSpc>
+                <a:spcPct val="100000"/>
+              </a:lnSpc>
+              <a:spcBef>
+                <a:spcPts val="0"/>
+              </a:spcBef>
+              <a:spcAft>
+                <a:spcPts val="0"/>
+              </a:spcAft>
+              <a:buClr>
+                <a:srgbClr val="1D262D"/>
+              </a:buClr>
+              <a:buSzPts val="3000"/>
+              <a:buFont typeface="Barlow Condensed"/>
+              <a:buNone/>
+              <a:defRPr sz="3000" b="0" i="0" u="none" strike="noStrike" cap="none">
+                <a:solidFill>
+                  <a:srgbClr val="1D262D"/>
+                </a:solidFill>
+                <a:latin typeface="Barlow Condensed"/>
+                <a:ea typeface="Barlow Condensed"/>
+                <a:cs typeface="Barlow Condensed"/>
+                <a:sym typeface="Barlow Condensed"/>
+              </a:defRPr>
+            </a:lvl6pPr>
+            <a:lvl7pPr marR="0" lvl="6" algn="l" rtl="0">
+              <a:lnSpc>
+                <a:spcPct val="100000"/>
+              </a:lnSpc>
+              <a:spcBef>
+                <a:spcPts val="0"/>
+              </a:spcBef>
+              <a:spcAft>
+                <a:spcPts val="0"/>
+              </a:spcAft>
+              <a:buClr>
+                <a:srgbClr val="1D262D"/>
+              </a:buClr>
+              <a:buSzPts val="3000"/>
+              <a:buFont typeface="Barlow Condensed"/>
+              <a:buNone/>
+              <a:defRPr sz="3000" b="0" i="0" u="none" strike="noStrike" cap="none">
+                <a:solidFill>
+                  <a:srgbClr val="1D262D"/>
+                </a:solidFill>
+                <a:latin typeface="Barlow Condensed"/>
+                <a:ea typeface="Barlow Condensed"/>
+                <a:cs typeface="Barlow Condensed"/>
+                <a:sym typeface="Barlow Condensed"/>
+              </a:defRPr>
+            </a:lvl7pPr>
+            <a:lvl8pPr marR="0" lvl="7" algn="l" rtl="0">
+              <a:lnSpc>
+                <a:spcPct val="100000"/>
+              </a:lnSpc>
+              <a:spcBef>
+                <a:spcPts val="0"/>
+              </a:spcBef>
+              <a:spcAft>
+                <a:spcPts val="0"/>
+              </a:spcAft>
+              <a:buClr>
+                <a:srgbClr val="1D262D"/>
+              </a:buClr>
+              <a:buSzPts val="3000"/>
+              <a:buFont typeface="Barlow Condensed"/>
+              <a:buNone/>
+              <a:defRPr sz="3000" b="0" i="0" u="none" strike="noStrike" cap="none">
+                <a:solidFill>
+                  <a:srgbClr val="1D262D"/>
+                </a:solidFill>
+                <a:latin typeface="Barlow Condensed"/>
+                <a:ea typeface="Barlow Condensed"/>
+                <a:cs typeface="Barlow Condensed"/>
+                <a:sym typeface="Barlow Condensed"/>
+              </a:defRPr>
+            </a:lvl8pPr>
+            <a:lvl9pPr marR="0" lvl="8" algn="l" rtl="0">
+              <a:lnSpc>
+                <a:spcPct val="100000"/>
+              </a:lnSpc>
+              <a:spcBef>
+                <a:spcPts val="0"/>
+              </a:spcBef>
+              <a:spcAft>
+                <a:spcPts val="0"/>
+              </a:spcAft>
+              <a:buClr>
+                <a:srgbClr val="1D262D"/>
+              </a:buClr>
+              <a:buSzPts val="3000"/>
+              <a:buFont typeface="Barlow Condensed"/>
+              <a:buNone/>
+              <a:defRPr sz="3000" b="0" i="0" u="none" strike="noStrike" cap="none">
+                <a:solidFill>
+                  <a:srgbClr val="1D262D"/>
+                </a:solidFill>
+                <a:latin typeface="Barlow Condensed"/>
+                <a:ea typeface="Barlow Condensed"/>
+                <a:cs typeface="Barlow Condensed"/>
+                <a:sym typeface="Barlow Condensed"/>
+              </a:defRPr>
+            </a:lvl9pPr>
+          </a:lstStyle>
+          <a:p>
+            <a:r>
+              <a:rPr lang="en-US" sz="1200" u="sng" dirty="0"/>
+              <a:t>(0.23, Word 1)</a:t>
+            </a:r>
+          </a:p>
+          <a:p>
+            <a:r>
+              <a:rPr lang="en-US" sz="1200" u="sng" dirty="0"/>
+              <a:t>(0.17, Word 2)</a:t>
+            </a:r>
+          </a:p>
+          <a:p>
+            <a:r>
+              <a:rPr lang="en-US" sz="1200" u="sng" dirty="0"/>
+              <a:t>(0.08, Word 3</a:t>
+            </a:r>
+            <a:r>
+              <a:rPr lang="en-US" sz="1400" u="sng" dirty="0"/>
+              <a:t>)</a:t>
+            </a:r>
+          </a:p>
+        </p:txBody>
+      </p:sp>
+      <p:sp>
+        <p:nvSpPr>
+          <p:cNvPr id="39" name="Title 1">
+            <a:extLst>
+              <a:ext uri="{FF2B5EF4-FFF2-40B4-BE49-F238E27FC236}">
+                <a16:creationId xmlns:a16="http://schemas.microsoft.com/office/drawing/2014/main" id="{BA38B0D2-78AC-EE4D-A3D1-1F270616961D}"/>
+              </a:ext>
+            </a:extLst>
+          </p:cNvPr>
+          <p:cNvSpPr txBox="1">
+            <a:spLocks/>
+          </p:cNvSpPr>
+          <p:nvPr/>
+        </p:nvSpPr>
+        <p:spPr>
+          <a:xfrm>
+            <a:off x="5510349" y="2519942"/>
+            <a:ext cx="1490519" cy="528600"/>
+          </a:xfrm>
+          <a:prstGeom prst="rect">
+            <a:avLst/>
+          </a:prstGeom>
+          <a:noFill/>
+          <a:ln>
+            <a:noFill/>
+          </a:ln>
+        </p:spPr>
+        <p:txBody>
+          <a:bodyPr spcFirstLastPara="1" wrap="square" lIns="91425" tIns="91425" rIns="91425" bIns="91425" anchor="t" anchorCtr="0">
+            <a:noAutofit/>
+          </a:bodyPr>
+          <a:lstStyle>
+            <a:defPPr marR="0" lvl="0" algn="l" rtl="0">
+              <a:lnSpc>
+                <a:spcPct val="100000"/>
+              </a:lnSpc>
+              <a:spcBef>
+                <a:spcPts val="0"/>
+              </a:spcBef>
+              <a:spcAft>
+                <a:spcPts val="0"/>
+              </a:spcAft>
+            </a:defPPr>
+            <a:lvl1pPr marR="0" lvl="0" algn="ctr" rtl="0">
+              <a:lnSpc>
+                <a:spcPct val="100000"/>
+              </a:lnSpc>
+              <a:spcBef>
+                <a:spcPts val="0"/>
+              </a:spcBef>
+              <a:spcAft>
+                <a:spcPts val="0"/>
+              </a:spcAft>
+              <a:buClr>
+                <a:srgbClr val="1D262D"/>
+              </a:buClr>
+              <a:buSzPts val="3000"/>
+              <a:buFont typeface="Barlow Condensed"/>
+              <a:buNone/>
+              <a:defRPr sz="3000" b="0" i="0" u="none" strike="noStrike" cap="none">
+                <a:solidFill>
+                  <a:srgbClr val="1D262D"/>
+                </a:solidFill>
+                <a:latin typeface="Barlow Condensed"/>
+                <a:ea typeface="Barlow Condensed"/>
+                <a:cs typeface="Barlow Condensed"/>
+                <a:sym typeface="Barlow Condensed"/>
+              </a:defRPr>
+            </a:lvl1pPr>
+            <a:lvl2pPr marR="0" lvl="1" algn="l" rtl="0">
+              <a:lnSpc>
+                <a:spcPct val="100000"/>
+              </a:lnSpc>
+              <a:spcBef>
+                <a:spcPts val="0"/>
+              </a:spcBef>
+              <a:spcAft>
+                <a:spcPts val="0"/>
+              </a:spcAft>
+              <a:buClr>
+                <a:srgbClr val="1D262D"/>
+              </a:buClr>
+              <a:buSzPts val="3000"/>
+              <a:buFont typeface="Barlow Condensed"/>
+              <a:buNone/>
+              <a:defRPr sz="3000" b="0" i="0" u="none" strike="noStrike" cap="none">
+                <a:solidFill>
+                  <a:srgbClr val="1D262D"/>
+                </a:solidFill>
+                <a:latin typeface="Barlow Condensed"/>
+                <a:ea typeface="Barlow Condensed"/>
+                <a:cs typeface="Barlow Condensed"/>
+                <a:sym typeface="Barlow Condensed"/>
+              </a:defRPr>
+            </a:lvl2pPr>
+            <a:lvl3pPr marR="0" lvl="2" algn="l" rtl="0">
+              <a:lnSpc>
+                <a:spcPct val="100000"/>
+              </a:lnSpc>
+              <a:spcBef>
+                <a:spcPts val="0"/>
+              </a:spcBef>
+              <a:spcAft>
+                <a:spcPts val="0"/>
+              </a:spcAft>
+              <a:buClr>
+                <a:srgbClr val="1D262D"/>
+              </a:buClr>
+              <a:buSzPts val="3000"/>
+              <a:buFont typeface="Barlow Condensed"/>
+              <a:buNone/>
+              <a:defRPr sz="3000" b="0" i="0" u="none" strike="noStrike" cap="none">
+                <a:solidFill>
+                  <a:srgbClr val="1D262D"/>
+                </a:solidFill>
+                <a:latin typeface="Barlow Condensed"/>
+                <a:ea typeface="Barlow Condensed"/>
+                <a:cs typeface="Barlow Condensed"/>
+                <a:sym typeface="Barlow Condensed"/>
+              </a:defRPr>
+            </a:lvl3pPr>
+            <a:lvl4pPr marR="0" lvl="3" algn="l" rtl="0">
+              <a:lnSpc>
+                <a:spcPct val="100000"/>
+              </a:lnSpc>
+              <a:spcBef>
+                <a:spcPts val="0"/>
+              </a:spcBef>
+              <a:spcAft>
+                <a:spcPts val="0"/>
+              </a:spcAft>
+              <a:buClr>
+                <a:srgbClr val="1D262D"/>
+              </a:buClr>
+              <a:buSzPts val="3000"/>
+              <a:buFont typeface="Barlow Condensed"/>
+              <a:buNone/>
+              <a:defRPr sz="3000" b="0" i="0" u="none" strike="noStrike" cap="none">
+                <a:solidFill>
+                  <a:srgbClr val="1D262D"/>
+                </a:solidFill>
+                <a:latin typeface="Barlow Condensed"/>
+                <a:ea typeface="Barlow Condensed"/>
+                <a:cs typeface="Barlow Condensed"/>
+                <a:sym typeface="Barlow Condensed"/>
+              </a:defRPr>
+            </a:lvl4pPr>
+            <a:lvl5pPr marR="0" lvl="4" algn="l" rtl="0">
+              <a:lnSpc>
+                <a:spcPct val="100000"/>
+              </a:lnSpc>
+              <a:spcBef>
+                <a:spcPts val="0"/>
+              </a:spcBef>
+              <a:spcAft>
+                <a:spcPts val="0"/>
+              </a:spcAft>
+              <a:buClr>
+                <a:srgbClr val="1D262D"/>
+              </a:buClr>
+              <a:buSzPts val="3000"/>
+              <a:buFont typeface="Barlow Condensed"/>
+              <a:buNone/>
+              <a:defRPr sz="3000" b="0" i="0" u="none" strike="noStrike" cap="none">
+                <a:solidFill>
+                  <a:srgbClr val="1D262D"/>
+                </a:solidFill>
+                <a:latin typeface="Barlow Condensed"/>
+                <a:ea typeface="Barlow Condensed"/>
+                <a:cs typeface="Barlow Condensed"/>
+                <a:sym typeface="Barlow Condensed"/>
+              </a:defRPr>
+            </a:lvl5pPr>
+            <a:lvl6pPr marR="0" lvl="5" algn="l" rtl="0">
+              <a:lnSpc>
+                <a:spcPct val="100000"/>
+              </a:lnSpc>
+              <a:spcBef>
+                <a:spcPts val="0"/>
+              </a:spcBef>
+              <a:spcAft>
+                <a:spcPts val="0"/>
+              </a:spcAft>
+              <a:buClr>
+                <a:srgbClr val="1D262D"/>
+              </a:buClr>
+              <a:buSzPts val="3000"/>
+              <a:buFont typeface="Barlow Condensed"/>
+              <a:buNone/>
+              <a:defRPr sz="3000" b="0" i="0" u="none" strike="noStrike" cap="none">
+                <a:solidFill>
+                  <a:srgbClr val="1D262D"/>
+                </a:solidFill>
+                <a:latin typeface="Barlow Condensed"/>
+                <a:ea typeface="Barlow Condensed"/>
+                <a:cs typeface="Barlow Condensed"/>
+                <a:sym typeface="Barlow Condensed"/>
+              </a:defRPr>
+            </a:lvl6pPr>
+            <a:lvl7pPr marR="0" lvl="6" algn="l" rtl="0">
+              <a:lnSpc>
+                <a:spcPct val="100000"/>
+              </a:lnSpc>
+              <a:spcBef>
+                <a:spcPts val="0"/>
+              </a:spcBef>
+              <a:spcAft>
+                <a:spcPts val="0"/>
+              </a:spcAft>
+              <a:buClr>
+                <a:srgbClr val="1D262D"/>
+              </a:buClr>
+              <a:buSzPts val="3000"/>
+              <a:buFont typeface="Barlow Condensed"/>
+              <a:buNone/>
+              <a:defRPr sz="3000" b="0" i="0" u="none" strike="noStrike" cap="none">
+                <a:solidFill>
+                  <a:srgbClr val="1D262D"/>
+                </a:solidFill>
+                <a:latin typeface="Barlow Condensed"/>
+                <a:ea typeface="Barlow Condensed"/>
+                <a:cs typeface="Barlow Condensed"/>
+                <a:sym typeface="Barlow Condensed"/>
+              </a:defRPr>
+            </a:lvl7pPr>
+            <a:lvl8pPr marR="0" lvl="7" algn="l" rtl="0">
+              <a:lnSpc>
+                <a:spcPct val="100000"/>
+              </a:lnSpc>
+              <a:spcBef>
+                <a:spcPts val="0"/>
+              </a:spcBef>
+              <a:spcAft>
+                <a:spcPts val="0"/>
+              </a:spcAft>
+              <a:buClr>
+                <a:srgbClr val="1D262D"/>
+              </a:buClr>
+              <a:buSzPts val="3000"/>
+              <a:buFont typeface="Barlow Condensed"/>
+              <a:buNone/>
+              <a:defRPr sz="3000" b="0" i="0" u="none" strike="noStrike" cap="none">
+                <a:solidFill>
+                  <a:srgbClr val="1D262D"/>
+                </a:solidFill>
+                <a:latin typeface="Barlow Condensed"/>
+                <a:ea typeface="Barlow Condensed"/>
+                <a:cs typeface="Barlow Condensed"/>
+                <a:sym typeface="Barlow Condensed"/>
+              </a:defRPr>
+            </a:lvl8pPr>
+            <a:lvl9pPr marR="0" lvl="8" algn="l" rtl="0">
+              <a:lnSpc>
+                <a:spcPct val="100000"/>
+              </a:lnSpc>
+              <a:spcBef>
+                <a:spcPts val="0"/>
+              </a:spcBef>
+              <a:spcAft>
+                <a:spcPts val="0"/>
+              </a:spcAft>
+              <a:buClr>
+                <a:srgbClr val="1D262D"/>
+              </a:buClr>
+              <a:buSzPts val="3000"/>
+              <a:buFont typeface="Barlow Condensed"/>
+              <a:buNone/>
+              <a:defRPr sz="3000" b="0" i="0" u="none" strike="noStrike" cap="none">
+                <a:solidFill>
+                  <a:srgbClr val="1D262D"/>
+                </a:solidFill>
+                <a:latin typeface="Barlow Condensed"/>
+                <a:ea typeface="Barlow Condensed"/>
+                <a:cs typeface="Barlow Condensed"/>
+                <a:sym typeface="Barlow Condensed"/>
+              </a:defRPr>
+            </a:lvl9pPr>
+          </a:lstStyle>
+          <a:p>
+            <a:r>
+              <a:rPr lang="en-US" sz="1200" u="sng" dirty="0"/>
+              <a:t>(0.18, Word 4)</a:t>
+            </a:r>
+          </a:p>
+          <a:p>
+            <a:r>
+              <a:rPr lang="en-US" sz="1200" u="sng" dirty="0"/>
+              <a:t>(0.10, Word 1)</a:t>
+            </a:r>
+          </a:p>
+          <a:p>
+            <a:r>
+              <a:rPr lang="en-US" sz="1200" u="sng" dirty="0"/>
+              <a:t>(0.04, Word 6)</a:t>
+            </a:r>
+          </a:p>
+        </p:txBody>
+      </p:sp>
+      <p:sp>
+        <p:nvSpPr>
+          <p:cNvPr id="40" name="Title 1">
+            <a:extLst>
+              <a:ext uri="{FF2B5EF4-FFF2-40B4-BE49-F238E27FC236}">
+                <a16:creationId xmlns:a16="http://schemas.microsoft.com/office/drawing/2014/main" id="{1471FF2E-0532-5545-898B-5290B9111EEB}"/>
+              </a:ext>
+            </a:extLst>
+          </p:cNvPr>
+          <p:cNvSpPr txBox="1">
+            <a:spLocks/>
+          </p:cNvSpPr>
+          <p:nvPr/>
+        </p:nvSpPr>
+        <p:spPr>
+          <a:xfrm>
+            <a:off x="725982" y="3217271"/>
+            <a:ext cx="1490519" cy="528600"/>
+          </a:xfrm>
+          <a:prstGeom prst="rect">
+            <a:avLst/>
+          </a:prstGeom>
+          <a:noFill/>
+          <a:ln>
+            <a:noFill/>
+          </a:ln>
+        </p:spPr>
+        <p:txBody>
+          <a:bodyPr spcFirstLastPara="1" wrap="square" lIns="91425" tIns="91425" rIns="91425" bIns="91425" anchor="t" anchorCtr="0">
+            <a:noAutofit/>
+          </a:bodyPr>
+          <a:lstStyle>
+            <a:defPPr marR="0" lvl="0" algn="l" rtl="0">
+              <a:lnSpc>
+                <a:spcPct val="100000"/>
+              </a:lnSpc>
+              <a:spcBef>
+                <a:spcPts val="0"/>
+              </a:spcBef>
+              <a:spcAft>
+                <a:spcPts val="0"/>
+              </a:spcAft>
+            </a:defPPr>
+            <a:lvl1pPr marR="0" lvl="0" algn="ctr" rtl="0">
+              <a:lnSpc>
+                <a:spcPct val="100000"/>
+              </a:lnSpc>
+              <a:spcBef>
+                <a:spcPts val="0"/>
+              </a:spcBef>
+              <a:spcAft>
+                <a:spcPts val="0"/>
+              </a:spcAft>
+              <a:buClr>
+                <a:srgbClr val="1D262D"/>
+              </a:buClr>
+              <a:buSzPts val="3000"/>
+              <a:buFont typeface="Barlow Condensed"/>
+              <a:buNone/>
+              <a:defRPr sz="3000" b="0" i="0" u="none" strike="noStrike" cap="none">
+                <a:solidFill>
+                  <a:srgbClr val="1D262D"/>
+                </a:solidFill>
+                <a:latin typeface="Barlow Condensed"/>
+                <a:ea typeface="Barlow Condensed"/>
+                <a:cs typeface="Barlow Condensed"/>
+                <a:sym typeface="Barlow Condensed"/>
+              </a:defRPr>
+            </a:lvl1pPr>
+            <a:lvl2pPr marR="0" lvl="1" algn="l" rtl="0">
+              <a:lnSpc>
+                <a:spcPct val="100000"/>
+              </a:lnSpc>
+              <a:spcBef>
+                <a:spcPts val="0"/>
+              </a:spcBef>
+              <a:spcAft>
+                <a:spcPts val="0"/>
+              </a:spcAft>
+              <a:buClr>
+                <a:srgbClr val="1D262D"/>
+              </a:buClr>
+              <a:buSzPts val="3000"/>
+              <a:buFont typeface="Barlow Condensed"/>
+              <a:buNone/>
+              <a:defRPr sz="3000" b="0" i="0" u="none" strike="noStrike" cap="none">
+                <a:solidFill>
+                  <a:srgbClr val="1D262D"/>
+                </a:solidFill>
+                <a:latin typeface="Barlow Condensed"/>
+                <a:ea typeface="Barlow Condensed"/>
+                <a:cs typeface="Barlow Condensed"/>
+                <a:sym typeface="Barlow Condensed"/>
+              </a:defRPr>
+            </a:lvl2pPr>
+            <a:lvl3pPr marR="0" lvl="2" algn="l" rtl="0">
+              <a:lnSpc>
+                <a:spcPct val="100000"/>
+              </a:lnSpc>
+              <a:spcBef>
+                <a:spcPts val="0"/>
+              </a:spcBef>
+              <a:spcAft>
+                <a:spcPts val="0"/>
+              </a:spcAft>
+              <a:buClr>
+                <a:srgbClr val="1D262D"/>
+              </a:buClr>
+              <a:buSzPts val="3000"/>
+              <a:buFont typeface="Barlow Condensed"/>
+              <a:buNone/>
+              <a:defRPr sz="3000" b="0" i="0" u="none" strike="noStrike" cap="none">
+                <a:solidFill>
+                  <a:srgbClr val="1D262D"/>
+                </a:solidFill>
+                <a:latin typeface="Barlow Condensed"/>
+                <a:ea typeface="Barlow Condensed"/>
+                <a:cs typeface="Barlow Condensed"/>
+                <a:sym typeface="Barlow Condensed"/>
+              </a:defRPr>
+            </a:lvl3pPr>
+            <a:lvl4pPr marR="0" lvl="3" algn="l" rtl="0">
+              <a:lnSpc>
+                <a:spcPct val="100000"/>
+              </a:lnSpc>
+              <a:spcBef>
+                <a:spcPts val="0"/>
+              </a:spcBef>
+              <a:spcAft>
+                <a:spcPts val="0"/>
+              </a:spcAft>
+              <a:buClr>
+                <a:srgbClr val="1D262D"/>
+              </a:buClr>
+              <a:buSzPts val="3000"/>
+              <a:buFont typeface="Barlow Condensed"/>
+              <a:buNone/>
+              <a:defRPr sz="3000" b="0" i="0" u="none" strike="noStrike" cap="none">
+                <a:solidFill>
+                  <a:srgbClr val="1D262D"/>
+                </a:solidFill>
+                <a:latin typeface="Barlow Condensed"/>
+                <a:ea typeface="Barlow Condensed"/>
+                <a:cs typeface="Barlow Condensed"/>
+                <a:sym typeface="Barlow Condensed"/>
+              </a:defRPr>
+            </a:lvl4pPr>
+            <a:lvl5pPr marR="0" lvl="4" algn="l" rtl="0">
+              <a:lnSpc>
+                <a:spcPct val="100000"/>
+              </a:lnSpc>
+              <a:spcBef>
+                <a:spcPts val="0"/>
+              </a:spcBef>
+              <a:spcAft>
+                <a:spcPts val="0"/>
+              </a:spcAft>
+              <a:buClr>
+                <a:srgbClr val="1D262D"/>
+              </a:buClr>
+              <a:buSzPts val="3000"/>
+              <a:buFont typeface="Barlow Condensed"/>
+              <a:buNone/>
+              <a:defRPr sz="3000" b="0" i="0" u="none" strike="noStrike" cap="none">
+                <a:solidFill>
+                  <a:srgbClr val="1D262D"/>
+                </a:solidFill>
+                <a:latin typeface="Barlow Condensed"/>
+                <a:ea typeface="Barlow Condensed"/>
+                <a:cs typeface="Barlow Condensed"/>
+                <a:sym typeface="Barlow Condensed"/>
+              </a:defRPr>
+            </a:lvl5pPr>
+            <a:lvl6pPr marR="0" lvl="5" algn="l" rtl="0">
+              <a:lnSpc>
+                <a:spcPct val="100000"/>
+              </a:lnSpc>
+              <a:spcBef>
+                <a:spcPts val="0"/>
+              </a:spcBef>
+              <a:spcAft>
+                <a:spcPts val="0"/>
+              </a:spcAft>
+              <a:buClr>
+                <a:srgbClr val="1D262D"/>
+              </a:buClr>
+              <a:buSzPts val="3000"/>
+              <a:buFont typeface="Barlow Condensed"/>
+              <a:buNone/>
+              <a:defRPr sz="3000" b="0" i="0" u="none" strike="noStrike" cap="none">
+                <a:solidFill>
+                  <a:srgbClr val="1D262D"/>
+                </a:solidFill>
+                <a:latin typeface="Barlow Condensed"/>
+                <a:ea typeface="Barlow Condensed"/>
+                <a:cs typeface="Barlow Condensed"/>
+                <a:sym typeface="Barlow Condensed"/>
+              </a:defRPr>
+            </a:lvl6pPr>
+            <a:lvl7pPr marR="0" lvl="6" algn="l" rtl="0">
+              <a:lnSpc>
+                <a:spcPct val="100000"/>
+              </a:lnSpc>
+              <a:spcBef>
+                <a:spcPts val="0"/>
+              </a:spcBef>
+              <a:spcAft>
+                <a:spcPts val="0"/>
+              </a:spcAft>
+              <a:buClr>
+                <a:srgbClr val="1D262D"/>
+              </a:buClr>
+              <a:buSzPts val="3000"/>
+              <a:buFont typeface="Barlow Condensed"/>
+              <a:buNone/>
+              <a:defRPr sz="3000" b="0" i="0" u="none" strike="noStrike" cap="none">
+                <a:solidFill>
+                  <a:srgbClr val="1D262D"/>
+                </a:solidFill>
+                <a:latin typeface="Barlow Condensed"/>
+                <a:ea typeface="Barlow Condensed"/>
+                <a:cs typeface="Barlow Condensed"/>
+                <a:sym typeface="Barlow Condensed"/>
+              </a:defRPr>
+            </a:lvl7pPr>
+            <a:lvl8pPr marR="0" lvl="7" algn="l" rtl="0">
+              <a:lnSpc>
+                <a:spcPct val="100000"/>
+              </a:lnSpc>
+              <a:spcBef>
+                <a:spcPts val="0"/>
+              </a:spcBef>
+              <a:spcAft>
+                <a:spcPts val="0"/>
+              </a:spcAft>
+              <a:buClr>
+                <a:srgbClr val="1D262D"/>
+              </a:buClr>
+              <a:buSzPts val="3000"/>
+              <a:buFont typeface="Barlow Condensed"/>
+              <a:buNone/>
+              <a:defRPr sz="3000" b="0" i="0" u="none" strike="noStrike" cap="none">
+                <a:solidFill>
+                  <a:srgbClr val="1D262D"/>
+                </a:solidFill>
+                <a:latin typeface="Barlow Condensed"/>
+                <a:ea typeface="Barlow Condensed"/>
+                <a:cs typeface="Barlow Condensed"/>
+                <a:sym typeface="Barlow Condensed"/>
+              </a:defRPr>
+            </a:lvl8pPr>
+            <a:lvl9pPr marR="0" lvl="8" algn="l" rtl="0">
+              <a:lnSpc>
+                <a:spcPct val="100000"/>
+              </a:lnSpc>
+              <a:spcBef>
+                <a:spcPts val="0"/>
+              </a:spcBef>
+              <a:spcAft>
+                <a:spcPts val="0"/>
+              </a:spcAft>
+              <a:buClr>
+                <a:srgbClr val="1D262D"/>
+              </a:buClr>
+              <a:buSzPts val="3000"/>
+              <a:buFont typeface="Barlow Condensed"/>
+              <a:buNone/>
+              <a:defRPr sz="3000" b="0" i="0" u="none" strike="noStrike" cap="none">
+                <a:solidFill>
+                  <a:srgbClr val="1D262D"/>
+                </a:solidFill>
+                <a:latin typeface="Barlow Condensed"/>
+                <a:ea typeface="Barlow Condensed"/>
+                <a:cs typeface="Barlow Condensed"/>
+                <a:sym typeface="Barlow Condensed"/>
+              </a:defRPr>
+            </a:lvl9pPr>
+          </a:lstStyle>
+          <a:p>
+            <a:r>
+              <a:rPr lang="en-US" sz="2000" u="sng" dirty="0"/>
+              <a:t>Model Process</a:t>
+            </a:r>
+          </a:p>
+        </p:txBody>
+      </p:sp>
+      <p:sp>
+        <p:nvSpPr>
+          <p:cNvPr id="46" name="Title 1">
+            <a:extLst>
+              <a:ext uri="{FF2B5EF4-FFF2-40B4-BE49-F238E27FC236}">
+                <a16:creationId xmlns:a16="http://schemas.microsoft.com/office/drawing/2014/main" id="{B2489E61-319D-2F43-BA63-D664D7A16047}"/>
+              </a:ext>
+            </a:extLst>
+          </p:cNvPr>
+          <p:cNvSpPr txBox="1">
+            <a:spLocks/>
+          </p:cNvSpPr>
+          <p:nvPr/>
+        </p:nvSpPr>
+        <p:spPr>
+          <a:xfrm>
+            <a:off x="848316" y="3578294"/>
+            <a:ext cx="7754901" cy="528600"/>
+          </a:xfrm>
+          <a:prstGeom prst="rect">
+            <a:avLst/>
+          </a:prstGeom>
+          <a:noFill/>
+          <a:ln>
+            <a:noFill/>
+          </a:ln>
+        </p:spPr>
+        <p:txBody>
+          <a:bodyPr spcFirstLastPara="1" wrap="square" lIns="91425" tIns="91425" rIns="91425" bIns="91425" anchor="t" anchorCtr="0">
+            <a:noAutofit/>
+          </a:bodyPr>
+          <a:lstStyle>
+            <a:defPPr marR="0" lvl="0" algn="l" rtl="0">
+              <a:lnSpc>
+                <a:spcPct val="100000"/>
+              </a:lnSpc>
+              <a:spcBef>
+                <a:spcPts val="0"/>
+              </a:spcBef>
+              <a:spcAft>
+                <a:spcPts val="0"/>
+              </a:spcAft>
+            </a:defPPr>
+            <a:lvl1pPr marR="0" lvl="0" algn="ctr" rtl="0">
+              <a:lnSpc>
+                <a:spcPct val="100000"/>
+              </a:lnSpc>
+              <a:spcBef>
+                <a:spcPts val="0"/>
+              </a:spcBef>
+              <a:spcAft>
+                <a:spcPts val="0"/>
+              </a:spcAft>
+              <a:buClr>
+                <a:srgbClr val="1D262D"/>
+              </a:buClr>
+              <a:buSzPts val="3000"/>
+              <a:buFont typeface="Barlow Condensed"/>
+              <a:buNone/>
+              <a:defRPr sz="3000" b="0" i="0" u="none" strike="noStrike" cap="none">
+                <a:solidFill>
+                  <a:srgbClr val="1D262D"/>
+                </a:solidFill>
+                <a:latin typeface="Barlow Condensed"/>
+                <a:ea typeface="Barlow Condensed"/>
+                <a:cs typeface="Barlow Condensed"/>
+                <a:sym typeface="Barlow Condensed"/>
+              </a:defRPr>
+            </a:lvl1pPr>
+            <a:lvl2pPr marR="0" lvl="1" algn="l" rtl="0">
+              <a:lnSpc>
+                <a:spcPct val="100000"/>
+              </a:lnSpc>
+              <a:spcBef>
+                <a:spcPts val="0"/>
+              </a:spcBef>
+              <a:spcAft>
+                <a:spcPts val="0"/>
+              </a:spcAft>
+              <a:buClr>
+                <a:srgbClr val="1D262D"/>
+              </a:buClr>
+              <a:buSzPts val="3000"/>
+              <a:buFont typeface="Barlow Condensed"/>
+              <a:buNone/>
+              <a:defRPr sz="3000" b="0" i="0" u="none" strike="noStrike" cap="none">
+                <a:solidFill>
+                  <a:srgbClr val="1D262D"/>
+                </a:solidFill>
+                <a:latin typeface="Barlow Condensed"/>
+                <a:ea typeface="Barlow Condensed"/>
+                <a:cs typeface="Barlow Condensed"/>
+                <a:sym typeface="Barlow Condensed"/>
+              </a:defRPr>
+            </a:lvl2pPr>
+            <a:lvl3pPr marR="0" lvl="2" algn="l" rtl="0">
+              <a:lnSpc>
+                <a:spcPct val="100000"/>
+              </a:lnSpc>
+              <a:spcBef>
+                <a:spcPts val="0"/>
+              </a:spcBef>
+              <a:spcAft>
+                <a:spcPts val="0"/>
+              </a:spcAft>
+              <a:buClr>
+                <a:srgbClr val="1D262D"/>
+              </a:buClr>
+              <a:buSzPts val="3000"/>
+              <a:buFont typeface="Barlow Condensed"/>
+              <a:buNone/>
+              <a:defRPr sz="3000" b="0" i="0" u="none" strike="noStrike" cap="none">
+                <a:solidFill>
+                  <a:srgbClr val="1D262D"/>
+                </a:solidFill>
+                <a:latin typeface="Barlow Condensed"/>
+                <a:ea typeface="Barlow Condensed"/>
+                <a:cs typeface="Barlow Condensed"/>
+                <a:sym typeface="Barlow Condensed"/>
+              </a:defRPr>
+            </a:lvl3pPr>
+            <a:lvl4pPr marR="0" lvl="3" algn="l" rtl="0">
+              <a:lnSpc>
+                <a:spcPct val="100000"/>
+              </a:lnSpc>
+              <a:spcBef>
+                <a:spcPts val="0"/>
+              </a:spcBef>
+              <a:spcAft>
+                <a:spcPts val="0"/>
+              </a:spcAft>
+              <a:buClr>
+                <a:srgbClr val="1D262D"/>
+              </a:buClr>
+              <a:buSzPts val="3000"/>
+              <a:buFont typeface="Barlow Condensed"/>
+              <a:buNone/>
+              <a:defRPr sz="3000" b="0" i="0" u="none" strike="noStrike" cap="none">
+                <a:solidFill>
+                  <a:srgbClr val="1D262D"/>
+                </a:solidFill>
+                <a:latin typeface="Barlow Condensed"/>
+                <a:ea typeface="Barlow Condensed"/>
+                <a:cs typeface="Barlow Condensed"/>
+                <a:sym typeface="Barlow Condensed"/>
+              </a:defRPr>
+            </a:lvl4pPr>
+            <a:lvl5pPr marR="0" lvl="4" algn="l" rtl="0">
+              <a:lnSpc>
+                <a:spcPct val="100000"/>
+              </a:lnSpc>
+              <a:spcBef>
+                <a:spcPts val="0"/>
+              </a:spcBef>
+              <a:spcAft>
+                <a:spcPts val="0"/>
+              </a:spcAft>
+              <a:buClr>
+                <a:srgbClr val="1D262D"/>
+              </a:buClr>
+              <a:buSzPts val="3000"/>
+              <a:buFont typeface="Barlow Condensed"/>
+              <a:buNone/>
+              <a:defRPr sz="3000" b="0" i="0" u="none" strike="noStrike" cap="none">
+                <a:solidFill>
+                  <a:srgbClr val="1D262D"/>
+                </a:solidFill>
+                <a:latin typeface="Barlow Condensed"/>
+                <a:ea typeface="Barlow Condensed"/>
+                <a:cs typeface="Barlow Condensed"/>
+                <a:sym typeface="Barlow Condensed"/>
+              </a:defRPr>
+            </a:lvl5pPr>
+            <a:lvl6pPr marR="0" lvl="5" algn="l" rtl="0">
+              <a:lnSpc>
+                <a:spcPct val="100000"/>
+              </a:lnSpc>
+              <a:spcBef>
+                <a:spcPts val="0"/>
+              </a:spcBef>
+              <a:spcAft>
+                <a:spcPts val="0"/>
+              </a:spcAft>
+              <a:buClr>
+                <a:srgbClr val="1D262D"/>
+              </a:buClr>
+              <a:buSzPts val="3000"/>
+              <a:buFont typeface="Barlow Condensed"/>
+              <a:buNone/>
+              <a:defRPr sz="3000" b="0" i="0" u="none" strike="noStrike" cap="none">
+                <a:solidFill>
+                  <a:srgbClr val="1D262D"/>
+                </a:solidFill>
+                <a:latin typeface="Barlow Condensed"/>
+                <a:ea typeface="Barlow Condensed"/>
+                <a:cs typeface="Barlow Condensed"/>
+                <a:sym typeface="Barlow Condensed"/>
+              </a:defRPr>
+            </a:lvl6pPr>
+            <a:lvl7pPr marR="0" lvl="6" algn="l" rtl="0">
+              <a:lnSpc>
+                <a:spcPct val="100000"/>
+              </a:lnSpc>
+              <a:spcBef>
+                <a:spcPts val="0"/>
+              </a:spcBef>
+              <a:spcAft>
+                <a:spcPts val="0"/>
+              </a:spcAft>
+              <a:buClr>
+                <a:srgbClr val="1D262D"/>
+              </a:buClr>
+              <a:buSzPts val="3000"/>
+              <a:buFont typeface="Barlow Condensed"/>
+              <a:buNone/>
+              <a:defRPr sz="3000" b="0" i="0" u="none" strike="noStrike" cap="none">
+                <a:solidFill>
+                  <a:srgbClr val="1D262D"/>
+                </a:solidFill>
+                <a:latin typeface="Barlow Condensed"/>
+                <a:ea typeface="Barlow Condensed"/>
+                <a:cs typeface="Barlow Condensed"/>
+                <a:sym typeface="Barlow Condensed"/>
+              </a:defRPr>
+            </a:lvl7pPr>
+            <a:lvl8pPr marR="0" lvl="7" algn="l" rtl="0">
+              <a:lnSpc>
+                <a:spcPct val="100000"/>
+              </a:lnSpc>
+              <a:spcBef>
+                <a:spcPts val="0"/>
+              </a:spcBef>
+              <a:spcAft>
+                <a:spcPts val="0"/>
+              </a:spcAft>
+              <a:buClr>
+                <a:srgbClr val="1D262D"/>
+              </a:buClr>
+              <a:buSzPts val="3000"/>
+              <a:buFont typeface="Barlow Condensed"/>
+              <a:buNone/>
+              <a:defRPr sz="3000" b="0" i="0" u="none" strike="noStrike" cap="none">
+                <a:solidFill>
+                  <a:srgbClr val="1D262D"/>
+                </a:solidFill>
+                <a:latin typeface="Barlow Condensed"/>
+                <a:ea typeface="Barlow Condensed"/>
+                <a:cs typeface="Barlow Condensed"/>
+                <a:sym typeface="Barlow Condensed"/>
+              </a:defRPr>
+            </a:lvl8pPr>
+            <a:lvl9pPr marR="0" lvl="8" algn="l" rtl="0">
+              <a:lnSpc>
+                <a:spcPct val="100000"/>
+              </a:lnSpc>
+              <a:spcBef>
+                <a:spcPts val="0"/>
+              </a:spcBef>
+              <a:spcAft>
+                <a:spcPts val="0"/>
+              </a:spcAft>
+              <a:buClr>
+                <a:srgbClr val="1D262D"/>
+              </a:buClr>
+              <a:buSzPts val="3000"/>
+              <a:buFont typeface="Barlow Condensed"/>
+              <a:buNone/>
+              <a:defRPr sz="3000" b="0" i="0" u="none" strike="noStrike" cap="none">
+                <a:solidFill>
+                  <a:srgbClr val="1D262D"/>
+                </a:solidFill>
+                <a:latin typeface="Barlow Condensed"/>
+                <a:ea typeface="Barlow Condensed"/>
+                <a:cs typeface="Barlow Condensed"/>
+                <a:sym typeface="Barlow Condensed"/>
+              </a:defRPr>
+            </a:lvl9pPr>
+          </a:lstStyle>
+          <a:p>
+            <a:pPr marL="342900" indent="-342900" algn="l">
+              <a:buSzPct val="100000"/>
+              <a:buFont typeface="+mj-lt"/>
+              <a:buAutoNum type="arabicPeriod"/>
+            </a:pPr>
+            <a:r>
+              <a:rPr lang="en-US" sz="1400" dirty="0"/>
+              <a:t>Select Number of Topics (K)</a:t>
+            </a:r>
+          </a:p>
+          <a:p>
+            <a:pPr marL="342900" indent="-342900" algn="l">
+              <a:buSzPct val="100000"/>
+              <a:buFont typeface="+mj-lt"/>
+              <a:buAutoNum type="arabicPeriod"/>
+            </a:pPr>
+            <a:r>
+              <a:rPr lang="en-US" sz="1400" dirty="0"/>
+              <a:t>For each document, randomly assign a word to topic ( K topics total)</a:t>
+            </a:r>
+          </a:p>
+          <a:p>
+            <a:pPr marL="342900" indent="-342900" algn="l">
+              <a:buSzPct val="100000"/>
+              <a:buFont typeface="+mj-lt"/>
+              <a:buAutoNum type="arabicPeriod"/>
+            </a:pPr>
+            <a:r>
+              <a:rPr lang="en-US" sz="1400" dirty="0"/>
+              <a:t>Repeat word assignment based on p (topic | doc) and p (word | topic)</a:t>
+            </a:r>
+          </a:p>
+          <a:p>
+            <a:pPr marL="342900" indent="-342900" algn="l">
+              <a:buFont typeface="Arial" panose="020B0604020202020204" pitchFamily="34" charset="0"/>
+              <a:buChar char="•"/>
+            </a:pPr>
+            <a:endParaRPr lang="en-US" sz="1400" dirty="0"/>
+          </a:p>
+        </p:txBody>
+      </p:sp>
     </p:spTree>
     <p:extLst>
       <p:ext uri="{BB962C8B-B14F-4D97-AF65-F5344CB8AC3E}">
-        <p14:creationId xmlns:p14="http://schemas.microsoft.com/office/powerpoint/2010/main" val="112569415"/>
+        <p14:creationId xmlns:p14="http://schemas.microsoft.com/office/powerpoint/2010/main" val="1344677431"/>
       </p:ext>
     </p:extLst>
   </p:cSld>
